--- a/Wprowadzenie do rekurencji/I. Wprowadzenie do rekurencji/Zadanie z małpą.pptx
+++ b/Wprowadzenie do rekurencji/I. Wprowadzenie do rekurencji/Zadanie z małpą.pptx
@@ -27325,7 +27325,7 @@
             <a:fld id="{BBA41131-26B7-40CD-BEB9-05F6C32AAE2D}" type="datetimeFigureOut">
               <a:rPr lang="pl-PL"/>
               <a:pPr/>
-              <a:t>07.05.2018</a:t>
+              <a:t>15.05.2018</a:t>
             </a:fld>
             <a:endParaRPr lang="pl-PL"/>
           </a:p>
@@ -27723,7 +27723,7 @@
             <a:fld id="{F98AA868-8872-43E4-8C98-D34DABD1FD38}" type="datetimeFigureOut">
               <a:rPr lang="pl-PL" smtClean="0"/>
               <a:pPr/>
-              <a:t>07.05.2018</a:t>
+              <a:t>15.05.2018</a:t>
             </a:fld>
             <a:endParaRPr lang="pl-PL"/>
           </a:p>
@@ -27893,7 +27893,7 @@
             <a:fld id="{F98AA868-8872-43E4-8C98-D34DABD1FD38}" type="datetimeFigureOut">
               <a:rPr lang="pl-PL" smtClean="0"/>
               <a:pPr/>
-              <a:t>07.05.2018</a:t>
+              <a:t>15.05.2018</a:t>
             </a:fld>
             <a:endParaRPr lang="pl-PL"/>
           </a:p>
@@ -28073,7 +28073,7 @@
             <a:fld id="{F98AA868-8872-43E4-8C98-D34DABD1FD38}" type="datetimeFigureOut">
               <a:rPr lang="pl-PL" smtClean="0"/>
               <a:pPr/>
-              <a:t>07.05.2018</a:t>
+              <a:t>15.05.2018</a:t>
             </a:fld>
             <a:endParaRPr lang="pl-PL"/>
           </a:p>
@@ -28243,7 +28243,7 @@
             <a:fld id="{F98AA868-8872-43E4-8C98-D34DABD1FD38}" type="datetimeFigureOut">
               <a:rPr lang="pl-PL" smtClean="0"/>
               <a:pPr/>
-              <a:t>07.05.2018</a:t>
+              <a:t>15.05.2018</a:t>
             </a:fld>
             <a:endParaRPr lang="pl-PL"/>
           </a:p>
@@ -28490,7 +28490,7 @@
             <a:fld id="{F98AA868-8872-43E4-8C98-D34DABD1FD38}" type="datetimeFigureOut">
               <a:rPr lang="pl-PL" smtClean="0"/>
               <a:pPr/>
-              <a:t>07.05.2018</a:t>
+              <a:t>15.05.2018</a:t>
             </a:fld>
             <a:endParaRPr lang="pl-PL"/>
           </a:p>
@@ -28721,7 +28721,7 @@
             <a:fld id="{F98AA868-8872-43E4-8C98-D34DABD1FD38}" type="datetimeFigureOut">
               <a:rPr lang="pl-PL" smtClean="0"/>
               <a:pPr/>
-              <a:t>07.05.2018</a:t>
+              <a:t>15.05.2018</a:t>
             </a:fld>
             <a:endParaRPr lang="pl-PL"/>
           </a:p>
@@ -29087,7 +29087,7 @@
             <a:fld id="{F98AA868-8872-43E4-8C98-D34DABD1FD38}" type="datetimeFigureOut">
               <a:rPr lang="pl-PL" smtClean="0"/>
               <a:pPr/>
-              <a:t>07.05.2018</a:t>
+              <a:t>15.05.2018</a:t>
             </a:fld>
             <a:endParaRPr lang="pl-PL"/>
           </a:p>
@@ -29206,7 +29206,7 @@
             <a:fld id="{F98AA868-8872-43E4-8C98-D34DABD1FD38}" type="datetimeFigureOut">
               <a:rPr lang="pl-PL" smtClean="0"/>
               <a:pPr/>
-              <a:t>07.05.2018</a:t>
+              <a:t>15.05.2018</a:t>
             </a:fld>
             <a:endParaRPr lang="pl-PL"/>
           </a:p>
@@ -29303,7 +29303,7 @@
             <a:fld id="{F98AA868-8872-43E4-8C98-D34DABD1FD38}" type="datetimeFigureOut">
               <a:rPr lang="pl-PL" smtClean="0"/>
               <a:pPr/>
-              <a:t>07.05.2018</a:t>
+              <a:t>15.05.2018</a:t>
             </a:fld>
             <a:endParaRPr lang="pl-PL"/>
           </a:p>
@@ -29580,7 +29580,7 @@
             <a:fld id="{F98AA868-8872-43E4-8C98-D34DABD1FD38}" type="datetimeFigureOut">
               <a:rPr lang="pl-PL" smtClean="0"/>
               <a:pPr/>
-              <a:t>07.05.2018</a:t>
+              <a:t>15.05.2018</a:t>
             </a:fld>
             <a:endParaRPr lang="pl-PL"/>
           </a:p>
@@ -29834,7 +29834,7 @@
             <a:fld id="{F98AA868-8872-43E4-8C98-D34DABD1FD38}" type="datetimeFigureOut">
               <a:rPr lang="pl-PL" smtClean="0"/>
               <a:pPr/>
-              <a:t>07.05.2018</a:t>
+              <a:t>15.05.2018</a:t>
             </a:fld>
             <a:endParaRPr lang="pl-PL"/>
           </a:p>
@@ -30047,7 +30047,7 @@
             <a:fld id="{F98AA868-8872-43E4-8C98-D34DABD1FD38}" type="datetimeFigureOut">
               <a:rPr lang="pl-PL" smtClean="0"/>
               <a:pPr/>
-              <a:t>07.05.2018</a:t>
+              <a:t>15.05.2018</a:t>
             </a:fld>
             <a:endParaRPr lang="pl-PL"/>
           </a:p>
@@ -31655,7 +31655,7 @@
         <p:spPr/>
         <p:txBody>
           <a:bodyPr>
-            <a:normAutofit lnSpcReduction="10000"/>
+            <a:normAutofit/>
           </a:bodyPr>
           <a:lstStyle/>
           <a:p>
@@ -31737,14 +31737,7 @@
             <a:pPr lvl="1"/>
             <a:r>
               <a:rPr lang="pl-PL" sz="2800" dirty="0"/>
-              <a:t>W przeciwnym wypadku, jeżeli natrafisz na koniec gałęzi:</a:t>
-            </a:r>
-          </a:p>
-          <a:p>
-            <a:pPr lvl="2"/>
-            <a:r>
-              <a:rPr lang="pl-PL" sz="2800" dirty="0"/>
-              <a:t>Cofnij się do najbliższego, niesprawdzonego w pełni, rozgałęzienia</a:t>
+              <a:t>Cofnij się do miejsca, z którego rozpoczynałeś sprawdzenie gałęzi</a:t>
             </a:r>
           </a:p>
         </p:txBody>

--- a/Wprowadzenie do rekurencji/I. Wprowadzenie do rekurencji/Zadanie z małpą.pptx
+++ b/Wprowadzenie do rekurencji/I. Wprowadzenie do rekurencji/Zadanie z małpą.pptx
@@ -7389,13 +7389,13 @@
     <dgm:cxn modelId="{7B9B933A-A65B-A54A-AB9B-160B11FF6E28}" srcId="{0C433654-E965-D74A-8D2B-CA12390B1BE6}" destId="{FDAAE0B0-8023-8A41-A902-34D29E4C01A9}" srcOrd="0" destOrd="0" parTransId="{323CCD23-56F4-D14C-B84B-10FB860D86AF}" sibTransId="{45E347E5-06B6-3C42-ACA2-CE09DF6D14F2}"/>
     <dgm:cxn modelId="{8F1FCC3F-AC9D-2142-A459-AC3AA30927EA}" type="presOf" srcId="{412A7F39-A00B-D044-AB39-A09D665D6A1C}" destId="{61C8481A-0782-4C40-9EB2-EC1035EC8917}" srcOrd="0" destOrd="5" presId="urn:microsoft.com/office/officeart/2005/8/layout/vList2"/>
     <dgm:cxn modelId="{8B934640-F7CA-A945-8783-2FE97C30CE9F}" srcId="{564D7D85-61B0-AC47-BE50-D8FF1763EA3C}" destId="{141C08D5-A941-B14B-B33B-47750B5E6906}" srcOrd="4" destOrd="0" parTransId="{89B3DD7C-A4AF-E947-93E2-AFA864D0CB5A}" sibTransId="{94226F01-9449-4841-A68D-34850DEB906B}"/>
+    <dgm:cxn modelId="{31C73560-D88E-7644-9DCF-0CA82CEAF294}" srcId="{0C433654-E965-D74A-8D2B-CA12390B1BE6}" destId="{9B8B9F17-DF99-9342-AC93-119D0C88718A}" srcOrd="1" destOrd="0" parTransId="{3F03B0A6-64CD-7340-B8D3-3386CCC6E47C}" sibTransId="{87E57475-B415-F348-A241-4AB0464EBD3A}"/>
+    <dgm:cxn modelId="{37B9D666-A530-9D49-B91C-BB30B9EB94C6}" type="presOf" srcId="{564D7D85-61B0-AC47-BE50-D8FF1763EA3C}" destId="{9AAA45CE-0B7E-7146-A7A0-1EC71B403540}" srcOrd="0" destOrd="0" presId="urn:microsoft.com/office/officeart/2005/8/layout/vList2"/>
     <dgm:cxn modelId="{0DBA0C47-A04C-EE4B-B15E-ABDACFDA8700}" srcId="{564D7D85-61B0-AC47-BE50-D8FF1763EA3C}" destId="{6D7B3B08-3472-674C-8386-5760EF70E103}" srcOrd="3" destOrd="0" parTransId="{07B7C3BE-3920-1145-8C48-E8F733CF99B6}" sibTransId="{3AD5037C-774D-AC47-936E-138152EB244A}"/>
     <dgm:cxn modelId="{3ACD654E-CAD7-294E-972E-F084A36FF2D6}" srcId="{0C433654-E965-D74A-8D2B-CA12390B1BE6}" destId="{412A7F39-A00B-D044-AB39-A09D665D6A1C}" srcOrd="5" destOrd="0" parTransId="{A9BD4D71-B275-F843-99ED-BF7376717AE8}" sibTransId="{61907A69-2E29-3148-86C5-227ED8D0E835}"/>
     <dgm:cxn modelId="{AEC94F50-C001-CE4E-85E2-2D142FD7D93B}" type="presOf" srcId="{8C308D2C-AAB2-C845-BFC3-8EA589820AA1}" destId="{2DAA50D5-FA14-BE45-86DA-B9A9730BC9F6}" srcOrd="0" destOrd="2" presId="urn:microsoft.com/office/officeart/2005/8/layout/vList2"/>
+    <dgm:cxn modelId="{73B84877-7856-CD45-A61D-6F1AADC4E3FF}" srcId="{BACCFF47-C623-E34F-A983-98843F300FAF}" destId="{0C433654-E965-D74A-8D2B-CA12390B1BE6}" srcOrd="0" destOrd="0" parTransId="{02FFCEB3-A515-E346-B11C-37D9A7BBD5B7}" sibTransId="{834BB999-CFD7-CE45-9282-1EF61039DE75}"/>
     <dgm:cxn modelId="{00CF9958-02E4-3D49-9DF8-87CFB77C7C48}" type="presOf" srcId="{6D7B3B08-3472-674C-8386-5760EF70E103}" destId="{2DAA50D5-FA14-BE45-86DA-B9A9730BC9F6}" srcOrd="0" destOrd="3" presId="urn:microsoft.com/office/officeart/2005/8/layout/vList2"/>
-    <dgm:cxn modelId="{31C73560-D88E-7644-9DCF-0CA82CEAF294}" srcId="{0C433654-E965-D74A-8D2B-CA12390B1BE6}" destId="{9B8B9F17-DF99-9342-AC93-119D0C88718A}" srcOrd="1" destOrd="0" parTransId="{3F03B0A6-64CD-7340-B8D3-3386CCC6E47C}" sibTransId="{87E57475-B415-F348-A241-4AB0464EBD3A}"/>
-    <dgm:cxn modelId="{37B9D666-A530-9D49-B91C-BB30B9EB94C6}" type="presOf" srcId="{564D7D85-61B0-AC47-BE50-D8FF1763EA3C}" destId="{9AAA45CE-0B7E-7146-A7A0-1EC71B403540}" srcOrd="0" destOrd="0" presId="urn:microsoft.com/office/officeart/2005/8/layout/vList2"/>
-    <dgm:cxn modelId="{73B84877-7856-CD45-A61D-6F1AADC4E3FF}" srcId="{BACCFF47-C623-E34F-A983-98843F300FAF}" destId="{0C433654-E965-D74A-8D2B-CA12390B1BE6}" srcOrd="0" destOrd="0" parTransId="{02FFCEB3-A515-E346-B11C-37D9A7BBD5B7}" sibTransId="{834BB999-CFD7-CE45-9282-1EF61039DE75}"/>
     <dgm:cxn modelId="{25752579-793D-164C-9313-6A418016C33F}" srcId="{0C433654-E965-D74A-8D2B-CA12390B1BE6}" destId="{04676674-70B1-6E41-9B28-5C6D5F171FD5}" srcOrd="4" destOrd="0" parTransId="{A8E85219-AA3C-4E48-A072-54F871E1E868}" sibTransId="{AD2B3E56-40F9-2746-9A3A-9DCE4C7EE261}"/>
     <dgm:cxn modelId="{67935596-F81A-C545-8B5D-AC7FCEA2C8A8}" type="presOf" srcId="{141C08D5-A941-B14B-B33B-47750B5E6906}" destId="{2DAA50D5-FA14-BE45-86DA-B9A9730BC9F6}" srcOrd="0" destOrd="4" presId="urn:microsoft.com/office/officeart/2005/8/layout/vList2"/>
     <dgm:cxn modelId="{C0C61C9C-4D95-3447-A23F-0E2369C120BB}" srcId="{564D7D85-61B0-AC47-BE50-D8FF1763EA3C}" destId="{8C308D2C-AAB2-C845-BFC3-8EA589820AA1}" srcOrd="2" destOrd="0" parTransId="{B0C5C1FB-9BBA-444D-9C0B-C8D73317BF17}" sibTransId="{03134B21-BD65-3442-BA91-03A4BBF740F1}"/>
@@ -7945,12 +7945,12 @@
     <dgm:cxn modelId="{333B9432-EC9F-8D43-87E3-098A6A12DC49}" type="presOf" srcId="{9B8B9F17-DF99-9342-AC93-119D0C88718A}" destId="{61C8481A-0782-4C40-9EB2-EC1035EC8917}" srcOrd="0" destOrd="2" presId="urn:microsoft.com/office/officeart/2005/8/layout/vList2"/>
     <dgm:cxn modelId="{7B9B933A-A65B-A54A-AB9B-160B11FF6E28}" srcId="{0920A1DB-C074-934B-80F4-77F3C8EF263A}" destId="{FDAAE0B0-8023-8A41-A902-34D29E4C01A9}" srcOrd="0" destOrd="0" parTransId="{323CCD23-56F4-D14C-B84B-10FB860D86AF}" sibTransId="{45E347E5-06B6-3C42-ACA2-CE09DF6D14F2}"/>
     <dgm:cxn modelId="{8B934640-F7CA-A945-8783-2FE97C30CE9F}" srcId="{564D7D85-61B0-AC47-BE50-D8FF1763EA3C}" destId="{141C08D5-A941-B14B-B33B-47750B5E6906}" srcOrd="4" destOrd="0" parTransId="{89B3DD7C-A4AF-E947-93E2-AFA864D0CB5A}" sibTransId="{94226F01-9449-4841-A68D-34850DEB906B}"/>
+    <dgm:cxn modelId="{31C73560-D88E-7644-9DCF-0CA82CEAF294}" srcId="{0C433654-E965-D74A-8D2B-CA12390B1BE6}" destId="{9B8B9F17-DF99-9342-AC93-119D0C88718A}" srcOrd="1" destOrd="0" parTransId="{3F03B0A6-64CD-7340-B8D3-3386CCC6E47C}" sibTransId="{87E57475-B415-F348-A241-4AB0464EBD3A}"/>
+    <dgm:cxn modelId="{37B9D666-A530-9D49-B91C-BB30B9EB94C6}" type="presOf" srcId="{564D7D85-61B0-AC47-BE50-D8FF1763EA3C}" destId="{9AAA45CE-0B7E-7146-A7A0-1EC71B403540}" srcOrd="0" destOrd="0" presId="urn:microsoft.com/office/officeart/2005/8/layout/vList2"/>
     <dgm:cxn modelId="{0DBA0C47-A04C-EE4B-B15E-ABDACFDA8700}" srcId="{564D7D85-61B0-AC47-BE50-D8FF1763EA3C}" destId="{6D7B3B08-3472-674C-8386-5760EF70E103}" srcOrd="3" destOrd="0" parTransId="{07B7C3BE-3920-1145-8C48-E8F733CF99B6}" sibTransId="{3AD5037C-774D-AC47-936E-138152EB244A}"/>
     <dgm:cxn modelId="{AEC94F50-C001-CE4E-85E2-2D142FD7D93B}" type="presOf" srcId="{8C308D2C-AAB2-C845-BFC3-8EA589820AA1}" destId="{2DAA50D5-FA14-BE45-86DA-B9A9730BC9F6}" srcOrd="0" destOrd="2" presId="urn:microsoft.com/office/officeart/2005/8/layout/vList2"/>
+    <dgm:cxn modelId="{73B84877-7856-CD45-A61D-6F1AADC4E3FF}" srcId="{BACCFF47-C623-E34F-A983-98843F300FAF}" destId="{0C433654-E965-D74A-8D2B-CA12390B1BE6}" srcOrd="0" destOrd="0" parTransId="{02FFCEB3-A515-E346-B11C-37D9A7BBD5B7}" sibTransId="{834BB999-CFD7-CE45-9282-1EF61039DE75}"/>
     <dgm:cxn modelId="{00CF9958-02E4-3D49-9DF8-87CFB77C7C48}" type="presOf" srcId="{6D7B3B08-3472-674C-8386-5760EF70E103}" destId="{2DAA50D5-FA14-BE45-86DA-B9A9730BC9F6}" srcOrd="0" destOrd="3" presId="urn:microsoft.com/office/officeart/2005/8/layout/vList2"/>
-    <dgm:cxn modelId="{31C73560-D88E-7644-9DCF-0CA82CEAF294}" srcId="{0C433654-E965-D74A-8D2B-CA12390B1BE6}" destId="{9B8B9F17-DF99-9342-AC93-119D0C88718A}" srcOrd="1" destOrd="0" parTransId="{3F03B0A6-64CD-7340-B8D3-3386CCC6E47C}" sibTransId="{87E57475-B415-F348-A241-4AB0464EBD3A}"/>
-    <dgm:cxn modelId="{37B9D666-A530-9D49-B91C-BB30B9EB94C6}" type="presOf" srcId="{564D7D85-61B0-AC47-BE50-D8FF1763EA3C}" destId="{9AAA45CE-0B7E-7146-A7A0-1EC71B403540}" srcOrd="0" destOrd="0" presId="urn:microsoft.com/office/officeart/2005/8/layout/vList2"/>
-    <dgm:cxn modelId="{73B84877-7856-CD45-A61D-6F1AADC4E3FF}" srcId="{BACCFF47-C623-E34F-A983-98843F300FAF}" destId="{0C433654-E965-D74A-8D2B-CA12390B1BE6}" srcOrd="0" destOrd="0" parTransId="{02FFCEB3-A515-E346-B11C-37D9A7BBD5B7}" sibTransId="{834BB999-CFD7-CE45-9282-1EF61039DE75}"/>
     <dgm:cxn modelId="{25752579-793D-164C-9313-6A418016C33F}" srcId="{0C433654-E965-D74A-8D2B-CA12390B1BE6}" destId="{04676674-70B1-6E41-9B28-5C6D5F171FD5}" srcOrd="4" destOrd="0" parTransId="{A8E85219-AA3C-4E48-A072-54F871E1E868}" sibTransId="{AD2B3E56-40F9-2746-9A3A-9DCE4C7EE261}"/>
     <dgm:cxn modelId="{140AC180-9CD2-8D46-91A8-5892EB22A92D}" srcId="{0C433654-E965-D74A-8D2B-CA12390B1BE6}" destId="{0920A1DB-C074-934B-80F4-77F3C8EF263A}" srcOrd="0" destOrd="0" parTransId="{EF15513E-D771-114B-B2BC-088F280DB37B}" sibTransId="{1B95FAA8-588B-5C4F-A5E8-06C6E14D58A1}"/>
     <dgm:cxn modelId="{0285F78D-BBEA-E947-80B5-6CB56D8461F9}" type="presOf" srcId="{0920A1DB-C074-934B-80F4-77F3C8EF263A}" destId="{61C8481A-0782-4C40-9EB2-EC1035EC8917}" srcOrd="0" destOrd="0" presId="urn:microsoft.com/office/officeart/2005/8/layout/vList2"/>
@@ -8506,13 +8506,13 @@
     <dgm:cxn modelId="{412C752B-3FE3-444D-A062-4DDCCA35551D}" type="presOf" srcId="{6B7D47CC-BB4A-3E46-8E29-0EA86727CD3F}" destId="{2DAA50D5-FA14-BE45-86DA-B9A9730BC9F6}" srcOrd="0" destOrd="1" presId="urn:microsoft.com/office/officeart/2005/8/layout/vList2"/>
     <dgm:cxn modelId="{7B9B933A-A65B-A54A-AB9B-160B11FF6E28}" srcId="{939D672F-CB9A-A842-9438-873CDFA5CB6F}" destId="{FDAAE0B0-8023-8A41-A902-34D29E4C01A9}" srcOrd="0" destOrd="0" parTransId="{323CCD23-56F4-D14C-B84B-10FB860D86AF}" sibTransId="{45E347E5-06B6-3C42-ACA2-CE09DF6D14F2}"/>
     <dgm:cxn modelId="{8B934640-F7CA-A945-8783-2FE97C30CE9F}" srcId="{564D7D85-61B0-AC47-BE50-D8FF1763EA3C}" destId="{141C08D5-A941-B14B-B33B-47750B5E6906}" srcOrd="4" destOrd="0" parTransId="{89B3DD7C-A4AF-E947-93E2-AFA864D0CB5A}" sibTransId="{94226F01-9449-4841-A68D-34850DEB906B}"/>
+    <dgm:cxn modelId="{31C73560-D88E-7644-9DCF-0CA82CEAF294}" srcId="{FDAAE0B0-8023-8A41-A902-34D29E4C01A9}" destId="{9B8B9F17-DF99-9342-AC93-119D0C88718A}" srcOrd="0" destOrd="0" parTransId="{3F03B0A6-64CD-7340-B8D3-3386CCC6E47C}" sibTransId="{87E57475-B415-F348-A241-4AB0464EBD3A}"/>
     <dgm:cxn modelId="{705EEE42-1CBE-6A4C-8B72-35B36CF99A3B}" type="presOf" srcId="{BACCFF47-C623-E34F-A983-98843F300FAF}" destId="{226BF577-EBC4-EC4E-8A8D-06B2D04CDEFE}" srcOrd="0" destOrd="0" presId="urn:microsoft.com/office/officeart/2005/8/layout/vList2"/>
+    <dgm:cxn modelId="{BCF9FA62-2FB1-F848-BF53-CDC9752AFB0B}" type="presOf" srcId="{939D672F-CB9A-A842-9438-873CDFA5CB6F}" destId="{61C8481A-0782-4C40-9EB2-EC1035EC8917}" srcOrd="0" destOrd="0" presId="urn:microsoft.com/office/officeart/2005/8/layout/vList2"/>
+    <dgm:cxn modelId="{66C05263-DB16-D344-B765-09E995014950}" srcId="{0C433654-E965-D74A-8D2B-CA12390B1BE6}" destId="{939D672F-CB9A-A842-9438-873CDFA5CB6F}" srcOrd="0" destOrd="0" parTransId="{4C336DE4-913A-D145-97E4-5F326789EEB1}" sibTransId="{101467B2-7113-BC46-A12E-B8EDDF66D8F4}"/>
     <dgm:cxn modelId="{0DBA0C47-A04C-EE4B-B15E-ABDACFDA8700}" srcId="{564D7D85-61B0-AC47-BE50-D8FF1763EA3C}" destId="{6D7B3B08-3472-674C-8386-5760EF70E103}" srcOrd="3" destOrd="0" parTransId="{07B7C3BE-3920-1145-8C48-E8F733CF99B6}" sibTransId="{3AD5037C-774D-AC47-936E-138152EB244A}"/>
     <dgm:cxn modelId="{3ACD654E-CAD7-294E-972E-F084A36FF2D6}" srcId="{0C433654-E965-D74A-8D2B-CA12390B1BE6}" destId="{412A7F39-A00B-D044-AB39-A09D665D6A1C}" srcOrd="3" destOrd="0" parTransId="{A9BD4D71-B275-F843-99ED-BF7376717AE8}" sibTransId="{61907A69-2E29-3148-86C5-227ED8D0E835}"/>
     <dgm:cxn modelId="{EDE63D53-14B1-9C43-AF94-FB4D8CA78D0B}" type="presOf" srcId="{0C433654-E965-D74A-8D2B-CA12390B1BE6}" destId="{B62B7F9B-4F42-2540-935A-395DB42EE583}" srcOrd="0" destOrd="0" presId="urn:microsoft.com/office/officeart/2005/8/layout/vList2"/>
-    <dgm:cxn modelId="{31C73560-D88E-7644-9DCF-0CA82CEAF294}" srcId="{FDAAE0B0-8023-8A41-A902-34D29E4C01A9}" destId="{9B8B9F17-DF99-9342-AC93-119D0C88718A}" srcOrd="0" destOrd="0" parTransId="{3F03B0A6-64CD-7340-B8D3-3386CCC6E47C}" sibTransId="{87E57475-B415-F348-A241-4AB0464EBD3A}"/>
-    <dgm:cxn modelId="{BCF9FA62-2FB1-F848-BF53-CDC9752AFB0B}" type="presOf" srcId="{939D672F-CB9A-A842-9438-873CDFA5CB6F}" destId="{61C8481A-0782-4C40-9EB2-EC1035EC8917}" srcOrd="0" destOrd="0" presId="urn:microsoft.com/office/officeart/2005/8/layout/vList2"/>
-    <dgm:cxn modelId="{66C05263-DB16-D344-B765-09E995014950}" srcId="{0C433654-E965-D74A-8D2B-CA12390B1BE6}" destId="{939D672F-CB9A-A842-9438-873CDFA5CB6F}" srcOrd="0" destOrd="0" parTransId="{4C336DE4-913A-D145-97E4-5F326789EEB1}" sibTransId="{101467B2-7113-BC46-A12E-B8EDDF66D8F4}"/>
     <dgm:cxn modelId="{73B84877-7856-CD45-A61D-6F1AADC4E3FF}" srcId="{BACCFF47-C623-E34F-A983-98843F300FAF}" destId="{0C433654-E965-D74A-8D2B-CA12390B1BE6}" srcOrd="0" destOrd="0" parTransId="{02FFCEB3-A515-E346-B11C-37D9A7BBD5B7}" sibTransId="{834BB999-CFD7-CE45-9282-1EF61039DE75}"/>
     <dgm:cxn modelId="{25752579-793D-164C-9313-6A418016C33F}" srcId="{0C433654-E965-D74A-8D2B-CA12390B1BE6}" destId="{04676674-70B1-6E41-9B28-5C6D5F171FD5}" srcOrd="2" destOrd="0" parTransId="{A8E85219-AA3C-4E48-A072-54F871E1E868}" sibTransId="{AD2B3E56-40F9-2746-9A3A-9DCE4C7EE261}"/>
     <dgm:cxn modelId="{88C0A38C-74FE-3A45-B32C-7646CCE1BEC7}" type="presOf" srcId="{04676674-70B1-6E41-9B28-5C6D5F171FD5}" destId="{61C8481A-0782-4C40-9EB2-EC1035EC8917}" srcOrd="0" destOrd="4" presId="urn:microsoft.com/office/officeart/2005/8/layout/vList2"/>
@@ -9056,17 +9056,17 @@
     <dgm:cxn modelId="{55234C2A-24F6-E444-BA44-A422DB384F99}" srcId="{564D7D85-61B0-AC47-BE50-D8FF1763EA3C}" destId="{2F5A01B6-6A97-8340-85F5-46D4B03B077C}" srcOrd="1" destOrd="0" parTransId="{44F10BAB-D952-DA4D-9FEC-FCC3CC61D2CA}" sibTransId="{E5AA2C2A-4668-5944-A8CA-497EFA447362}"/>
     <dgm:cxn modelId="{8A642332-90CE-CF4E-854B-3CEA1FFCFE2B}" srcId="{0C433654-E965-D74A-8D2B-CA12390B1BE6}" destId="{42AEE147-DC49-0142-9126-48C83C656FB8}" srcOrd="0" destOrd="0" parTransId="{176975CE-5EA8-DF46-8DD1-4A1163D249FC}" sibTransId="{009A16F1-4D41-8143-9422-534F1F02B261}"/>
     <dgm:cxn modelId="{7B9B933A-A65B-A54A-AB9B-160B11FF6E28}" srcId="{42AEE147-DC49-0142-9126-48C83C656FB8}" destId="{FDAAE0B0-8023-8A41-A902-34D29E4C01A9}" srcOrd="0" destOrd="0" parTransId="{323CCD23-56F4-D14C-B84B-10FB860D86AF}" sibTransId="{45E347E5-06B6-3C42-ACA2-CE09DF6D14F2}"/>
+    <dgm:cxn modelId="{31C73560-D88E-7644-9DCF-0CA82CEAF294}" srcId="{FDAAE0B0-8023-8A41-A902-34D29E4C01A9}" destId="{9B8B9F17-DF99-9342-AC93-119D0C88718A}" srcOrd="0" destOrd="0" parTransId="{3F03B0A6-64CD-7340-B8D3-3386CCC6E47C}" sibTransId="{87E57475-B415-F348-A241-4AB0464EBD3A}"/>
     <dgm:cxn modelId="{0DBA0C47-A04C-EE4B-B15E-ABDACFDA8700}" srcId="{564D7D85-61B0-AC47-BE50-D8FF1763EA3C}" destId="{6D7B3B08-3472-674C-8386-5760EF70E103}" srcOrd="4" destOrd="0" parTransId="{07B7C3BE-3920-1145-8C48-E8F733CF99B6}" sibTransId="{3AD5037C-774D-AC47-936E-138152EB244A}"/>
+    <dgm:cxn modelId="{D8755167-FFD4-FA41-A8D4-9E1A8C93E3B9}" type="presOf" srcId="{6B7D47CC-BB4A-3E46-8E29-0EA86727CD3F}" destId="{2DAA50D5-FA14-BE45-86DA-B9A9730BC9F6}" srcOrd="0" destOrd="2" presId="urn:microsoft.com/office/officeart/2005/8/layout/vList2"/>
     <dgm:cxn modelId="{F713204B-C838-CD4B-812E-4753A2E6A446}" type="presOf" srcId="{FE524CFC-88AA-674E-B029-F632042AD10E}" destId="{61C8481A-0782-4C40-9EB2-EC1035EC8917}" srcOrd="0" destOrd="3" presId="urn:microsoft.com/office/officeart/2005/8/layout/vList2"/>
-    <dgm:cxn modelId="{3ACD654E-CAD7-294E-972E-F084A36FF2D6}" srcId="{0C433654-E965-D74A-8D2B-CA12390B1BE6}" destId="{412A7F39-A00B-D044-AB39-A09D665D6A1C}" srcOrd="2" destOrd="0" parTransId="{A9BD4D71-B275-F843-99ED-BF7376717AE8}" sibTransId="{61907A69-2E29-3148-86C5-227ED8D0E835}"/>
-    <dgm:cxn modelId="{E3932258-E55B-424F-8E49-71144AD74E10}" srcId="{564D7D85-61B0-AC47-BE50-D8FF1763EA3C}" destId="{7F2539F7-48BD-4040-B5E1-F50BD6DE0E5F}" srcOrd="0" destOrd="0" parTransId="{3FDAD04F-D35D-42AC-9586-66F53E7D770C}" sibTransId="{CE4921F1-F796-42D7-B234-62339C1C5939}"/>
-    <dgm:cxn modelId="{31C73560-D88E-7644-9DCF-0CA82CEAF294}" srcId="{FDAAE0B0-8023-8A41-A902-34D29E4C01A9}" destId="{9B8B9F17-DF99-9342-AC93-119D0C88718A}" srcOrd="0" destOrd="0" parTransId="{3F03B0A6-64CD-7340-B8D3-3386CCC6E47C}" sibTransId="{87E57475-B415-F348-A241-4AB0464EBD3A}"/>
-    <dgm:cxn modelId="{D8755167-FFD4-FA41-A8D4-9E1A8C93E3B9}" type="presOf" srcId="{6B7D47CC-BB4A-3E46-8E29-0EA86727CD3F}" destId="{2DAA50D5-FA14-BE45-86DA-B9A9730BC9F6}" srcOrd="0" destOrd="2" presId="urn:microsoft.com/office/officeart/2005/8/layout/vList2"/>
     <dgm:cxn modelId="{2BF4666C-328C-4B42-8C15-DCA8A963E314}" type="presOf" srcId="{2F5A01B6-6A97-8340-85F5-46D4B03B077C}" destId="{2DAA50D5-FA14-BE45-86DA-B9A9730BC9F6}" srcOrd="0" destOrd="1" presId="urn:microsoft.com/office/officeart/2005/8/layout/vList2"/>
     <dgm:cxn modelId="{8E80786D-4B16-694E-8E67-864FAB20B7FA}" type="presOf" srcId="{412A7F39-A00B-D044-AB39-A09D665D6A1C}" destId="{61C8481A-0782-4C40-9EB2-EC1035EC8917}" srcOrd="0" destOrd="5" presId="urn:microsoft.com/office/officeart/2005/8/layout/vList2"/>
+    <dgm:cxn modelId="{3ACD654E-CAD7-294E-972E-F084A36FF2D6}" srcId="{0C433654-E965-D74A-8D2B-CA12390B1BE6}" destId="{412A7F39-A00B-D044-AB39-A09D665D6A1C}" srcOrd="2" destOrd="0" parTransId="{A9BD4D71-B275-F843-99ED-BF7376717AE8}" sibTransId="{61907A69-2E29-3148-86C5-227ED8D0E835}"/>
     <dgm:cxn modelId="{B44BC372-B41A-6F40-B2E3-3D7C6C20AB44}" type="presOf" srcId="{42AEE147-DC49-0142-9126-48C83C656FB8}" destId="{61C8481A-0782-4C40-9EB2-EC1035EC8917}" srcOrd="0" destOrd="0" presId="urn:microsoft.com/office/officeart/2005/8/layout/vList2"/>
     <dgm:cxn modelId="{62386E74-D3D1-7B4B-8CAD-AFD52FC2FC11}" type="presOf" srcId="{1F1A98DE-37C8-724C-90C4-423F3F4894B0}" destId="{61C8481A-0782-4C40-9EB2-EC1035EC8917}" srcOrd="0" destOrd="4" presId="urn:microsoft.com/office/officeart/2005/8/layout/vList2"/>
     <dgm:cxn modelId="{73B84877-7856-CD45-A61D-6F1AADC4E3FF}" srcId="{BACCFF47-C623-E34F-A983-98843F300FAF}" destId="{0C433654-E965-D74A-8D2B-CA12390B1BE6}" srcOrd="0" destOrd="0" parTransId="{02FFCEB3-A515-E346-B11C-37D9A7BBD5B7}" sibTransId="{834BB999-CFD7-CE45-9282-1EF61039DE75}"/>
+    <dgm:cxn modelId="{E3932258-E55B-424F-8E49-71144AD74E10}" srcId="{564D7D85-61B0-AC47-BE50-D8FF1763EA3C}" destId="{7F2539F7-48BD-4040-B5E1-F50BD6DE0E5F}" srcOrd="0" destOrd="0" parTransId="{3FDAD04F-D35D-42AC-9586-66F53E7D770C}" sibTransId="{CE4921F1-F796-42D7-B234-62339C1C5939}"/>
     <dgm:cxn modelId="{20425680-65E6-4146-ADC0-252B14FB2FBC}" type="presOf" srcId="{6D7B3B08-3472-674C-8386-5760EF70E103}" destId="{2DAA50D5-FA14-BE45-86DA-B9A9730BC9F6}" srcOrd="0" destOrd="4" presId="urn:microsoft.com/office/officeart/2005/8/layout/vList2"/>
     <dgm:cxn modelId="{C0C61C9C-4D95-3447-A23F-0E2369C120BB}" srcId="{564D7D85-61B0-AC47-BE50-D8FF1763EA3C}" destId="{8C308D2C-AAB2-C845-BFC3-8EA589820AA1}" srcOrd="3" destOrd="0" parTransId="{B0C5C1FB-9BBA-444D-9C0B-C8D73317BF17}" sibTransId="{03134B21-BD65-3442-BA91-03A4BBF740F1}"/>
     <dgm:cxn modelId="{70EDAA9D-3A1C-ED4D-8E6B-6BAEA43C6862}" type="presOf" srcId="{9B8B9F17-DF99-9342-AC93-119D0C88718A}" destId="{61C8481A-0782-4C40-9EB2-EC1035EC8917}" srcOrd="0" destOrd="2" presId="urn:microsoft.com/office/officeart/2005/8/layout/vList2"/>
@@ -9621,14 +9621,14 @@
     <dgm:cxn modelId="{55234C2A-24F6-E444-BA44-A422DB384F99}" srcId="{564D7D85-61B0-AC47-BE50-D8FF1763EA3C}" destId="{2F5A01B6-6A97-8340-85F5-46D4B03B077C}" srcOrd="1" destOrd="0" parTransId="{44F10BAB-D952-DA4D-9FEC-FCC3CC61D2CA}" sibTransId="{E5AA2C2A-4668-5944-A8CA-497EFA447362}"/>
     <dgm:cxn modelId="{2546172F-79A8-CB44-B814-C4321845A9F4}" type="presOf" srcId="{412A7F39-A00B-D044-AB39-A09D665D6A1C}" destId="{61C8481A-0782-4C40-9EB2-EC1035EC8917}" srcOrd="0" destOrd="5" presId="urn:microsoft.com/office/officeart/2005/8/layout/vList2"/>
     <dgm:cxn modelId="{7B9B933A-A65B-A54A-AB9B-160B11FF6E28}" srcId="{7B4786E5-54A1-6A4F-A01D-4ACDC805D80B}" destId="{FDAAE0B0-8023-8A41-A902-34D29E4C01A9}" srcOrd="0" destOrd="0" parTransId="{323CCD23-56F4-D14C-B84B-10FB860D86AF}" sibTransId="{45E347E5-06B6-3C42-ACA2-CE09DF6D14F2}"/>
+    <dgm:cxn modelId="{31C73560-D88E-7644-9DCF-0CA82CEAF294}" srcId="{FDAAE0B0-8023-8A41-A902-34D29E4C01A9}" destId="{9B8B9F17-DF99-9342-AC93-119D0C88718A}" srcOrd="0" destOrd="0" parTransId="{3F03B0A6-64CD-7340-B8D3-3386CCC6E47C}" sibTransId="{87E57475-B415-F348-A241-4AB0464EBD3A}"/>
     <dgm:cxn modelId="{0DBA0C47-A04C-EE4B-B15E-ABDACFDA8700}" srcId="{564D7D85-61B0-AC47-BE50-D8FF1763EA3C}" destId="{6D7B3B08-3472-674C-8386-5760EF70E103}" srcOrd="4" destOrd="0" parTransId="{07B7C3BE-3920-1145-8C48-E8F733CF99B6}" sibTransId="{3AD5037C-774D-AC47-936E-138152EB244A}"/>
+    <dgm:cxn modelId="{D8755167-FFD4-FA41-A8D4-9E1A8C93E3B9}" type="presOf" srcId="{6B7D47CC-BB4A-3E46-8E29-0EA86727CD3F}" destId="{2DAA50D5-FA14-BE45-86DA-B9A9730BC9F6}" srcOrd="0" destOrd="2" presId="urn:microsoft.com/office/officeart/2005/8/layout/vList2"/>
     <dgm:cxn modelId="{F713204B-C838-CD4B-812E-4753A2E6A446}" type="presOf" srcId="{FE524CFC-88AA-674E-B029-F632042AD10E}" destId="{61C8481A-0782-4C40-9EB2-EC1035EC8917}" srcOrd="0" destOrd="3" presId="urn:microsoft.com/office/officeart/2005/8/layout/vList2"/>
+    <dgm:cxn modelId="{2BF4666C-328C-4B42-8C15-DCA8A963E314}" type="presOf" srcId="{2F5A01B6-6A97-8340-85F5-46D4B03B077C}" destId="{2DAA50D5-FA14-BE45-86DA-B9A9730BC9F6}" srcOrd="0" destOrd="1" presId="urn:microsoft.com/office/officeart/2005/8/layout/vList2"/>
     <dgm:cxn modelId="{3ACD654E-CAD7-294E-972E-F084A36FF2D6}" srcId="{0C433654-E965-D74A-8D2B-CA12390B1BE6}" destId="{412A7F39-A00B-D044-AB39-A09D665D6A1C}" srcOrd="2" destOrd="0" parTransId="{A9BD4D71-B275-F843-99ED-BF7376717AE8}" sibTransId="{61907A69-2E29-3148-86C5-227ED8D0E835}"/>
+    <dgm:cxn modelId="{73B84877-7856-CD45-A61D-6F1AADC4E3FF}" srcId="{BACCFF47-C623-E34F-A983-98843F300FAF}" destId="{0C433654-E965-D74A-8D2B-CA12390B1BE6}" srcOrd="0" destOrd="0" parTransId="{02FFCEB3-A515-E346-B11C-37D9A7BBD5B7}" sibTransId="{834BB999-CFD7-CE45-9282-1EF61039DE75}"/>
     <dgm:cxn modelId="{E3932258-E55B-424F-8E49-71144AD74E10}" srcId="{564D7D85-61B0-AC47-BE50-D8FF1763EA3C}" destId="{7F2539F7-48BD-4040-B5E1-F50BD6DE0E5F}" srcOrd="0" destOrd="0" parTransId="{3FDAD04F-D35D-42AC-9586-66F53E7D770C}" sibTransId="{CE4921F1-F796-42D7-B234-62339C1C5939}"/>
-    <dgm:cxn modelId="{31C73560-D88E-7644-9DCF-0CA82CEAF294}" srcId="{FDAAE0B0-8023-8A41-A902-34D29E4C01A9}" destId="{9B8B9F17-DF99-9342-AC93-119D0C88718A}" srcOrd="0" destOrd="0" parTransId="{3F03B0A6-64CD-7340-B8D3-3386CCC6E47C}" sibTransId="{87E57475-B415-F348-A241-4AB0464EBD3A}"/>
-    <dgm:cxn modelId="{D8755167-FFD4-FA41-A8D4-9E1A8C93E3B9}" type="presOf" srcId="{6B7D47CC-BB4A-3E46-8E29-0EA86727CD3F}" destId="{2DAA50D5-FA14-BE45-86DA-B9A9730BC9F6}" srcOrd="0" destOrd="2" presId="urn:microsoft.com/office/officeart/2005/8/layout/vList2"/>
-    <dgm:cxn modelId="{2BF4666C-328C-4B42-8C15-DCA8A963E314}" type="presOf" srcId="{2F5A01B6-6A97-8340-85F5-46D4B03B077C}" destId="{2DAA50D5-FA14-BE45-86DA-B9A9730BC9F6}" srcOrd="0" destOrd="1" presId="urn:microsoft.com/office/officeart/2005/8/layout/vList2"/>
-    <dgm:cxn modelId="{73B84877-7856-CD45-A61D-6F1AADC4E3FF}" srcId="{BACCFF47-C623-E34F-A983-98843F300FAF}" destId="{0C433654-E965-D74A-8D2B-CA12390B1BE6}" srcOrd="0" destOrd="0" parTransId="{02FFCEB3-A515-E346-B11C-37D9A7BBD5B7}" sibTransId="{834BB999-CFD7-CE45-9282-1EF61039DE75}"/>
     <dgm:cxn modelId="{25752579-793D-164C-9313-6A418016C33F}" srcId="{0C433654-E965-D74A-8D2B-CA12390B1BE6}" destId="{04676674-70B1-6E41-9B28-5C6D5F171FD5}" srcOrd="1" destOrd="0" parTransId="{A8E85219-AA3C-4E48-A072-54F871E1E868}" sibTransId="{AD2B3E56-40F9-2746-9A3A-9DCE4C7EE261}"/>
     <dgm:cxn modelId="{20425680-65E6-4146-ADC0-252B14FB2FBC}" type="presOf" srcId="{6D7B3B08-3472-674C-8386-5760EF70E103}" destId="{2DAA50D5-FA14-BE45-86DA-B9A9730BC9F6}" srcOrd="0" destOrd="4" presId="urn:microsoft.com/office/officeart/2005/8/layout/vList2"/>
     <dgm:cxn modelId="{C0C61C9C-4D95-3447-A23F-0E2369C120BB}" srcId="{564D7D85-61B0-AC47-BE50-D8FF1763EA3C}" destId="{8C308D2C-AAB2-C845-BFC3-8EA589820AA1}" srcOrd="3" destOrd="0" parTransId="{B0C5C1FB-9BBA-444D-9C0B-C8D73317BF17}" sibTransId="{03134B21-BD65-3442-BA91-03A4BBF740F1}"/>
@@ -10185,9 +10185,9 @@
     <dgm:cxn modelId="{7B9B933A-A65B-A54A-AB9B-160B11FF6E28}" srcId="{FD590B83-7E0A-D64B-A150-517B8D41626B}" destId="{FDAAE0B0-8023-8A41-A902-34D29E4C01A9}" srcOrd="0" destOrd="0" parTransId="{323CCD23-56F4-D14C-B84B-10FB860D86AF}" sibTransId="{45E347E5-06B6-3C42-ACA2-CE09DF6D14F2}"/>
     <dgm:cxn modelId="{6B00E83E-61CE-A048-974E-C0A4A23DC211}" type="presOf" srcId="{FD590B83-7E0A-D64B-A150-517B8D41626B}" destId="{61C8481A-0782-4C40-9EB2-EC1035EC8917}" srcOrd="0" destOrd="0" presId="urn:microsoft.com/office/officeart/2005/8/layout/vList2"/>
     <dgm:cxn modelId="{8B934640-F7CA-A945-8783-2FE97C30CE9F}" srcId="{564D7D85-61B0-AC47-BE50-D8FF1763EA3C}" destId="{141C08D5-A941-B14B-B33B-47750B5E6906}" srcOrd="4" destOrd="0" parTransId="{89B3DD7C-A4AF-E947-93E2-AFA864D0CB5A}" sibTransId="{94226F01-9449-4841-A68D-34850DEB906B}"/>
-    <dgm:cxn modelId="{3ACD654E-CAD7-294E-972E-F084A36FF2D6}" srcId="{0C433654-E965-D74A-8D2B-CA12390B1BE6}" destId="{412A7F39-A00B-D044-AB39-A09D665D6A1C}" srcOrd="1" destOrd="0" parTransId="{A9BD4D71-B275-F843-99ED-BF7376717AE8}" sibTransId="{61907A69-2E29-3148-86C5-227ED8D0E835}"/>
     <dgm:cxn modelId="{31C73560-D88E-7644-9DCF-0CA82CEAF294}" srcId="{FDAAE0B0-8023-8A41-A902-34D29E4C01A9}" destId="{9B8B9F17-DF99-9342-AC93-119D0C88718A}" srcOrd="0" destOrd="0" parTransId="{3F03B0A6-64CD-7340-B8D3-3386CCC6E47C}" sibTransId="{87E57475-B415-F348-A241-4AB0464EBD3A}"/>
     <dgm:cxn modelId="{1B744B6D-4A0E-9B4C-9CFC-D72083D22F86}" type="presOf" srcId="{1F1A98DE-37C8-724C-90C4-423F3F4894B0}" destId="{61C8481A-0782-4C40-9EB2-EC1035EC8917}" srcOrd="0" destOrd="4" presId="urn:microsoft.com/office/officeart/2005/8/layout/vList2"/>
+    <dgm:cxn modelId="{3ACD654E-CAD7-294E-972E-F084A36FF2D6}" srcId="{0C433654-E965-D74A-8D2B-CA12390B1BE6}" destId="{412A7F39-A00B-D044-AB39-A09D665D6A1C}" srcOrd="1" destOrd="0" parTransId="{A9BD4D71-B275-F843-99ED-BF7376717AE8}" sibTransId="{61907A69-2E29-3148-86C5-227ED8D0E835}"/>
     <dgm:cxn modelId="{73B84877-7856-CD45-A61D-6F1AADC4E3FF}" srcId="{BACCFF47-C623-E34F-A983-98843F300FAF}" destId="{0C433654-E965-D74A-8D2B-CA12390B1BE6}" srcOrd="0" destOrd="0" parTransId="{02FFCEB3-A515-E346-B11C-37D9A7BBD5B7}" sibTransId="{834BB999-CFD7-CE45-9282-1EF61039DE75}"/>
     <dgm:cxn modelId="{A014D97C-84AB-2F40-AC50-6D4F8A783FA4}" type="presOf" srcId="{FE524CFC-88AA-674E-B029-F632042AD10E}" destId="{61C8481A-0782-4C40-9EB2-EC1035EC8917}" srcOrd="0" destOrd="3" presId="urn:microsoft.com/office/officeart/2005/8/layout/vList2"/>
     <dgm:cxn modelId="{C0C61C9C-4D95-3447-A23F-0E2369C120BB}" srcId="{564D7D85-61B0-AC47-BE50-D8FF1763EA3C}" destId="{8C308D2C-AAB2-C845-BFC3-8EA589820AA1}" srcOrd="3" destOrd="0" parTransId="{B0C5C1FB-9BBA-444D-9C0B-C8D73317BF17}" sibTransId="{03134B21-BD65-3442-BA91-03A4BBF740F1}"/>
@@ -10754,9 +10754,9 @@
     <dgm:cxn modelId="{7B9B933A-A65B-A54A-AB9B-160B11FF6E28}" srcId="{C11FC28F-3DDB-634F-ACE5-27C4FBE186B0}" destId="{FDAAE0B0-8023-8A41-A902-34D29E4C01A9}" srcOrd="0" destOrd="0" parTransId="{323CCD23-56F4-D14C-B84B-10FB860D86AF}" sibTransId="{45E347E5-06B6-3C42-ACA2-CE09DF6D14F2}"/>
     <dgm:cxn modelId="{00B8813F-030B-7747-8EE0-B8B451B96C03}" type="presOf" srcId="{C11FC28F-3DDB-634F-ACE5-27C4FBE186B0}" destId="{61C8481A-0782-4C40-9EB2-EC1035EC8917}" srcOrd="0" destOrd="0" presId="urn:microsoft.com/office/officeart/2005/8/layout/vList2"/>
     <dgm:cxn modelId="{8B934640-F7CA-A945-8783-2FE97C30CE9F}" srcId="{564D7D85-61B0-AC47-BE50-D8FF1763EA3C}" destId="{141C08D5-A941-B14B-B33B-47750B5E6906}" srcOrd="4" destOrd="0" parTransId="{89B3DD7C-A4AF-E947-93E2-AFA864D0CB5A}" sibTransId="{94226F01-9449-4841-A68D-34850DEB906B}"/>
-    <dgm:cxn modelId="{3ACD654E-CAD7-294E-972E-F084A36FF2D6}" srcId="{0C433654-E965-D74A-8D2B-CA12390B1BE6}" destId="{412A7F39-A00B-D044-AB39-A09D665D6A1C}" srcOrd="1" destOrd="0" parTransId="{A9BD4D71-B275-F843-99ED-BF7376717AE8}" sibTransId="{61907A69-2E29-3148-86C5-227ED8D0E835}"/>
     <dgm:cxn modelId="{31C73560-D88E-7644-9DCF-0CA82CEAF294}" srcId="{FDAAE0B0-8023-8A41-A902-34D29E4C01A9}" destId="{9B8B9F17-DF99-9342-AC93-119D0C88718A}" srcOrd="0" destOrd="0" parTransId="{3F03B0A6-64CD-7340-B8D3-3386CCC6E47C}" sibTransId="{87E57475-B415-F348-A241-4AB0464EBD3A}"/>
     <dgm:cxn modelId="{1B744B6D-4A0E-9B4C-9CFC-D72083D22F86}" type="presOf" srcId="{1F1A98DE-37C8-724C-90C4-423F3F4894B0}" destId="{61C8481A-0782-4C40-9EB2-EC1035EC8917}" srcOrd="0" destOrd="4" presId="urn:microsoft.com/office/officeart/2005/8/layout/vList2"/>
+    <dgm:cxn modelId="{3ACD654E-CAD7-294E-972E-F084A36FF2D6}" srcId="{0C433654-E965-D74A-8D2B-CA12390B1BE6}" destId="{412A7F39-A00B-D044-AB39-A09D665D6A1C}" srcOrd="1" destOrd="0" parTransId="{A9BD4D71-B275-F843-99ED-BF7376717AE8}" sibTransId="{61907A69-2E29-3148-86C5-227ED8D0E835}"/>
     <dgm:cxn modelId="{73B84877-7856-CD45-A61D-6F1AADC4E3FF}" srcId="{BACCFF47-C623-E34F-A983-98843F300FAF}" destId="{0C433654-E965-D74A-8D2B-CA12390B1BE6}" srcOrd="0" destOrd="0" parTransId="{02FFCEB3-A515-E346-B11C-37D9A7BBD5B7}" sibTransId="{834BB999-CFD7-CE45-9282-1EF61039DE75}"/>
     <dgm:cxn modelId="{A014D97C-84AB-2F40-AC50-6D4F8A783FA4}" type="presOf" srcId="{FE524CFC-88AA-674E-B029-F632042AD10E}" destId="{61C8481A-0782-4C40-9EB2-EC1035EC8917}" srcOrd="0" destOrd="3" presId="urn:microsoft.com/office/officeart/2005/8/layout/vList2"/>
     <dgm:cxn modelId="{C0C61C9C-4D95-3447-A23F-0E2369C120BB}" srcId="{564D7D85-61B0-AC47-BE50-D8FF1763EA3C}" destId="{8C308D2C-AAB2-C845-BFC3-8EA589820AA1}" srcOrd="3" destOrd="0" parTransId="{B0C5C1FB-9BBA-444D-9C0B-C8D73317BF17}" sibTransId="{03134B21-BD65-3442-BA91-03A4BBF740F1}"/>
@@ -11326,9 +11326,9 @@
     <dgm:cxn modelId="{7B9B933A-A65B-A54A-AB9B-160B11FF6E28}" srcId="{F2D8B628-CCB4-C645-9E33-2C98572390C0}" destId="{FDAAE0B0-8023-8A41-A902-34D29E4C01A9}" srcOrd="0" destOrd="0" parTransId="{323CCD23-56F4-D14C-B84B-10FB860D86AF}" sibTransId="{45E347E5-06B6-3C42-ACA2-CE09DF6D14F2}"/>
     <dgm:cxn modelId="{8B934640-F7CA-A945-8783-2FE97C30CE9F}" srcId="{564D7D85-61B0-AC47-BE50-D8FF1763EA3C}" destId="{141C08D5-A941-B14B-B33B-47750B5E6906}" srcOrd="4" destOrd="0" parTransId="{89B3DD7C-A4AF-E947-93E2-AFA864D0CB5A}" sibTransId="{94226F01-9449-4841-A68D-34850DEB906B}"/>
     <dgm:cxn modelId="{ECFC5240-5939-954C-81FC-3C19D74AFD28}" srcId="{0C433654-E965-D74A-8D2B-CA12390B1BE6}" destId="{F2D8B628-CCB4-C645-9E33-2C98572390C0}" srcOrd="0" destOrd="0" parTransId="{B86FA845-5E9E-4D4A-9E24-E49BF642F72A}" sibTransId="{409489A5-6A2A-2447-A8C2-8DFCE3467AAB}"/>
-    <dgm:cxn modelId="{3ACD654E-CAD7-294E-972E-F084A36FF2D6}" srcId="{0C433654-E965-D74A-8D2B-CA12390B1BE6}" destId="{412A7F39-A00B-D044-AB39-A09D665D6A1C}" srcOrd="1" destOrd="0" parTransId="{A9BD4D71-B275-F843-99ED-BF7376717AE8}" sibTransId="{61907A69-2E29-3148-86C5-227ED8D0E835}"/>
     <dgm:cxn modelId="{31C73560-D88E-7644-9DCF-0CA82CEAF294}" srcId="{FDAAE0B0-8023-8A41-A902-34D29E4C01A9}" destId="{9B8B9F17-DF99-9342-AC93-119D0C88718A}" srcOrd="0" destOrd="0" parTransId="{3F03B0A6-64CD-7340-B8D3-3386CCC6E47C}" sibTransId="{87E57475-B415-F348-A241-4AB0464EBD3A}"/>
     <dgm:cxn modelId="{1B744B6D-4A0E-9B4C-9CFC-D72083D22F86}" type="presOf" srcId="{1F1A98DE-37C8-724C-90C4-423F3F4894B0}" destId="{61C8481A-0782-4C40-9EB2-EC1035EC8917}" srcOrd="0" destOrd="4" presId="urn:microsoft.com/office/officeart/2005/8/layout/vList2"/>
+    <dgm:cxn modelId="{3ACD654E-CAD7-294E-972E-F084A36FF2D6}" srcId="{0C433654-E965-D74A-8D2B-CA12390B1BE6}" destId="{412A7F39-A00B-D044-AB39-A09D665D6A1C}" srcOrd="1" destOrd="0" parTransId="{A9BD4D71-B275-F843-99ED-BF7376717AE8}" sibTransId="{61907A69-2E29-3148-86C5-227ED8D0E835}"/>
     <dgm:cxn modelId="{73B84877-7856-CD45-A61D-6F1AADC4E3FF}" srcId="{BACCFF47-C623-E34F-A983-98843F300FAF}" destId="{0C433654-E965-D74A-8D2B-CA12390B1BE6}" srcOrd="0" destOrd="0" parTransId="{02FFCEB3-A515-E346-B11C-37D9A7BBD5B7}" sibTransId="{834BB999-CFD7-CE45-9282-1EF61039DE75}"/>
     <dgm:cxn modelId="{A014D97C-84AB-2F40-AC50-6D4F8A783FA4}" type="presOf" srcId="{FE524CFC-88AA-674E-B029-F632042AD10E}" destId="{61C8481A-0782-4C40-9EB2-EC1035EC8917}" srcOrd="0" destOrd="3" presId="urn:microsoft.com/office/officeart/2005/8/layout/vList2"/>
     <dgm:cxn modelId="{389FA787-EFE0-3340-93C6-5516B5656B56}" type="presOf" srcId="{8C308D2C-AAB2-C845-BFC3-8EA589820AA1}" destId="{F7F60341-661D-334C-8482-C34EE22627D1}" srcOrd="0" destOrd="2" presId="urn:microsoft.com/office/officeart/2005/8/layout/vList2"/>
@@ -11885,10 +11885,10 @@
     <dgm:cxn modelId="{E2CE7A39-959A-804B-8011-00B9C1E8264F}" type="presOf" srcId="{6D7B3B08-3472-674C-8386-5760EF70E103}" destId="{2DAA50D5-FA14-BE45-86DA-B9A9730BC9F6}" srcOrd="0" destOrd="3" presId="urn:microsoft.com/office/officeart/2005/8/layout/vList2"/>
     <dgm:cxn modelId="{7B9B933A-A65B-A54A-AB9B-160B11FF6E28}" srcId="{9DC7536D-8A1D-814C-9F0A-48CE3494C9E9}" destId="{FDAAE0B0-8023-8A41-A902-34D29E4C01A9}" srcOrd="0" destOrd="0" parTransId="{323CCD23-56F4-D14C-B84B-10FB860D86AF}" sibTransId="{45E347E5-06B6-3C42-ACA2-CE09DF6D14F2}"/>
     <dgm:cxn modelId="{8B934640-F7CA-A945-8783-2FE97C30CE9F}" srcId="{564D7D85-61B0-AC47-BE50-D8FF1763EA3C}" destId="{141C08D5-A941-B14B-B33B-47750B5E6906}" srcOrd="4" destOrd="0" parTransId="{89B3DD7C-A4AF-E947-93E2-AFA864D0CB5A}" sibTransId="{94226F01-9449-4841-A68D-34850DEB906B}"/>
+    <dgm:cxn modelId="{D5DC4F5F-BE8A-8F48-8168-C9F1E7111993}" type="presOf" srcId="{8C308D2C-AAB2-C845-BFC3-8EA589820AA1}" destId="{2DAA50D5-FA14-BE45-86DA-B9A9730BC9F6}" srcOrd="0" destOrd="1" presId="urn:microsoft.com/office/officeart/2005/8/layout/vList2"/>
     <dgm:cxn modelId="{FAA50947-B47F-8540-BE9C-71D9B11C16DB}" srcId="{0C433654-E965-D74A-8D2B-CA12390B1BE6}" destId="{9DC7536D-8A1D-814C-9F0A-48CE3494C9E9}" srcOrd="0" destOrd="0" parTransId="{B2314730-9F74-CD45-95EF-2328F555D723}" sibTransId="{BC83DC1C-4436-874C-A6EF-54D27E64E267}"/>
     <dgm:cxn modelId="{0DBA0C47-A04C-EE4B-B15E-ABDACFDA8700}" srcId="{564D7D85-61B0-AC47-BE50-D8FF1763EA3C}" destId="{6D7B3B08-3472-674C-8386-5760EF70E103}" srcOrd="3" destOrd="0" parTransId="{07B7C3BE-3920-1145-8C48-E8F733CF99B6}" sibTransId="{3AD5037C-774D-AC47-936E-138152EB244A}"/>
     <dgm:cxn modelId="{3B139452-4B28-44DE-905C-4EB8D8DA0349}" srcId="{564D7D85-61B0-AC47-BE50-D8FF1763EA3C}" destId="{EB191692-9591-462B-B5A0-F04BF3AC99FC}" srcOrd="2" destOrd="0" parTransId="{76087861-D5EC-48DD-AE04-9F9D9968B91E}" sibTransId="{D98DF000-048A-46C4-A295-A452226CE7B8}"/>
-    <dgm:cxn modelId="{D5DC4F5F-BE8A-8F48-8168-C9F1E7111993}" type="presOf" srcId="{8C308D2C-AAB2-C845-BFC3-8EA589820AA1}" destId="{2DAA50D5-FA14-BE45-86DA-B9A9730BC9F6}" srcOrd="0" destOrd="1" presId="urn:microsoft.com/office/officeart/2005/8/layout/vList2"/>
     <dgm:cxn modelId="{5AE45973-D274-4D46-86CD-4E79994F7B6F}" type="presOf" srcId="{2CD788B0-6EAC-411B-B3DA-5AB728B725AF}" destId="{61C8481A-0782-4C40-9EB2-EC1035EC8917}" srcOrd="0" destOrd="4" presId="urn:microsoft.com/office/officeart/2005/8/layout/vList2"/>
     <dgm:cxn modelId="{73B84877-7856-CD45-A61D-6F1AADC4E3FF}" srcId="{BACCFF47-C623-E34F-A983-98843F300FAF}" destId="{0C433654-E965-D74A-8D2B-CA12390B1BE6}" srcOrd="0" destOrd="0" parTransId="{02FFCEB3-A515-E346-B11C-37D9A7BBD5B7}" sibTransId="{834BB999-CFD7-CE45-9282-1EF61039DE75}"/>
     <dgm:cxn modelId="{25752579-793D-164C-9313-6A418016C33F}" srcId="{FDAAE0B0-8023-8A41-A902-34D29E4C01A9}" destId="{04676674-70B1-6E41-9B28-5C6D5F171FD5}" srcOrd="1" destOrd="0" parTransId="{A8E85219-AA3C-4E48-A072-54F871E1E868}" sibTransId="{AD2B3E56-40F9-2746-9A3A-9DCE4C7EE261}"/>
@@ -27325,7 +27325,7 @@
             <a:fld id="{BBA41131-26B7-40CD-BEB9-05F6C32AAE2D}" type="datetimeFigureOut">
               <a:rPr lang="pl-PL"/>
               <a:pPr/>
-              <a:t>07.05.2018</a:t>
+              <a:t>15.05.2018</a:t>
             </a:fld>
             <a:endParaRPr lang="pl-PL"/>
           </a:p>
@@ -27723,7 +27723,7 @@
             <a:fld id="{F98AA868-8872-43E4-8C98-D34DABD1FD38}" type="datetimeFigureOut">
               <a:rPr lang="pl-PL" smtClean="0"/>
               <a:pPr/>
-              <a:t>07.05.2018</a:t>
+              <a:t>15.05.2018</a:t>
             </a:fld>
             <a:endParaRPr lang="pl-PL"/>
           </a:p>
@@ -27893,7 +27893,7 @@
             <a:fld id="{F98AA868-8872-43E4-8C98-D34DABD1FD38}" type="datetimeFigureOut">
               <a:rPr lang="pl-PL" smtClean="0"/>
               <a:pPr/>
-              <a:t>07.05.2018</a:t>
+              <a:t>15.05.2018</a:t>
             </a:fld>
             <a:endParaRPr lang="pl-PL"/>
           </a:p>
@@ -28073,7 +28073,7 @@
             <a:fld id="{F98AA868-8872-43E4-8C98-D34DABD1FD38}" type="datetimeFigureOut">
               <a:rPr lang="pl-PL" smtClean="0"/>
               <a:pPr/>
-              <a:t>07.05.2018</a:t>
+              <a:t>15.05.2018</a:t>
             </a:fld>
             <a:endParaRPr lang="pl-PL"/>
           </a:p>
@@ -28243,7 +28243,7 @@
             <a:fld id="{F98AA868-8872-43E4-8C98-D34DABD1FD38}" type="datetimeFigureOut">
               <a:rPr lang="pl-PL" smtClean="0"/>
               <a:pPr/>
-              <a:t>07.05.2018</a:t>
+              <a:t>15.05.2018</a:t>
             </a:fld>
             <a:endParaRPr lang="pl-PL"/>
           </a:p>
@@ -28490,7 +28490,7 @@
             <a:fld id="{F98AA868-8872-43E4-8C98-D34DABD1FD38}" type="datetimeFigureOut">
               <a:rPr lang="pl-PL" smtClean="0"/>
               <a:pPr/>
-              <a:t>07.05.2018</a:t>
+              <a:t>15.05.2018</a:t>
             </a:fld>
             <a:endParaRPr lang="pl-PL"/>
           </a:p>
@@ -28721,7 +28721,7 @@
             <a:fld id="{F98AA868-8872-43E4-8C98-D34DABD1FD38}" type="datetimeFigureOut">
               <a:rPr lang="pl-PL" smtClean="0"/>
               <a:pPr/>
-              <a:t>07.05.2018</a:t>
+              <a:t>15.05.2018</a:t>
             </a:fld>
             <a:endParaRPr lang="pl-PL"/>
           </a:p>
@@ -29087,7 +29087,7 @@
             <a:fld id="{F98AA868-8872-43E4-8C98-D34DABD1FD38}" type="datetimeFigureOut">
               <a:rPr lang="pl-PL" smtClean="0"/>
               <a:pPr/>
-              <a:t>07.05.2018</a:t>
+              <a:t>15.05.2018</a:t>
             </a:fld>
             <a:endParaRPr lang="pl-PL"/>
           </a:p>
@@ -29206,7 +29206,7 @@
             <a:fld id="{F98AA868-8872-43E4-8C98-D34DABD1FD38}" type="datetimeFigureOut">
               <a:rPr lang="pl-PL" smtClean="0"/>
               <a:pPr/>
-              <a:t>07.05.2018</a:t>
+              <a:t>15.05.2018</a:t>
             </a:fld>
             <a:endParaRPr lang="pl-PL"/>
           </a:p>
@@ -29303,7 +29303,7 @@
             <a:fld id="{F98AA868-8872-43E4-8C98-D34DABD1FD38}" type="datetimeFigureOut">
               <a:rPr lang="pl-PL" smtClean="0"/>
               <a:pPr/>
-              <a:t>07.05.2018</a:t>
+              <a:t>15.05.2018</a:t>
             </a:fld>
             <a:endParaRPr lang="pl-PL"/>
           </a:p>
@@ -29580,7 +29580,7 @@
             <a:fld id="{F98AA868-8872-43E4-8C98-D34DABD1FD38}" type="datetimeFigureOut">
               <a:rPr lang="pl-PL" smtClean="0"/>
               <a:pPr/>
-              <a:t>07.05.2018</a:t>
+              <a:t>15.05.2018</a:t>
             </a:fld>
             <a:endParaRPr lang="pl-PL"/>
           </a:p>
@@ -29834,7 +29834,7 @@
             <a:fld id="{F98AA868-8872-43E4-8C98-D34DABD1FD38}" type="datetimeFigureOut">
               <a:rPr lang="pl-PL" smtClean="0"/>
               <a:pPr/>
-              <a:t>07.05.2018</a:t>
+              <a:t>15.05.2018</a:t>
             </a:fld>
             <a:endParaRPr lang="pl-PL"/>
           </a:p>
@@ -30047,7 +30047,7 @@
             <a:fld id="{F98AA868-8872-43E4-8C98-D34DABD1FD38}" type="datetimeFigureOut">
               <a:rPr lang="pl-PL" smtClean="0"/>
               <a:pPr/>
-              <a:t>07.05.2018</a:t>
+              <a:t>15.05.2018</a:t>
             </a:fld>
             <a:endParaRPr lang="pl-PL"/>
           </a:p>
@@ -31348,6 +31348,26 @@
               <a:rPr lang="pl-PL" dirty="0"/>
               <a:t>Dla podanego drzewa, wypisz kolejność, w jakiej małpa odwiedzi kolejne gałęzie aż do znalezienia banana.</a:t>
             </a:r>
+          </a:p>
+          <a:p>
+            <a:pPr marL="0" indent="0" algn="just">
+              <a:buNone/>
+            </a:pPr>
+            <a:endParaRPr lang="pl-PL" dirty="0"/>
+          </a:p>
+          <a:p>
+            <a:pPr marL="0" indent="0" algn="just">
+              <a:buNone/>
+            </a:pPr>
+            <a:r>
+              <a:rPr lang="pl-PL" dirty="0"/>
+              <a:t>Wypisz także stos: jego zmiany (ze skreślaniem), a także jego stan finalny, gdy małpa już </a:t>
+            </a:r>
+            <a:r>
+              <a:rPr lang="pl-PL"/>
+              <a:t>znajdzie banana.</a:t>
+            </a:r>
+            <a:endParaRPr lang="pl-PL" dirty="0"/>
           </a:p>
         </p:txBody>
       </p:sp>

--- a/Wprowadzenie do rekurencji/I. Wprowadzenie do rekurencji/Zadanie z małpą.pptx
+++ b/Wprowadzenie do rekurencji/I. Wprowadzenie do rekurencji/Zadanie z małpą.pptx
@@ -9087,7 +9087,7 @@
   <dgm:whole/>
   <dgm:extLst>
     <a:ext uri="http://schemas.microsoft.com/office/drawing/2008/diagram">
-      <dsp:dataModelExt xmlns:dsp="http://schemas.microsoft.com/office/drawing/2008/diagram" relId="rId9" minVer="http://schemas.openxmlformats.org/drawingml/2006/diagram"/>
+      <dsp:dataModelExt xmlns:dsp="http://schemas.microsoft.com/office/drawing/2008/diagram" relId="rId8" minVer="http://schemas.openxmlformats.org/drawingml/2006/diagram"/>
     </a:ext>
   </dgm:extLst>
 </dgm:dataModel>
@@ -10211,7 +10211,7 @@
   <dgm:whole/>
   <dgm:extLst>
     <a:ext uri="http://schemas.microsoft.com/office/drawing/2008/diagram">
-      <dsp:dataModelExt xmlns:dsp="http://schemas.microsoft.com/office/drawing/2008/diagram" relId="rId9" minVer="http://schemas.openxmlformats.org/drawingml/2006/diagram"/>
+      <dsp:dataModelExt xmlns:dsp="http://schemas.microsoft.com/office/drawing/2008/diagram" relId="rId8" minVer="http://schemas.openxmlformats.org/drawingml/2006/diagram"/>
     </a:ext>
   </dgm:extLst>
 </dgm:dataModel>
@@ -11912,7 +11912,7 @@
   <dgm:whole/>
   <dgm:extLst>
     <a:ext uri="http://schemas.microsoft.com/office/drawing/2008/diagram">
-      <dsp:dataModelExt xmlns:dsp="http://schemas.microsoft.com/office/drawing/2008/diagram" relId="rId9" minVer="http://schemas.openxmlformats.org/drawingml/2006/diagram"/>
+      <dsp:dataModelExt xmlns:dsp="http://schemas.microsoft.com/office/drawing/2008/diagram" relId="rId8" minVer="http://schemas.openxmlformats.org/drawingml/2006/diagram"/>
     </a:ext>
   </dgm:extLst>
 </dgm:dataModel>
@@ -27325,7 +27325,7 @@
             <a:fld id="{BBA41131-26B7-40CD-BEB9-05F6C32AAE2D}" type="datetimeFigureOut">
               <a:rPr lang="pl-PL"/>
               <a:pPr/>
-              <a:t>15.05.2018</a:t>
+              <a:t>31.05.2018</a:t>
             </a:fld>
             <a:endParaRPr lang="pl-PL"/>
           </a:p>
@@ -27723,7 +27723,7 @@
             <a:fld id="{F98AA868-8872-43E4-8C98-D34DABD1FD38}" type="datetimeFigureOut">
               <a:rPr lang="pl-PL" smtClean="0"/>
               <a:pPr/>
-              <a:t>15.05.2018</a:t>
+              <a:t>31.05.2018</a:t>
             </a:fld>
             <a:endParaRPr lang="pl-PL"/>
           </a:p>
@@ -27893,7 +27893,7 @@
             <a:fld id="{F98AA868-8872-43E4-8C98-D34DABD1FD38}" type="datetimeFigureOut">
               <a:rPr lang="pl-PL" smtClean="0"/>
               <a:pPr/>
-              <a:t>15.05.2018</a:t>
+              <a:t>31.05.2018</a:t>
             </a:fld>
             <a:endParaRPr lang="pl-PL"/>
           </a:p>
@@ -28073,7 +28073,7 @@
             <a:fld id="{F98AA868-8872-43E4-8C98-D34DABD1FD38}" type="datetimeFigureOut">
               <a:rPr lang="pl-PL" smtClean="0"/>
               <a:pPr/>
-              <a:t>15.05.2018</a:t>
+              <a:t>31.05.2018</a:t>
             </a:fld>
             <a:endParaRPr lang="pl-PL"/>
           </a:p>
@@ -28243,7 +28243,7 @@
             <a:fld id="{F98AA868-8872-43E4-8C98-D34DABD1FD38}" type="datetimeFigureOut">
               <a:rPr lang="pl-PL" smtClean="0"/>
               <a:pPr/>
-              <a:t>15.05.2018</a:t>
+              <a:t>31.05.2018</a:t>
             </a:fld>
             <a:endParaRPr lang="pl-PL"/>
           </a:p>
@@ -28490,7 +28490,7 @@
             <a:fld id="{F98AA868-8872-43E4-8C98-D34DABD1FD38}" type="datetimeFigureOut">
               <a:rPr lang="pl-PL" smtClean="0"/>
               <a:pPr/>
-              <a:t>15.05.2018</a:t>
+              <a:t>31.05.2018</a:t>
             </a:fld>
             <a:endParaRPr lang="pl-PL"/>
           </a:p>
@@ -28721,7 +28721,7 @@
             <a:fld id="{F98AA868-8872-43E4-8C98-D34DABD1FD38}" type="datetimeFigureOut">
               <a:rPr lang="pl-PL" smtClean="0"/>
               <a:pPr/>
-              <a:t>15.05.2018</a:t>
+              <a:t>31.05.2018</a:t>
             </a:fld>
             <a:endParaRPr lang="pl-PL"/>
           </a:p>
@@ -29087,7 +29087,7 @@
             <a:fld id="{F98AA868-8872-43E4-8C98-D34DABD1FD38}" type="datetimeFigureOut">
               <a:rPr lang="pl-PL" smtClean="0"/>
               <a:pPr/>
-              <a:t>15.05.2018</a:t>
+              <a:t>31.05.2018</a:t>
             </a:fld>
             <a:endParaRPr lang="pl-PL"/>
           </a:p>
@@ -29206,7 +29206,7 @@
             <a:fld id="{F98AA868-8872-43E4-8C98-D34DABD1FD38}" type="datetimeFigureOut">
               <a:rPr lang="pl-PL" smtClean="0"/>
               <a:pPr/>
-              <a:t>15.05.2018</a:t>
+              <a:t>31.05.2018</a:t>
             </a:fld>
             <a:endParaRPr lang="pl-PL"/>
           </a:p>
@@ -29303,7 +29303,7 @@
             <a:fld id="{F98AA868-8872-43E4-8C98-D34DABD1FD38}" type="datetimeFigureOut">
               <a:rPr lang="pl-PL" smtClean="0"/>
               <a:pPr/>
-              <a:t>15.05.2018</a:t>
+              <a:t>31.05.2018</a:t>
             </a:fld>
             <a:endParaRPr lang="pl-PL"/>
           </a:p>
@@ -29580,7 +29580,7 @@
             <a:fld id="{F98AA868-8872-43E4-8C98-D34DABD1FD38}" type="datetimeFigureOut">
               <a:rPr lang="pl-PL" smtClean="0"/>
               <a:pPr/>
-              <a:t>15.05.2018</a:t>
+              <a:t>31.05.2018</a:t>
             </a:fld>
             <a:endParaRPr lang="pl-PL"/>
           </a:p>
@@ -29834,7 +29834,7 @@
             <a:fld id="{F98AA868-8872-43E4-8C98-D34DABD1FD38}" type="datetimeFigureOut">
               <a:rPr lang="pl-PL" smtClean="0"/>
               <a:pPr/>
-              <a:t>15.05.2018</a:t>
+              <a:t>31.05.2018</a:t>
             </a:fld>
             <a:endParaRPr lang="pl-PL"/>
           </a:p>
@@ -30047,7 +30047,7 @@
             <a:fld id="{F98AA868-8872-43E4-8C98-D34DABD1FD38}" type="datetimeFigureOut">
               <a:rPr lang="pl-PL" smtClean="0"/>
               <a:pPr/>
-              <a:t>15.05.2018</a:t>
+              <a:t>31.05.2018</a:t>
             </a:fld>
             <a:endParaRPr lang="pl-PL"/>
           </a:p>
@@ -30650,10 +30650,640 @@
           </a:graphicData>
         </a:graphic>
       </p:graphicFrame>
+      <p:grpSp>
+        <p:nvGrpSpPr>
+          <p:cNvPr id="6" name="Grupa 5">
+            <a:extLst>
+              <a:ext uri="{FF2B5EF4-FFF2-40B4-BE49-F238E27FC236}">
+                <a16:creationId xmlns:a16="http://schemas.microsoft.com/office/drawing/2014/main" id="{B02F83C3-61FE-4806-B566-C33CEEB67EC5}"/>
+              </a:ext>
+            </a:extLst>
+          </p:cNvPr>
+          <p:cNvGrpSpPr/>
+          <p:nvPr/>
+        </p:nvGrpSpPr>
+        <p:grpSpPr>
+          <a:xfrm>
+            <a:off x="521285" y="35196"/>
+            <a:ext cx="5253027" cy="3410877"/>
+            <a:chOff x="521285" y="35196"/>
+            <a:chExt cx="5253027" cy="3410877"/>
+          </a:xfrm>
+        </p:grpSpPr>
+        <p:grpSp>
+          <p:nvGrpSpPr>
+            <p:cNvPr id="8" name="Grupa 7">
+              <a:extLst>
+                <a:ext uri="{FF2B5EF4-FFF2-40B4-BE49-F238E27FC236}">
+                  <a16:creationId xmlns:a16="http://schemas.microsoft.com/office/drawing/2014/main" id="{0B7A0F6C-B9BA-4F62-AFA2-E5B3D4217A70}"/>
+                </a:ext>
+              </a:extLst>
+            </p:cNvPr>
+            <p:cNvGrpSpPr/>
+            <p:nvPr/>
+          </p:nvGrpSpPr>
+          <p:grpSpPr>
+            <a:xfrm>
+              <a:off x="521285" y="35196"/>
+              <a:ext cx="5253027" cy="3410877"/>
+              <a:chOff x="521285" y="35196"/>
+              <a:chExt cx="5253027" cy="3410877"/>
+            </a:xfrm>
+          </p:grpSpPr>
+          <p:pic>
+            <p:nvPicPr>
+              <p:cNvPr id="12" name="Obraz 11" descr="Obraz zawierający zielony, zewnętrzne&#10;&#10;Opis wygenerowany przy bardzo wysokim poziomie pewności">
+                <a:extLst>
+                  <a:ext uri="{FF2B5EF4-FFF2-40B4-BE49-F238E27FC236}">
+                    <a16:creationId xmlns:a16="http://schemas.microsoft.com/office/drawing/2014/main" id="{DF52E6CD-6334-4526-BDE0-A0D4B82D7E61}"/>
+                  </a:ext>
+                </a:extLst>
+              </p:cNvPr>
+              <p:cNvPicPr>
+                <a:picLocks noChangeAspect="1"/>
+              </p:cNvPicPr>
+              <p:nvPr/>
+            </p:nvPicPr>
+            <p:blipFill>
+              <a:blip r:embed="rId10" cstate="print">
+                <a:extLst>
+                  <a:ext uri="{28A0092B-C50C-407E-A947-70E740481C1C}">
+                    <a14:useLocalDpi xmlns:a14="http://schemas.microsoft.com/office/drawing/2010/main" val="0"/>
+                  </a:ext>
+                </a:extLst>
+              </a:blip>
+              <a:stretch>
+                <a:fillRect/>
+              </a:stretch>
+            </p:blipFill>
+            <p:spPr>
+              <a:xfrm>
+                <a:off x="850390" y="92130"/>
+                <a:ext cx="1610488" cy="1207866"/>
+              </a:xfrm>
+              <a:prstGeom prst="ellipse">
+                <a:avLst/>
+              </a:prstGeom>
+              <a:ln>
+                <a:noFill/>
+              </a:ln>
+              <a:effectLst>
+                <a:softEdge rad="112500"/>
+              </a:effectLst>
+            </p:spPr>
+          </p:pic>
+          <p:pic>
+            <p:nvPicPr>
+              <p:cNvPr id="13" name="Obraz 12" descr="Obraz zawierający zielony, zewnętrzne&#10;&#10;Opis wygenerowany przy bardzo wysokim poziomie pewności">
+                <a:extLst>
+                  <a:ext uri="{FF2B5EF4-FFF2-40B4-BE49-F238E27FC236}">
+                    <a16:creationId xmlns:a16="http://schemas.microsoft.com/office/drawing/2014/main" id="{82E97666-B21A-41E8-BE8E-05691C93DC4F}"/>
+                  </a:ext>
+                </a:extLst>
+              </p:cNvPr>
+              <p:cNvPicPr>
+                <a:picLocks noChangeAspect="1"/>
+              </p:cNvPicPr>
+              <p:nvPr/>
+            </p:nvPicPr>
+            <p:blipFill>
+              <a:blip r:embed="rId10" cstate="print">
+                <a:extLst>
+                  <a:ext uri="{28A0092B-C50C-407E-A947-70E740481C1C}">
+                    <a14:useLocalDpi xmlns:a14="http://schemas.microsoft.com/office/drawing/2010/main" val="0"/>
+                  </a:ext>
+                </a:extLst>
+              </a:blip>
+              <a:stretch>
+                <a:fillRect/>
+              </a:stretch>
+            </p:blipFill>
+            <p:spPr>
+              <a:xfrm>
+                <a:off x="1295716" y="679478"/>
+                <a:ext cx="1610488" cy="1207866"/>
+              </a:xfrm>
+              <a:prstGeom prst="ellipse">
+                <a:avLst/>
+              </a:prstGeom>
+              <a:ln>
+                <a:noFill/>
+              </a:ln>
+              <a:effectLst>
+                <a:softEdge rad="112500"/>
+              </a:effectLst>
+            </p:spPr>
+          </p:pic>
+          <p:pic>
+            <p:nvPicPr>
+              <p:cNvPr id="14" name="Obraz 13" descr="Obraz zawierający zielony, zewnętrzne&#10;&#10;Opis wygenerowany przy bardzo wysokim poziomie pewności">
+                <a:extLst>
+                  <a:ext uri="{FF2B5EF4-FFF2-40B4-BE49-F238E27FC236}">
+                    <a16:creationId xmlns:a16="http://schemas.microsoft.com/office/drawing/2014/main" id="{B453E995-0314-473B-8298-03317D0BCBA3}"/>
+                  </a:ext>
+                </a:extLst>
+              </p:cNvPr>
+              <p:cNvPicPr>
+                <a:picLocks noChangeAspect="1"/>
+              </p:cNvPicPr>
+              <p:nvPr/>
+            </p:nvPicPr>
+            <p:blipFill>
+              <a:blip r:embed="rId10" cstate="print">
+                <a:extLst>
+                  <a:ext uri="{28A0092B-C50C-407E-A947-70E740481C1C}">
+                    <a14:useLocalDpi xmlns:a14="http://schemas.microsoft.com/office/drawing/2010/main" val="0"/>
+                  </a:ext>
+                </a:extLst>
+              </a:blip>
+              <a:stretch>
+                <a:fillRect/>
+              </a:stretch>
+            </p:blipFill>
+            <p:spPr>
+              <a:xfrm>
+                <a:off x="2436671" y="35196"/>
+                <a:ext cx="1610488" cy="1207866"/>
+              </a:xfrm>
+              <a:prstGeom prst="ellipse">
+                <a:avLst/>
+              </a:prstGeom>
+              <a:ln>
+                <a:noFill/>
+              </a:ln>
+              <a:effectLst>
+                <a:softEdge rad="112500"/>
+              </a:effectLst>
+            </p:spPr>
+          </p:pic>
+          <p:pic>
+            <p:nvPicPr>
+              <p:cNvPr id="15" name="Obraz 14" descr="Obraz zawierający zielony, zewnętrzne&#10;&#10;Opis wygenerowany przy bardzo wysokim poziomie pewności">
+                <a:extLst>
+                  <a:ext uri="{FF2B5EF4-FFF2-40B4-BE49-F238E27FC236}">
+                    <a16:creationId xmlns:a16="http://schemas.microsoft.com/office/drawing/2014/main" id="{6A6183FD-34EB-4A60-B2BA-A5CC6D3AE334}"/>
+                  </a:ext>
+                </a:extLst>
+              </p:cNvPr>
+              <p:cNvPicPr>
+                <a:picLocks noChangeAspect="1"/>
+              </p:cNvPicPr>
+              <p:nvPr/>
+            </p:nvPicPr>
+            <p:blipFill>
+              <a:blip r:embed="rId10" cstate="print">
+                <a:extLst>
+                  <a:ext uri="{28A0092B-C50C-407E-A947-70E740481C1C}">
+                    <a14:useLocalDpi xmlns:a14="http://schemas.microsoft.com/office/drawing/2010/main" val="0"/>
+                  </a:ext>
+                </a:extLst>
+              </a:blip>
+              <a:stretch>
+                <a:fillRect/>
+              </a:stretch>
+            </p:blipFill>
+            <p:spPr>
+              <a:xfrm>
+                <a:off x="3143659" y="392427"/>
+                <a:ext cx="1610488" cy="1207866"/>
+              </a:xfrm>
+              <a:prstGeom prst="ellipse">
+                <a:avLst/>
+              </a:prstGeom>
+              <a:ln>
+                <a:noFill/>
+              </a:ln>
+              <a:effectLst>
+                <a:softEdge rad="112500"/>
+              </a:effectLst>
+            </p:spPr>
+          </p:pic>
+          <p:pic>
+            <p:nvPicPr>
+              <p:cNvPr id="16" name="Obraz 15" descr="Obraz zawierający zielony, zewnętrzne&#10;&#10;Opis wygenerowany przy bardzo wysokim poziomie pewności">
+                <a:extLst>
+                  <a:ext uri="{FF2B5EF4-FFF2-40B4-BE49-F238E27FC236}">
+                    <a16:creationId xmlns:a16="http://schemas.microsoft.com/office/drawing/2014/main" id="{B5BFF947-E704-45AE-AB4F-D0F57E8A49B1}"/>
+                  </a:ext>
+                </a:extLst>
+              </p:cNvPr>
+              <p:cNvPicPr>
+                <a:picLocks noChangeAspect="1"/>
+              </p:cNvPicPr>
+              <p:nvPr/>
+            </p:nvPicPr>
+            <p:blipFill>
+              <a:blip r:embed="rId10" cstate="print">
+                <a:extLst>
+                  <a:ext uri="{28A0092B-C50C-407E-A947-70E740481C1C}">
+                    <a14:useLocalDpi xmlns:a14="http://schemas.microsoft.com/office/drawing/2010/main" val="0"/>
+                  </a:ext>
+                </a:extLst>
+              </a:blip>
+              <a:stretch>
+                <a:fillRect/>
+              </a:stretch>
+            </p:blipFill>
+            <p:spPr>
+              <a:xfrm>
+                <a:off x="3687241" y="965008"/>
+                <a:ext cx="1610488" cy="1207866"/>
+              </a:xfrm>
+              <a:prstGeom prst="ellipse">
+                <a:avLst/>
+              </a:prstGeom>
+              <a:ln>
+                <a:noFill/>
+              </a:ln>
+              <a:effectLst>
+                <a:softEdge rad="112500"/>
+              </a:effectLst>
+            </p:spPr>
+          </p:pic>
+          <p:pic>
+            <p:nvPicPr>
+              <p:cNvPr id="17" name="Obraz 16" descr="Obraz zawierający zielony, zewnętrzne&#10;&#10;Opis wygenerowany przy bardzo wysokim poziomie pewności">
+                <a:extLst>
+                  <a:ext uri="{FF2B5EF4-FFF2-40B4-BE49-F238E27FC236}">
+                    <a16:creationId xmlns:a16="http://schemas.microsoft.com/office/drawing/2014/main" id="{9DEC2367-3227-44B3-972B-BFB95EF940CE}"/>
+                  </a:ext>
+                </a:extLst>
+              </p:cNvPr>
+              <p:cNvPicPr>
+                <a:picLocks noChangeAspect="1"/>
+              </p:cNvPicPr>
+              <p:nvPr/>
+            </p:nvPicPr>
+            <p:blipFill>
+              <a:blip r:embed="rId10" cstate="print">
+                <a:extLst>
+                  <a:ext uri="{28A0092B-C50C-407E-A947-70E740481C1C}">
+                    <a14:useLocalDpi xmlns:a14="http://schemas.microsoft.com/office/drawing/2010/main" val="0"/>
+                  </a:ext>
+                </a:extLst>
+              </a:blip>
+              <a:stretch>
+                <a:fillRect/>
+              </a:stretch>
+            </p:blipFill>
+            <p:spPr>
+              <a:xfrm>
+                <a:off x="4163824" y="2193925"/>
+                <a:ext cx="1610488" cy="1207866"/>
+              </a:xfrm>
+              <a:prstGeom prst="ellipse">
+                <a:avLst/>
+              </a:prstGeom>
+              <a:ln>
+                <a:noFill/>
+              </a:ln>
+              <a:effectLst>
+                <a:softEdge rad="112500"/>
+              </a:effectLst>
+            </p:spPr>
+          </p:pic>
+          <p:pic>
+            <p:nvPicPr>
+              <p:cNvPr id="18" name="Obraz 17" descr="Obraz zawierający zielony, zewnętrzne&#10;&#10;Opis wygenerowany przy bardzo wysokim poziomie pewności">
+                <a:extLst>
+                  <a:ext uri="{FF2B5EF4-FFF2-40B4-BE49-F238E27FC236}">
+                    <a16:creationId xmlns:a16="http://schemas.microsoft.com/office/drawing/2014/main" id="{FE7A54FF-A017-4BFC-A4D9-01AFB3C9D8D4}"/>
+                  </a:ext>
+                </a:extLst>
+              </p:cNvPr>
+              <p:cNvPicPr>
+                <a:picLocks noChangeAspect="1"/>
+              </p:cNvPicPr>
+              <p:nvPr/>
+            </p:nvPicPr>
+            <p:blipFill>
+              <a:blip r:embed="rId10" cstate="print">
+                <a:extLst>
+                  <a:ext uri="{28A0092B-C50C-407E-A947-70E740481C1C}">
+                    <a14:useLocalDpi xmlns:a14="http://schemas.microsoft.com/office/drawing/2010/main" val="0"/>
+                  </a:ext>
+                </a:extLst>
+              </a:blip>
+              <a:stretch>
+                <a:fillRect/>
+              </a:stretch>
+            </p:blipFill>
+            <p:spPr>
+              <a:xfrm>
+                <a:off x="3435922" y="1548052"/>
+                <a:ext cx="1610488" cy="1207866"/>
+              </a:xfrm>
+              <a:prstGeom prst="ellipse">
+                <a:avLst/>
+              </a:prstGeom>
+              <a:ln>
+                <a:noFill/>
+              </a:ln>
+              <a:effectLst>
+                <a:softEdge rad="112500"/>
+              </a:effectLst>
+            </p:spPr>
+          </p:pic>
+          <p:pic>
+            <p:nvPicPr>
+              <p:cNvPr id="19" name="Obraz 18" descr="Obraz zawierający zielony, zewnętrzne&#10;&#10;Opis wygenerowany przy bardzo wysokim poziomie pewności">
+                <a:extLst>
+                  <a:ext uri="{FF2B5EF4-FFF2-40B4-BE49-F238E27FC236}">
+                    <a16:creationId xmlns:a16="http://schemas.microsoft.com/office/drawing/2014/main" id="{2B24E127-8343-41F2-9E92-27B73B9624BC}"/>
+                  </a:ext>
+                </a:extLst>
+              </p:cNvPr>
+              <p:cNvPicPr>
+                <a:picLocks noChangeAspect="1"/>
+              </p:cNvPicPr>
+              <p:nvPr/>
+            </p:nvPicPr>
+            <p:blipFill>
+              <a:blip r:embed="rId10" cstate="print">
+                <a:extLst>
+                  <a:ext uri="{28A0092B-C50C-407E-A947-70E740481C1C}">
+                    <a14:useLocalDpi xmlns:a14="http://schemas.microsoft.com/office/drawing/2010/main" val="0"/>
+                  </a:ext>
+                </a:extLst>
+              </a:blip>
+              <a:stretch>
+                <a:fillRect/>
+              </a:stretch>
+            </p:blipFill>
+            <p:spPr>
+              <a:xfrm>
+                <a:off x="3686764" y="2238207"/>
+                <a:ext cx="1610488" cy="1207866"/>
+              </a:xfrm>
+              <a:prstGeom prst="ellipse">
+                <a:avLst/>
+              </a:prstGeom>
+              <a:ln>
+                <a:noFill/>
+              </a:ln>
+              <a:effectLst>
+                <a:softEdge rad="112500"/>
+              </a:effectLst>
+            </p:spPr>
+          </p:pic>
+          <p:pic>
+            <p:nvPicPr>
+              <p:cNvPr id="20" name="Obraz 19" descr="Obraz zawierający zielony, zewnętrzne&#10;&#10;Opis wygenerowany przy bardzo wysokim poziomie pewności">
+                <a:extLst>
+                  <a:ext uri="{FF2B5EF4-FFF2-40B4-BE49-F238E27FC236}">
+                    <a16:creationId xmlns:a16="http://schemas.microsoft.com/office/drawing/2014/main" id="{5A6201B3-93E4-4C41-A1B6-904734385A2C}"/>
+                  </a:ext>
+                </a:extLst>
+              </p:cNvPr>
+              <p:cNvPicPr>
+                <a:picLocks noChangeAspect="1"/>
+              </p:cNvPicPr>
+              <p:nvPr/>
+            </p:nvPicPr>
+            <p:blipFill>
+              <a:blip r:embed="rId10" cstate="print">
+                <a:extLst>
+                  <a:ext uri="{28A0092B-C50C-407E-A947-70E740481C1C}">
+                    <a14:useLocalDpi xmlns:a14="http://schemas.microsoft.com/office/drawing/2010/main" val="0"/>
+                  </a:ext>
+                </a:extLst>
+              </a:blip>
+              <a:stretch>
+                <a:fillRect/>
+              </a:stretch>
+            </p:blipFill>
+            <p:spPr>
+              <a:xfrm>
+                <a:off x="2750213" y="658427"/>
+                <a:ext cx="1610488" cy="1207866"/>
+              </a:xfrm>
+              <a:prstGeom prst="ellipse">
+                <a:avLst/>
+              </a:prstGeom>
+              <a:ln>
+                <a:noFill/>
+              </a:ln>
+              <a:effectLst>
+                <a:softEdge rad="112500"/>
+              </a:effectLst>
+            </p:spPr>
+          </p:pic>
+          <p:pic>
+            <p:nvPicPr>
+              <p:cNvPr id="21" name="Obraz 20" descr="Obraz zawierający zielony, zewnętrzne&#10;&#10;Opis wygenerowany przy bardzo wysokim poziomie pewności">
+                <a:extLst>
+                  <a:ext uri="{FF2B5EF4-FFF2-40B4-BE49-F238E27FC236}">
+                    <a16:creationId xmlns:a16="http://schemas.microsoft.com/office/drawing/2014/main" id="{DD655B5E-8E84-4A84-8632-F3EEBE43B29E}"/>
+                  </a:ext>
+                </a:extLst>
+              </p:cNvPr>
+              <p:cNvPicPr>
+                <a:picLocks noChangeAspect="1"/>
+              </p:cNvPicPr>
+              <p:nvPr/>
+            </p:nvPicPr>
+            <p:blipFill>
+              <a:blip r:embed="rId10" cstate="print">
+                <a:extLst>
+                  <a:ext uri="{28A0092B-C50C-407E-A947-70E740481C1C}">
+                    <a14:useLocalDpi xmlns:a14="http://schemas.microsoft.com/office/drawing/2010/main" val="0"/>
+                  </a:ext>
+                </a:extLst>
+              </a:blip>
+              <a:stretch>
+                <a:fillRect/>
+              </a:stretch>
+            </p:blipFill>
+            <p:spPr>
+              <a:xfrm>
+                <a:off x="521285" y="1072043"/>
+                <a:ext cx="1610488" cy="1207866"/>
+              </a:xfrm>
+              <a:prstGeom prst="ellipse">
+                <a:avLst/>
+              </a:prstGeom>
+              <a:ln>
+                <a:noFill/>
+              </a:ln>
+              <a:effectLst>
+                <a:softEdge rad="112500"/>
+              </a:effectLst>
+            </p:spPr>
+          </p:pic>
+          <p:pic>
+            <p:nvPicPr>
+              <p:cNvPr id="24" name="Obraz 23" descr="Obraz zawierający zielony, zewnętrzne&#10;&#10;Opis wygenerowany przy bardzo wysokim poziomie pewności">
+                <a:extLst>
+                  <a:ext uri="{FF2B5EF4-FFF2-40B4-BE49-F238E27FC236}">
+                    <a16:creationId xmlns:a16="http://schemas.microsoft.com/office/drawing/2014/main" id="{15549131-4BD5-4138-A3D6-4D517071BE3E}"/>
+                  </a:ext>
+                </a:extLst>
+              </p:cNvPr>
+              <p:cNvPicPr>
+                <a:picLocks noChangeAspect="1"/>
+              </p:cNvPicPr>
+              <p:nvPr/>
+            </p:nvPicPr>
+            <p:blipFill>
+              <a:blip r:embed="rId10" cstate="print">
+                <a:extLst>
+                  <a:ext uri="{28A0092B-C50C-407E-A947-70E740481C1C}">
+                    <a14:useLocalDpi xmlns:a14="http://schemas.microsoft.com/office/drawing/2010/main" val="0"/>
+                  </a:ext>
+                </a:extLst>
+              </a:blip>
+              <a:stretch>
+                <a:fillRect/>
+              </a:stretch>
+            </p:blipFill>
+            <p:spPr>
+              <a:xfrm>
+                <a:off x="716964" y="1494315"/>
+                <a:ext cx="1610488" cy="1207866"/>
+              </a:xfrm>
+              <a:prstGeom prst="ellipse">
+                <a:avLst/>
+              </a:prstGeom>
+              <a:ln>
+                <a:noFill/>
+              </a:ln>
+              <a:effectLst>
+                <a:softEdge rad="112500"/>
+              </a:effectLst>
+            </p:spPr>
+          </p:pic>
+        </p:grpSp>
+        <p:pic>
+          <p:nvPicPr>
+            <p:cNvPr id="9" name="Obraz 8" descr="Obraz zawierający zielony, zewnętrzne&#10;&#10;Opis wygenerowany przy bardzo wysokim poziomie pewności">
+              <a:extLst>
+                <a:ext uri="{FF2B5EF4-FFF2-40B4-BE49-F238E27FC236}">
+                  <a16:creationId xmlns:a16="http://schemas.microsoft.com/office/drawing/2014/main" id="{63A143F1-BD17-4D23-B364-2EB2799B891E}"/>
+                </a:ext>
+              </a:extLst>
+            </p:cNvPr>
+            <p:cNvPicPr>
+              <a:picLocks noChangeAspect="1"/>
+            </p:cNvPicPr>
+            <p:nvPr/>
+          </p:nvPicPr>
+          <p:blipFill>
+            <a:blip r:embed="rId10" cstate="print">
+              <a:extLst>
+                <a:ext uri="{28A0092B-C50C-407E-A947-70E740481C1C}">
+                  <a14:useLocalDpi xmlns:a14="http://schemas.microsoft.com/office/drawing/2010/main" val="0"/>
+                </a:ext>
+              </a:extLst>
+            </a:blip>
+            <a:stretch>
+              <a:fillRect/>
+            </a:stretch>
+          </p:blipFill>
+          <p:spPr>
+            <a:xfrm>
+              <a:off x="1577371" y="1229674"/>
+              <a:ext cx="1610488" cy="1207866"/>
+            </a:xfrm>
+            <a:prstGeom prst="ellipse">
+              <a:avLst/>
+            </a:prstGeom>
+            <a:ln>
+              <a:noFill/>
+            </a:ln>
+            <a:effectLst>
+              <a:softEdge rad="112500"/>
+            </a:effectLst>
+          </p:spPr>
+        </p:pic>
+        <p:pic>
+          <p:nvPicPr>
+            <p:cNvPr id="10" name="Obraz 9" descr="Obraz zawierający zielony, zewnętrzne&#10;&#10;Opis wygenerowany przy bardzo wysokim poziomie pewności">
+              <a:extLst>
+                <a:ext uri="{FF2B5EF4-FFF2-40B4-BE49-F238E27FC236}">
+                  <a16:creationId xmlns:a16="http://schemas.microsoft.com/office/drawing/2014/main" id="{7AA17635-DC96-441F-9F4D-E803274A09ED}"/>
+                </a:ext>
+              </a:extLst>
+            </p:cNvPr>
+            <p:cNvPicPr>
+              <a:picLocks noChangeAspect="1"/>
+            </p:cNvPicPr>
+            <p:nvPr/>
+          </p:nvPicPr>
+          <p:blipFill>
+            <a:blip r:embed="rId10" cstate="print">
+              <a:extLst>
+                <a:ext uri="{28A0092B-C50C-407E-A947-70E740481C1C}">
+                  <a14:useLocalDpi xmlns:a14="http://schemas.microsoft.com/office/drawing/2010/main" val="0"/>
+                </a:ext>
+              </a:extLst>
+            </a:blip>
+            <a:stretch>
+              <a:fillRect/>
+            </a:stretch>
+          </p:blipFill>
+          <p:spPr>
+            <a:xfrm>
+              <a:off x="2546231" y="1483001"/>
+              <a:ext cx="1610488" cy="1207866"/>
+            </a:xfrm>
+            <a:prstGeom prst="ellipse">
+              <a:avLst/>
+            </a:prstGeom>
+            <a:ln>
+              <a:noFill/>
+            </a:ln>
+            <a:effectLst>
+              <a:softEdge rad="112500"/>
+            </a:effectLst>
+          </p:spPr>
+        </p:pic>
+        <p:pic>
+          <p:nvPicPr>
+            <p:cNvPr id="11" name="Obraz 10" descr="Obraz zawierający zielony, zewnętrzne&#10;&#10;Opis wygenerowany przy bardzo wysokim poziomie pewności">
+              <a:extLst>
+                <a:ext uri="{FF2B5EF4-FFF2-40B4-BE49-F238E27FC236}">
+                  <a16:creationId xmlns:a16="http://schemas.microsoft.com/office/drawing/2014/main" id="{8BA29E72-3CB6-4573-8D8B-AAFA2A702F5C}"/>
+                </a:ext>
+              </a:extLst>
+            </p:cNvPr>
+            <p:cNvPicPr>
+              <a:picLocks noChangeAspect="1"/>
+            </p:cNvPicPr>
+            <p:nvPr/>
+          </p:nvPicPr>
+          <p:blipFill>
+            <a:blip r:embed="rId10" cstate="print">
+              <a:extLst>
+                <a:ext uri="{28A0092B-C50C-407E-A947-70E740481C1C}">
+                  <a14:useLocalDpi xmlns:a14="http://schemas.microsoft.com/office/drawing/2010/main" val="0"/>
+                </a:ext>
+              </a:extLst>
+            </a:blip>
+            <a:stretch>
+              <a:fillRect/>
+            </a:stretch>
+          </p:blipFill>
+          <p:spPr>
+            <a:xfrm>
+              <a:off x="2721655" y="2024928"/>
+              <a:ext cx="1610488" cy="1207866"/>
+            </a:xfrm>
+            <a:prstGeom prst="ellipse">
+              <a:avLst/>
+            </a:prstGeom>
+            <a:ln>
+              <a:noFill/>
+            </a:ln>
+            <a:effectLst>
+              <a:softEdge rad="112500"/>
+            </a:effectLst>
+          </p:spPr>
+        </p:pic>
+      </p:grpSp>
     </p:spTree>
     <p:extLst>
       <p:ext uri="{BB962C8B-B14F-4D97-AF65-F5344CB8AC3E}">
-        <p14:creationId xmlns:p14="http://schemas.microsoft.com/office/powerpoint/2010/main" val="913639838"/>
+        <p14:creationId xmlns:p14="http://schemas.microsoft.com/office/powerpoint/2010/main" val="1795335631"/>
       </p:ext>
     </p:extLst>
   </p:cSld>
@@ -30718,42 +31348,6 @@
       </p:pic>
       <p:pic>
         <p:nvPicPr>
-          <p:cNvPr id="3" name="Obraz 2">
-            <a:extLst>
-              <a:ext uri="{FF2B5EF4-FFF2-40B4-BE49-F238E27FC236}">
-                <a16:creationId xmlns:a16="http://schemas.microsoft.com/office/drawing/2014/main" id="{2E4AEA45-6689-4C17-A99C-2B596812B1A3}"/>
-              </a:ext>
-            </a:extLst>
-          </p:cNvPr>
-          <p:cNvPicPr>
-            <a:picLocks noChangeAspect="1"/>
-          </p:cNvPicPr>
-          <p:nvPr/>
-        </p:nvPicPr>
-        <p:blipFill>
-          <a:blip r:embed="rId3" cstate="print">
-            <a:extLst>
-              <a:ext uri="{28A0092B-C50C-407E-A947-70E740481C1C}">
-                <a14:useLocalDpi xmlns:a14="http://schemas.microsoft.com/office/drawing/2010/main" val="0"/>
-              </a:ext>
-            </a:extLst>
-          </a:blip>
-          <a:stretch>
-            <a:fillRect/>
-          </a:stretch>
-        </p:blipFill>
-        <p:spPr>
-          <a:xfrm rot="20609466" flipH="1">
-            <a:off x="4029673" y="850438"/>
-            <a:ext cx="498551" cy="369759"/>
-          </a:xfrm>
-          <a:prstGeom prst="rect">
-            <a:avLst/>
-          </a:prstGeom>
-        </p:spPr>
-      </p:pic>
-      <p:pic>
-        <p:nvPicPr>
           <p:cNvPr id="4" name="Obraz 3" descr="Obraz zawierający rzecz&#10;&#10;Opis wygenerowany przy wysokim poziomie pewności">
             <a:extLst>
               <a:ext uri="{FF2B5EF4-FFF2-40B4-BE49-F238E27FC236}">
@@ -30767,7 +31361,7 @@
           <p:nvPr/>
         </p:nvPicPr>
         <p:blipFill>
-          <a:blip r:embed="rId4" cstate="print">
+          <a:blip r:embed="rId3" cstate="print">
             <a:extLst>
               <a:ext uri="{28A0092B-C50C-407E-A947-70E740481C1C}">
                 <a14:useLocalDpi xmlns:a14="http://schemas.microsoft.com/office/drawing/2010/main" val="0"/>
@@ -30802,14 +31396,686 @@
         </p:xfrm>
         <a:graphic>
           <a:graphicData uri="http://schemas.openxmlformats.org/drawingml/2006/diagram">
-            <dgm:relIds xmlns:dgm="http://schemas.openxmlformats.org/drawingml/2006/diagram" xmlns:r="http://schemas.openxmlformats.org/officeDocument/2006/relationships" r:dm="rId5" r:lo="rId6" r:qs="rId7" r:cs="rId8"/>
+            <dgm:relIds xmlns:dgm="http://schemas.openxmlformats.org/drawingml/2006/diagram" xmlns:r="http://schemas.openxmlformats.org/officeDocument/2006/relationships" r:dm="rId4" r:lo="rId5" r:qs="rId6" r:cs="rId7"/>
           </a:graphicData>
         </a:graphic>
       </p:graphicFrame>
+      <p:pic>
+        <p:nvPicPr>
+          <p:cNvPr id="23" name="Obraz 22" descr="Obraz zawierający zielony, zewnętrzne&#10;&#10;Opis wygenerowany przy bardzo wysokim poziomie pewności">
+            <a:extLst>
+              <a:ext uri="{FF2B5EF4-FFF2-40B4-BE49-F238E27FC236}">
+                <a16:creationId xmlns:a16="http://schemas.microsoft.com/office/drawing/2014/main" id="{93142254-459F-4EBC-B310-9667CF5B34EE}"/>
+              </a:ext>
+            </a:extLst>
+          </p:cNvPr>
+          <p:cNvPicPr>
+            <a:picLocks noChangeAspect="1"/>
+          </p:cNvPicPr>
+          <p:nvPr/>
+        </p:nvPicPr>
+        <p:blipFill>
+          <a:blip r:embed="rId9" cstate="print">
+            <a:extLst>
+              <a:ext uri="{28A0092B-C50C-407E-A947-70E740481C1C}">
+                <a14:useLocalDpi xmlns:a14="http://schemas.microsoft.com/office/drawing/2010/main" val="0"/>
+              </a:ext>
+            </a:extLst>
+          </a:blip>
+          <a:stretch>
+            <a:fillRect/>
+          </a:stretch>
+        </p:blipFill>
+        <p:spPr>
+          <a:xfrm>
+            <a:off x="561044" y="2849280"/>
+            <a:ext cx="1610488" cy="1207866"/>
+          </a:xfrm>
+          <a:prstGeom prst="ellipse">
+            <a:avLst/>
+          </a:prstGeom>
+          <a:ln>
+            <a:noFill/>
+          </a:ln>
+          <a:effectLst>
+            <a:softEdge rad="112500"/>
+          </a:effectLst>
+        </p:spPr>
+      </p:pic>
+      <p:grpSp>
+        <p:nvGrpSpPr>
+          <p:cNvPr id="25" name="Grupa 24">
+            <a:extLst>
+              <a:ext uri="{FF2B5EF4-FFF2-40B4-BE49-F238E27FC236}">
+                <a16:creationId xmlns:a16="http://schemas.microsoft.com/office/drawing/2014/main" id="{1BA5A9F8-5382-46F1-8FFE-5B29626F53A3}"/>
+              </a:ext>
+            </a:extLst>
+          </p:cNvPr>
+          <p:cNvGrpSpPr/>
+          <p:nvPr/>
+        </p:nvGrpSpPr>
+        <p:grpSpPr>
+          <a:xfrm>
+            <a:off x="521285" y="35196"/>
+            <a:ext cx="5253027" cy="3410877"/>
+            <a:chOff x="521285" y="35196"/>
+            <a:chExt cx="5253027" cy="3410877"/>
+          </a:xfrm>
+        </p:grpSpPr>
+        <p:grpSp>
+          <p:nvGrpSpPr>
+            <p:cNvPr id="26" name="Grupa 25">
+              <a:extLst>
+                <a:ext uri="{FF2B5EF4-FFF2-40B4-BE49-F238E27FC236}">
+                  <a16:creationId xmlns:a16="http://schemas.microsoft.com/office/drawing/2014/main" id="{AECF685D-ED39-4BB7-8056-1C6E01BBEE5E}"/>
+                </a:ext>
+              </a:extLst>
+            </p:cNvPr>
+            <p:cNvGrpSpPr/>
+            <p:nvPr/>
+          </p:nvGrpSpPr>
+          <p:grpSpPr>
+            <a:xfrm>
+              <a:off x="521285" y="35196"/>
+              <a:ext cx="5253027" cy="3410877"/>
+              <a:chOff x="521285" y="35196"/>
+              <a:chExt cx="5253027" cy="3410877"/>
+            </a:xfrm>
+          </p:grpSpPr>
+          <p:pic>
+            <p:nvPicPr>
+              <p:cNvPr id="30" name="Obraz 29" descr="Obraz zawierający zielony, zewnętrzne&#10;&#10;Opis wygenerowany przy bardzo wysokim poziomie pewności">
+                <a:extLst>
+                  <a:ext uri="{FF2B5EF4-FFF2-40B4-BE49-F238E27FC236}">
+                    <a16:creationId xmlns:a16="http://schemas.microsoft.com/office/drawing/2014/main" id="{B7C7E102-2294-417B-AAB5-6D0F54B27E8C}"/>
+                  </a:ext>
+                </a:extLst>
+              </p:cNvPr>
+              <p:cNvPicPr>
+                <a:picLocks noChangeAspect="1"/>
+              </p:cNvPicPr>
+              <p:nvPr/>
+            </p:nvPicPr>
+            <p:blipFill>
+              <a:blip r:embed="rId9" cstate="print">
+                <a:extLst>
+                  <a:ext uri="{28A0092B-C50C-407E-A947-70E740481C1C}">
+                    <a14:useLocalDpi xmlns:a14="http://schemas.microsoft.com/office/drawing/2010/main" val="0"/>
+                  </a:ext>
+                </a:extLst>
+              </a:blip>
+              <a:stretch>
+                <a:fillRect/>
+              </a:stretch>
+            </p:blipFill>
+            <p:spPr>
+              <a:xfrm>
+                <a:off x="850390" y="92130"/>
+                <a:ext cx="1610488" cy="1207866"/>
+              </a:xfrm>
+              <a:prstGeom prst="ellipse">
+                <a:avLst/>
+              </a:prstGeom>
+              <a:ln>
+                <a:noFill/>
+              </a:ln>
+              <a:effectLst>
+                <a:softEdge rad="112500"/>
+              </a:effectLst>
+            </p:spPr>
+          </p:pic>
+          <p:pic>
+            <p:nvPicPr>
+              <p:cNvPr id="31" name="Obraz 30" descr="Obraz zawierający zielony, zewnętrzne&#10;&#10;Opis wygenerowany przy bardzo wysokim poziomie pewności">
+                <a:extLst>
+                  <a:ext uri="{FF2B5EF4-FFF2-40B4-BE49-F238E27FC236}">
+                    <a16:creationId xmlns:a16="http://schemas.microsoft.com/office/drawing/2014/main" id="{0DAB2467-A716-4CD9-BDDD-87F9ADD59C9F}"/>
+                  </a:ext>
+                </a:extLst>
+              </p:cNvPr>
+              <p:cNvPicPr>
+                <a:picLocks noChangeAspect="1"/>
+              </p:cNvPicPr>
+              <p:nvPr/>
+            </p:nvPicPr>
+            <p:blipFill>
+              <a:blip r:embed="rId9" cstate="print">
+                <a:extLst>
+                  <a:ext uri="{28A0092B-C50C-407E-A947-70E740481C1C}">
+                    <a14:useLocalDpi xmlns:a14="http://schemas.microsoft.com/office/drawing/2010/main" val="0"/>
+                  </a:ext>
+                </a:extLst>
+              </a:blip>
+              <a:stretch>
+                <a:fillRect/>
+              </a:stretch>
+            </p:blipFill>
+            <p:spPr>
+              <a:xfrm>
+                <a:off x="1295716" y="679478"/>
+                <a:ext cx="1610488" cy="1207866"/>
+              </a:xfrm>
+              <a:prstGeom prst="ellipse">
+                <a:avLst/>
+              </a:prstGeom>
+              <a:ln>
+                <a:noFill/>
+              </a:ln>
+              <a:effectLst>
+                <a:softEdge rad="112500"/>
+              </a:effectLst>
+            </p:spPr>
+          </p:pic>
+          <p:pic>
+            <p:nvPicPr>
+              <p:cNvPr id="32" name="Obraz 31" descr="Obraz zawierający zielony, zewnętrzne&#10;&#10;Opis wygenerowany przy bardzo wysokim poziomie pewności">
+                <a:extLst>
+                  <a:ext uri="{FF2B5EF4-FFF2-40B4-BE49-F238E27FC236}">
+                    <a16:creationId xmlns:a16="http://schemas.microsoft.com/office/drawing/2014/main" id="{A0859389-A47C-4F0D-BF7C-7C12A6770B1E}"/>
+                  </a:ext>
+                </a:extLst>
+              </p:cNvPr>
+              <p:cNvPicPr>
+                <a:picLocks noChangeAspect="1"/>
+              </p:cNvPicPr>
+              <p:nvPr/>
+            </p:nvPicPr>
+            <p:blipFill>
+              <a:blip r:embed="rId9" cstate="print">
+                <a:extLst>
+                  <a:ext uri="{28A0092B-C50C-407E-A947-70E740481C1C}">
+                    <a14:useLocalDpi xmlns:a14="http://schemas.microsoft.com/office/drawing/2010/main" val="0"/>
+                  </a:ext>
+                </a:extLst>
+              </a:blip>
+              <a:stretch>
+                <a:fillRect/>
+              </a:stretch>
+            </p:blipFill>
+            <p:spPr>
+              <a:xfrm>
+                <a:off x="2436671" y="35196"/>
+                <a:ext cx="1610488" cy="1207866"/>
+              </a:xfrm>
+              <a:prstGeom prst="ellipse">
+                <a:avLst/>
+              </a:prstGeom>
+              <a:ln>
+                <a:noFill/>
+              </a:ln>
+              <a:effectLst>
+                <a:softEdge rad="112500"/>
+              </a:effectLst>
+            </p:spPr>
+          </p:pic>
+          <p:pic>
+            <p:nvPicPr>
+              <p:cNvPr id="33" name="Obraz 32" descr="Obraz zawierający zielony, zewnętrzne&#10;&#10;Opis wygenerowany przy bardzo wysokim poziomie pewności">
+                <a:extLst>
+                  <a:ext uri="{FF2B5EF4-FFF2-40B4-BE49-F238E27FC236}">
+                    <a16:creationId xmlns:a16="http://schemas.microsoft.com/office/drawing/2014/main" id="{5B9621C7-C955-4F21-9686-B8242A260213}"/>
+                  </a:ext>
+                </a:extLst>
+              </p:cNvPr>
+              <p:cNvPicPr>
+                <a:picLocks noChangeAspect="1"/>
+              </p:cNvPicPr>
+              <p:nvPr/>
+            </p:nvPicPr>
+            <p:blipFill>
+              <a:blip r:embed="rId9" cstate="print">
+                <a:extLst>
+                  <a:ext uri="{28A0092B-C50C-407E-A947-70E740481C1C}">
+                    <a14:useLocalDpi xmlns:a14="http://schemas.microsoft.com/office/drawing/2010/main" val="0"/>
+                  </a:ext>
+                </a:extLst>
+              </a:blip>
+              <a:stretch>
+                <a:fillRect/>
+              </a:stretch>
+            </p:blipFill>
+            <p:spPr>
+              <a:xfrm>
+                <a:off x="3143659" y="392427"/>
+                <a:ext cx="1610488" cy="1207866"/>
+              </a:xfrm>
+              <a:prstGeom prst="ellipse">
+                <a:avLst/>
+              </a:prstGeom>
+              <a:ln>
+                <a:noFill/>
+              </a:ln>
+              <a:effectLst>
+                <a:softEdge rad="112500"/>
+              </a:effectLst>
+            </p:spPr>
+          </p:pic>
+          <p:pic>
+            <p:nvPicPr>
+              <p:cNvPr id="34" name="Obraz 33" descr="Obraz zawierający zielony, zewnętrzne&#10;&#10;Opis wygenerowany przy bardzo wysokim poziomie pewności">
+                <a:extLst>
+                  <a:ext uri="{FF2B5EF4-FFF2-40B4-BE49-F238E27FC236}">
+                    <a16:creationId xmlns:a16="http://schemas.microsoft.com/office/drawing/2014/main" id="{F59CC36E-7DC1-4776-8945-5650AD785A19}"/>
+                  </a:ext>
+                </a:extLst>
+              </p:cNvPr>
+              <p:cNvPicPr>
+                <a:picLocks noChangeAspect="1"/>
+              </p:cNvPicPr>
+              <p:nvPr/>
+            </p:nvPicPr>
+            <p:blipFill>
+              <a:blip r:embed="rId9" cstate="print">
+                <a:extLst>
+                  <a:ext uri="{28A0092B-C50C-407E-A947-70E740481C1C}">
+                    <a14:useLocalDpi xmlns:a14="http://schemas.microsoft.com/office/drawing/2010/main" val="0"/>
+                  </a:ext>
+                </a:extLst>
+              </a:blip>
+              <a:stretch>
+                <a:fillRect/>
+              </a:stretch>
+            </p:blipFill>
+            <p:spPr>
+              <a:xfrm>
+                <a:off x="3687241" y="965008"/>
+                <a:ext cx="1610488" cy="1207866"/>
+              </a:xfrm>
+              <a:prstGeom prst="ellipse">
+                <a:avLst/>
+              </a:prstGeom>
+              <a:ln>
+                <a:noFill/>
+              </a:ln>
+              <a:effectLst>
+                <a:softEdge rad="112500"/>
+              </a:effectLst>
+            </p:spPr>
+          </p:pic>
+          <p:pic>
+            <p:nvPicPr>
+              <p:cNvPr id="35" name="Obraz 34" descr="Obraz zawierający zielony, zewnętrzne&#10;&#10;Opis wygenerowany przy bardzo wysokim poziomie pewności">
+                <a:extLst>
+                  <a:ext uri="{FF2B5EF4-FFF2-40B4-BE49-F238E27FC236}">
+                    <a16:creationId xmlns:a16="http://schemas.microsoft.com/office/drawing/2014/main" id="{255A2A6F-7A46-45DE-9B2F-F95BE65423AB}"/>
+                  </a:ext>
+                </a:extLst>
+              </p:cNvPr>
+              <p:cNvPicPr>
+                <a:picLocks noChangeAspect="1"/>
+              </p:cNvPicPr>
+              <p:nvPr/>
+            </p:nvPicPr>
+            <p:blipFill>
+              <a:blip r:embed="rId9" cstate="print">
+                <a:extLst>
+                  <a:ext uri="{28A0092B-C50C-407E-A947-70E740481C1C}">
+                    <a14:useLocalDpi xmlns:a14="http://schemas.microsoft.com/office/drawing/2010/main" val="0"/>
+                  </a:ext>
+                </a:extLst>
+              </a:blip>
+              <a:stretch>
+                <a:fillRect/>
+              </a:stretch>
+            </p:blipFill>
+            <p:spPr>
+              <a:xfrm>
+                <a:off x="4163824" y="2193925"/>
+                <a:ext cx="1610488" cy="1207866"/>
+              </a:xfrm>
+              <a:prstGeom prst="ellipse">
+                <a:avLst/>
+              </a:prstGeom>
+              <a:ln>
+                <a:noFill/>
+              </a:ln>
+              <a:effectLst>
+                <a:softEdge rad="112500"/>
+              </a:effectLst>
+            </p:spPr>
+          </p:pic>
+          <p:pic>
+            <p:nvPicPr>
+              <p:cNvPr id="36" name="Obraz 35" descr="Obraz zawierający zielony, zewnętrzne&#10;&#10;Opis wygenerowany przy bardzo wysokim poziomie pewności">
+                <a:extLst>
+                  <a:ext uri="{FF2B5EF4-FFF2-40B4-BE49-F238E27FC236}">
+                    <a16:creationId xmlns:a16="http://schemas.microsoft.com/office/drawing/2014/main" id="{DD10D5ED-6626-404F-9DDE-69D35E74E787}"/>
+                  </a:ext>
+                </a:extLst>
+              </p:cNvPr>
+              <p:cNvPicPr>
+                <a:picLocks noChangeAspect="1"/>
+              </p:cNvPicPr>
+              <p:nvPr/>
+            </p:nvPicPr>
+            <p:blipFill>
+              <a:blip r:embed="rId9" cstate="print">
+                <a:extLst>
+                  <a:ext uri="{28A0092B-C50C-407E-A947-70E740481C1C}">
+                    <a14:useLocalDpi xmlns:a14="http://schemas.microsoft.com/office/drawing/2010/main" val="0"/>
+                  </a:ext>
+                </a:extLst>
+              </a:blip>
+              <a:stretch>
+                <a:fillRect/>
+              </a:stretch>
+            </p:blipFill>
+            <p:spPr>
+              <a:xfrm>
+                <a:off x="3435922" y="1548052"/>
+                <a:ext cx="1610488" cy="1207866"/>
+              </a:xfrm>
+              <a:prstGeom prst="ellipse">
+                <a:avLst/>
+              </a:prstGeom>
+              <a:ln>
+                <a:noFill/>
+              </a:ln>
+              <a:effectLst>
+                <a:softEdge rad="112500"/>
+              </a:effectLst>
+            </p:spPr>
+          </p:pic>
+          <p:pic>
+            <p:nvPicPr>
+              <p:cNvPr id="37" name="Obraz 36" descr="Obraz zawierający zielony, zewnętrzne&#10;&#10;Opis wygenerowany przy bardzo wysokim poziomie pewności">
+                <a:extLst>
+                  <a:ext uri="{FF2B5EF4-FFF2-40B4-BE49-F238E27FC236}">
+                    <a16:creationId xmlns:a16="http://schemas.microsoft.com/office/drawing/2014/main" id="{C8EE8CCC-D4BF-4D2D-98EF-8D2F6CA7468C}"/>
+                  </a:ext>
+                </a:extLst>
+              </p:cNvPr>
+              <p:cNvPicPr>
+                <a:picLocks noChangeAspect="1"/>
+              </p:cNvPicPr>
+              <p:nvPr/>
+            </p:nvPicPr>
+            <p:blipFill>
+              <a:blip r:embed="rId9" cstate="print">
+                <a:extLst>
+                  <a:ext uri="{28A0092B-C50C-407E-A947-70E740481C1C}">
+                    <a14:useLocalDpi xmlns:a14="http://schemas.microsoft.com/office/drawing/2010/main" val="0"/>
+                  </a:ext>
+                </a:extLst>
+              </a:blip>
+              <a:stretch>
+                <a:fillRect/>
+              </a:stretch>
+            </p:blipFill>
+            <p:spPr>
+              <a:xfrm>
+                <a:off x="3686764" y="2238207"/>
+                <a:ext cx="1610488" cy="1207866"/>
+              </a:xfrm>
+              <a:prstGeom prst="ellipse">
+                <a:avLst/>
+              </a:prstGeom>
+              <a:ln>
+                <a:noFill/>
+              </a:ln>
+              <a:effectLst>
+                <a:softEdge rad="112500"/>
+              </a:effectLst>
+            </p:spPr>
+          </p:pic>
+          <p:pic>
+            <p:nvPicPr>
+              <p:cNvPr id="38" name="Obraz 37" descr="Obraz zawierający zielony, zewnętrzne&#10;&#10;Opis wygenerowany przy bardzo wysokim poziomie pewności">
+                <a:extLst>
+                  <a:ext uri="{FF2B5EF4-FFF2-40B4-BE49-F238E27FC236}">
+                    <a16:creationId xmlns:a16="http://schemas.microsoft.com/office/drawing/2014/main" id="{AEBB7F4E-AE4E-4491-ACA1-8EA2FE8570EB}"/>
+                  </a:ext>
+                </a:extLst>
+              </p:cNvPr>
+              <p:cNvPicPr>
+                <a:picLocks noChangeAspect="1"/>
+              </p:cNvPicPr>
+              <p:nvPr/>
+            </p:nvPicPr>
+            <p:blipFill>
+              <a:blip r:embed="rId9" cstate="print">
+                <a:extLst>
+                  <a:ext uri="{28A0092B-C50C-407E-A947-70E740481C1C}">
+                    <a14:useLocalDpi xmlns:a14="http://schemas.microsoft.com/office/drawing/2010/main" val="0"/>
+                  </a:ext>
+                </a:extLst>
+              </a:blip>
+              <a:stretch>
+                <a:fillRect/>
+              </a:stretch>
+            </p:blipFill>
+            <p:spPr>
+              <a:xfrm>
+                <a:off x="2750213" y="658427"/>
+                <a:ext cx="1610488" cy="1207866"/>
+              </a:xfrm>
+              <a:prstGeom prst="ellipse">
+                <a:avLst/>
+              </a:prstGeom>
+              <a:ln>
+                <a:noFill/>
+              </a:ln>
+              <a:effectLst>
+                <a:softEdge rad="112500"/>
+              </a:effectLst>
+            </p:spPr>
+          </p:pic>
+          <p:pic>
+            <p:nvPicPr>
+              <p:cNvPr id="39" name="Obraz 38" descr="Obraz zawierający zielony, zewnętrzne&#10;&#10;Opis wygenerowany przy bardzo wysokim poziomie pewności">
+                <a:extLst>
+                  <a:ext uri="{FF2B5EF4-FFF2-40B4-BE49-F238E27FC236}">
+                    <a16:creationId xmlns:a16="http://schemas.microsoft.com/office/drawing/2014/main" id="{416E6CC2-ED27-4206-9091-347761EAA9FC}"/>
+                  </a:ext>
+                </a:extLst>
+              </p:cNvPr>
+              <p:cNvPicPr>
+                <a:picLocks noChangeAspect="1"/>
+              </p:cNvPicPr>
+              <p:nvPr/>
+            </p:nvPicPr>
+            <p:blipFill>
+              <a:blip r:embed="rId9" cstate="print">
+                <a:extLst>
+                  <a:ext uri="{28A0092B-C50C-407E-A947-70E740481C1C}">
+                    <a14:useLocalDpi xmlns:a14="http://schemas.microsoft.com/office/drawing/2010/main" val="0"/>
+                  </a:ext>
+                </a:extLst>
+              </a:blip>
+              <a:stretch>
+                <a:fillRect/>
+              </a:stretch>
+            </p:blipFill>
+            <p:spPr>
+              <a:xfrm>
+                <a:off x="521285" y="1072043"/>
+                <a:ext cx="1610488" cy="1207866"/>
+              </a:xfrm>
+              <a:prstGeom prst="ellipse">
+                <a:avLst/>
+              </a:prstGeom>
+              <a:ln>
+                <a:noFill/>
+              </a:ln>
+              <a:effectLst>
+                <a:softEdge rad="112500"/>
+              </a:effectLst>
+            </p:spPr>
+          </p:pic>
+          <p:pic>
+            <p:nvPicPr>
+              <p:cNvPr id="40" name="Obraz 39" descr="Obraz zawierający zielony, zewnętrzne&#10;&#10;Opis wygenerowany przy bardzo wysokim poziomie pewności">
+                <a:extLst>
+                  <a:ext uri="{FF2B5EF4-FFF2-40B4-BE49-F238E27FC236}">
+                    <a16:creationId xmlns:a16="http://schemas.microsoft.com/office/drawing/2014/main" id="{4D212DC2-BC94-49D8-BC73-6CDC6F2B567B}"/>
+                  </a:ext>
+                </a:extLst>
+              </p:cNvPr>
+              <p:cNvPicPr>
+                <a:picLocks noChangeAspect="1"/>
+              </p:cNvPicPr>
+              <p:nvPr/>
+            </p:nvPicPr>
+            <p:blipFill>
+              <a:blip r:embed="rId9" cstate="print">
+                <a:extLst>
+                  <a:ext uri="{28A0092B-C50C-407E-A947-70E740481C1C}">
+                    <a14:useLocalDpi xmlns:a14="http://schemas.microsoft.com/office/drawing/2010/main" val="0"/>
+                  </a:ext>
+                </a:extLst>
+              </a:blip>
+              <a:stretch>
+                <a:fillRect/>
+              </a:stretch>
+            </p:blipFill>
+            <p:spPr>
+              <a:xfrm>
+                <a:off x="716964" y="1494315"/>
+                <a:ext cx="1610488" cy="1207866"/>
+              </a:xfrm>
+              <a:prstGeom prst="ellipse">
+                <a:avLst/>
+              </a:prstGeom>
+              <a:ln>
+                <a:noFill/>
+              </a:ln>
+              <a:effectLst>
+                <a:softEdge rad="112500"/>
+              </a:effectLst>
+            </p:spPr>
+          </p:pic>
+        </p:grpSp>
+        <p:pic>
+          <p:nvPicPr>
+            <p:cNvPr id="27" name="Obraz 26" descr="Obraz zawierający zielony, zewnętrzne&#10;&#10;Opis wygenerowany przy bardzo wysokim poziomie pewności">
+              <a:extLst>
+                <a:ext uri="{FF2B5EF4-FFF2-40B4-BE49-F238E27FC236}">
+                  <a16:creationId xmlns:a16="http://schemas.microsoft.com/office/drawing/2014/main" id="{C2DDB51C-1AB9-404C-A734-9A8534F34330}"/>
+                </a:ext>
+              </a:extLst>
+            </p:cNvPr>
+            <p:cNvPicPr>
+              <a:picLocks noChangeAspect="1"/>
+            </p:cNvPicPr>
+            <p:nvPr/>
+          </p:nvPicPr>
+          <p:blipFill>
+            <a:blip r:embed="rId9" cstate="print">
+              <a:extLst>
+                <a:ext uri="{28A0092B-C50C-407E-A947-70E740481C1C}">
+                  <a14:useLocalDpi xmlns:a14="http://schemas.microsoft.com/office/drawing/2010/main" val="0"/>
+                </a:ext>
+              </a:extLst>
+            </a:blip>
+            <a:stretch>
+              <a:fillRect/>
+            </a:stretch>
+          </p:blipFill>
+          <p:spPr>
+            <a:xfrm>
+              <a:off x="1577371" y="1229674"/>
+              <a:ext cx="1610488" cy="1207866"/>
+            </a:xfrm>
+            <a:prstGeom prst="ellipse">
+              <a:avLst/>
+            </a:prstGeom>
+            <a:ln>
+              <a:noFill/>
+            </a:ln>
+            <a:effectLst>
+              <a:softEdge rad="112500"/>
+            </a:effectLst>
+          </p:spPr>
+        </p:pic>
+        <p:pic>
+          <p:nvPicPr>
+            <p:cNvPr id="28" name="Obraz 27" descr="Obraz zawierający zielony, zewnętrzne&#10;&#10;Opis wygenerowany przy bardzo wysokim poziomie pewności">
+              <a:extLst>
+                <a:ext uri="{FF2B5EF4-FFF2-40B4-BE49-F238E27FC236}">
+                  <a16:creationId xmlns:a16="http://schemas.microsoft.com/office/drawing/2014/main" id="{64B8B6F8-4446-44E5-940C-4E2181B6D597}"/>
+                </a:ext>
+              </a:extLst>
+            </p:cNvPr>
+            <p:cNvPicPr>
+              <a:picLocks noChangeAspect="1"/>
+            </p:cNvPicPr>
+            <p:nvPr/>
+          </p:nvPicPr>
+          <p:blipFill>
+            <a:blip r:embed="rId9" cstate="print">
+              <a:extLst>
+                <a:ext uri="{28A0092B-C50C-407E-A947-70E740481C1C}">
+                  <a14:useLocalDpi xmlns:a14="http://schemas.microsoft.com/office/drawing/2010/main" val="0"/>
+                </a:ext>
+              </a:extLst>
+            </a:blip>
+            <a:stretch>
+              <a:fillRect/>
+            </a:stretch>
+          </p:blipFill>
+          <p:spPr>
+            <a:xfrm>
+              <a:off x="2546231" y="1483001"/>
+              <a:ext cx="1610488" cy="1207866"/>
+            </a:xfrm>
+            <a:prstGeom prst="ellipse">
+              <a:avLst/>
+            </a:prstGeom>
+            <a:ln>
+              <a:noFill/>
+            </a:ln>
+            <a:effectLst>
+              <a:softEdge rad="112500"/>
+            </a:effectLst>
+          </p:spPr>
+        </p:pic>
+        <p:pic>
+          <p:nvPicPr>
+            <p:cNvPr id="29" name="Obraz 28" descr="Obraz zawierający zielony, zewnętrzne&#10;&#10;Opis wygenerowany przy bardzo wysokim poziomie pewności">
+              <a:extLst>
+                <a:ext uri="{FF2B5EF4-FFF2-40B4-BE49-F238E27FC236}">
+                  <a16:creationId xmlns:a16="http://schemas.microsoft.com/office/drawing/2014/main" id="{02F7F544-268E-4A76-A406-9E00FDF515A6}"/>
+                </a:ext>
+              </a:extLst>
+            </p:cNvPr>
+            <p:cNvPicPr>
+              <a:picLocks noChangeAspect="1"/>
+            </p:cNvPicPr>
+            <p:nvPr/>
+          </p:nvPicPr>
+          <p:blipFill>
+            <a:blip r:embed="rId9" cstate="print">
+              <a:extLst>
+                <a:ext uri="{28A0092B-C50C-407E-A947-70E740481C1C}">
+                  <a14:useLocalDpi xmlns:a14="http://schemas.microsoft.com/office/drawing/2010/main" val="0"/>
+                </a:ext>
+              </a:extLst>
+            </a:blip>
+            <a:stretch>
+              <a:fillRect/>
+            </a:stretch>
+          </p:blipFill>
+          <p:spPr>
+            <a:xfrm>
+              <a:off x="2721655" y="2024928"/>
+              <a:ext cx="1610488" cy="1207866"/>
+            </a:xfrm>
+            <a:prstGeom prst="ellipse">
+              <a:avLst/>
+            </a:prstGeom>
+            <a:ln>
+              <a:noFill/>
+            </a:ln>
+            <a:effectLst>
+              <a:softEdge rad="112500"/>
+            </a:effectLst>
+          </p:spPr>
+        </p:pic>
+      </p:grpSp>
     </p:spTree>
     <p:extLst>
       <p:ext uri="{BB962C8B-B14F-4D97-AF65-F5344CB8AC3E}">
-        <p14:creationId xmlns:p14="http://schemas.microsoft.com/office/powerpoint/2010/main" val="1478942745"/>
+        <p14:creationId xmlns:p14="http://schemas.microsoft.com/office/powerpoint/2010/main" val="993731320"/>
       </p:ext>
     </p:extLst>
   </p:cSld>
@@ -30962,10 +32228,640 @@
           </a:graphicData>
         </a:graphic>
       </p:graphicFrame>
+      <p:grpSp>
+        <p:nvGrpSpPr>
+          <p:cNvPr id="25" name="Grupa 24">
+            <a:extLst>
+              <a:ext uri="{FF2B5EF4-FFF2-40B4-BE49-F238E27FC236}">
+                <a16:creationId xmlns:a16="http://schemas.microsoft.com/office/drawing/2014/main" id="{E3E4CC3C-0A56-4817-B47C-234F8000BF8F}"/>
+              </a:ext>
+            </a:extLst>
+          </p:cNvPr>
+          <p:cNvGrpSpPr/>
+          <p:nvPr/>
+        </p:nvGrpSpPr>
+        <p:grpSpPr>
+          <a:xfrm>
+            <a:off x="521285" y="35196"/>
+            <a:ext cx="5253027" cy="3410877"/>
+            <a:chOff x="521285" y="35196"/>
+            <a:chExt cx="5253027" cy="3410877"/>
+          </a:xfrm>
+        </p:grpSpPr>
+        <p:grpSp>
+          <p:nvGrpSpPr>
+            <p:cNvPr id="26" name="Grupa 25">
+              <a:extLst>
+                <a:ext uri="{FF2B5EF4-FFF2-40B4-BE49-F238E27FC236}">
+                  <a16:creationId xmlns:a16="http://schemas.microsoft.com/office/drawing/2014/main" id="{FD319947-32B4-4F16-B80A-E8494355AB8A}"/>
+                </a:ext>
+              </a:extLst>
+            </p:cNvPr>
+            <p:cNvGrpSpPr/>
+            <p:nvPr/>
+          </p:nvGrpSpPr>
+          <p:grpSpPr>
+            <a:xfrm>
+              <a:off x="521285" y="35196"/>
+              <a:ext cx="5253027" cy="3410877"/>
+              <a:chOff x="521285" y="35196"/>
+              <a:chExt cx="5253027" cy="3410877"/>
+            </a:xfrm>
+          </p:grpSpPr>
+          <p:pic>
+            <p:nvPicPr>
+              <p:cNvPr id="30" name="Obraz 29" descr="Obraz zawierający zielony, zewnętrzne&#10;&#10;Opis wygenerowany przy bardzo wysokim poziomie pewności">
+                <a:extLst>
+                  <a:ext uri="{FF2B5EF4-FFF2-40B4-BE49-F238E27FC236}">
+                    <a16:creationId xmlns:a16="http://schemas.microsoft.com/office/drawing/2014/main" id="{4A01B061-19BA-4FE1-B830-403BD32AF16B}"/>
+                  </a:ext>
+                </a:extLst>
+              </p:cNvPr>
+              <p:cNvPicPr>
+                <a:picLocks noChangeAspect="1"/>
+              </p:cNvPicPr>
+              <p:nvPr/>
+            </p:nvPicPr>
+            <p:blipFill>
+              <a:blip r:embed="rId10" cstate="print">
+                <a:extLst>
+                  <a:ext uri="{28A0092B-C50C-407E-A947-70E740481C1C}">
+                    <a14:useLocalDpi xmlns:a14="http://schemas.microsoft.com/office/drawing/2010/main" val="0"/>
+                  </a:ext>
+                </a:extLst>
+              </a:blip>
+              <a:stretch>
+                <a:fillRect/>
+              </a:stretch>
+            </p:blipFill>
+            <p:spPr>
+              <a:xfrm>
+                <a:off x="850390" y="92130"/>
+                <a:ext cx="1610488" cy="1207866"/>
+              </a:xfrm>
+              <a:prstGeom prst="ellipse">
+                <a:avLst/>
+              </a:prstGeom>
+              <a:ln>
+                <a:noFill/>
+              </a:ln>
+              <a:effectLst>
+                <a:softEdge rad="112500"/>
+              </a:effectLst>
+            </p:spPr>
+          </p:pic>
+          <p:pic>
+            <p:nvPicPr>
+              <p:cNvPr id="31" name="Obraz 30" descr="Obraz zawierający zielony, zewnętrzne&#10;&#10;Opis wygenerowany przy bardzo wysokim poziomie pewności">
+                <a:extLst>
+                  <a:ext uri="{FF2B5EF4-FFF2-40B4-BE49-F238E27FC236}">
+                    <a16:creationId xmlns:a16="http://schemas.microsoft.com/office/drawing/2014/main" id="{2B42B63B-BF3F-4874-99EC-60A9EE7E983B}"/>
+                  </a:ext>
+                </a:extLst>
+              </p:cNvPr>
+              <p:cNvPicPr>
+                <a:picLocks noChangeAspect="1"/>
+              </p:cNvPicPr>
+              <p:nvPr/>
+            </p:nvPicPr>
+            <p:blipFill>
+              <a:blip r:embed="rId10" cstate="print">
+                <a:extLst>
+                  <a:ext uri="{28A0092B-C50C-407E-A947-70E740481C1C}">
+                    <a14:useLocalDpi xmlns:a14="http://schemas.microsoft.com/office/drawing/2010/main" val="0"/>
+                  </a:ext>
+                </a:extLst>
+              </a:blip>
+              <a:stretch>
+                <a:fillRect/>
+              </a:stretch>
+            </p:blipFill>
+            <p:spPr>
+              <a:xfrm>
+                <a:off x="1295716" y="679478"/>
+                <a:ext cx="1610488" cy="1207866"/>
+              </a:xfrm>
+              <a:prstGeom prst="ellipse">
+                <a:avLst/>
+              </a:prstGeom>
+              <a:ln>
+                <a:noFill/>
+              </a:ln>
+              <a:effectLst>
+                <a:softEdge rad="112500"/>
+              </a:effectLst>
+            </p:spPr>
+          </p:pic>
+          <p:pic>
+            <p:nvPicPr>
+              <p:cNvPr id="32" name="Obraz 31" descr="Obraz zawierający zielony, zewnętrzne&#10;&#10;Opis wygenerowany przy bardzo wysokim poziomie pewności">
+                <a:extLst>
+                  <a:ext uri="{FF2B5EF4-FFF2-40B4-BE49-F238E27FC236}">
+                    <a16:creationId xmlns:a16="http://schemas.microsoft.com/office/drawing/2014/main" id="{CB498C38-B87F-4079-9A04-9D99C815E3B6}"/>
+                  </a:ext>
+                </a:extLst>
+              </p:cNvPr>
+              <p:cNvPicPr>
+                <a:picLocks noChangeAspect="1"/>
+              </p:cNvPicPr>
+              <p:nvPr/>
+            </p:nvPicPr>
+            <p:blipFill>
+              <a:blip r:embed="rId10" cstate="print">
+                <a:extLst>
+                  <a:ext uri="{28A0092B-C50C-407E-A947-70E740481C1C}">
+                    <a14:useLocalDpi xmlns:a14="http://schemas.microsoft.com/office/drawing/2010/main" val="0"/>
+                  </a:ext>
+                </a:extLst>
+              </a:blip>
+              <a:stretch>
+                <a:fillRect/>
+              </a:stretch>
+            </p:blipFill>
+            <p:spPr>
+              <a:xfrm>
+                <a:off x="2436671" y="35196"/>
+                <a:ext cx="1610488" cy="1207866"/>
+              </a:xfrm>
+              <a:prstGeom prst="ellipse">
+                <a:avLst/>
+              </a:prstGeom>
+              <a:ln>
+                <a:noFill/>
+              </a:ln>
+              <a:effectLst>
+                <a:softEdge rad="112500"/>
+              </a:effectLst>
+            </p:spPr>
+          </p:pic>
+          <p:pic>
+            <p:nvPicPr>
+              <p:cNvPr id="33" name="Obraz 32" descr="Obraz zawierający zielony, zewnętrzne&#10;&#10;Opis wygenerowany przy bardzo wysokim poziomie pewności">
+                <a:extLst>
+                  <a:ext uri="{FF2B5EF4-FFF2-40B4-BE49-F238E27FC236}">
+                    <a16:creationId xmlns:a16="http://schemas.microsoft.com/office/drawing/2014/main" id="{C36D1247-FC7E-4D0C-87F4-58BA52343246}"/>
+                  </a:ext>
+                </a:extLst>
+              </p:cNvPr>
+              <p:cNvPicPr>
+                <a:picLocks noChangeAspect="1"/>
+              </p:cNvPicPr>
+              <p:nvPr/>
+            </p:nvPicPr>
+            <p:blipFill>
+              <a:blip r:embed="rId10" cstate="print">
+                <a:extLst>
+                  <a:ext uri="{28A0092B-C50C-407E-A947-70E740481C1C}">
+                    <a14:useLocalDpi xmlns:a14="http://schemas.microsoft.com/office/drawing/2010/main" val="0"/>
+                  </a:ext>
+                </a:extLst>
+              </a:blip>
+              <a:stretch>
+                <a:fillRect/>
+              </a:stretch>
+            </p:blipFill>
+            <p:spPr>
+              <a:xfrm>
+                <a:off x="3143659" y="392427"/>
+                <a:ext cx="1610488" cy="1207866"/>
+              </a:xfrm>
+              <a:prstGeom prst="ellipse">
+                <a:avLst/>
+              </a:prstGeom>
+              <a:ln>
+                <a:noFill/>
+              </a:ln>
+              <a:effectLst>
+                <a:softEdge rad="112500"/>
+              </a:effectLst>
+            </p:spPr>
+          </p:pic>
+          <p:pic>
+            <p:nvPicPr>
+              <p:cNvPr id="34" name="Obraz 33" descr="Obraz zawierający zielony, zewnętrzne&#10;&#10;Opis wygenerowany przy bardzo wysokim poziomie pewności">
+                <a:extLst>
+                  <a:ext uri="{FF2B5EF4-FFF2-40B4-BE49-F238E27FC236}">
+                    <a16:creationId xmlns:a16="http://schemas.microsoft.com/office/drawing/2014/main" id="{719BD51D-93C8-437B-9FAC-9B917439F189}"/>
+                  </a:ext>
+                </a:extLst>
+              </p:cNvPr>
+              <p:cNvPicPr>
+                <a:picLocks noChangeAspect="1"/>
+              </p:cNvPicPr>
+              <p:nvPr/>
+            </p:nvPicPr>
+            <p:blipFill>
+              <a:blip r:embed="rId10" cstate="print">
+                <a:extLst>
+                  <a:ext uri="{28A0092B-C50C-407E-A947-70E740481C1C}">
+                    <a14:useLocalDpi xmlns:a14="http://schemas.microsoft.com/office/drawing/2010/main" val="0"/>
+                  </a:ext>
+                </a:extLst>
+              </a:blip>
+              <a:stretch>
+                <a:fillRect/>
+              </a:stretch>
+            </p:blipFill>
+            <p:spPr>
+              <a:xfrm>
+                <a:off x="3687241" y="965008"/>
+                <a:ext cx="1610488" cy="1207866"/>
+              </a:xfrm>
+              <a:prstGeom prst="ellipse">
+                <a:avLst/>
+              </a:prstGeom>
+              <a:ln>
+                <a:noFill/>
+              </a:ln>
+              <a:effectLst>
+                <a:softEdge rad="112500"/>
+              </a:effectLst>
+            </p:spPr>
+          </p:pic>
+          <p:pic>
+            <p:nvPicPr>
+              <p:cNvPr id="35" name="Obraz 34" descr="Obraz zawierający zielony, zewnętrzne&#10;&#10;Opis wygenerowany przy bardzo wysokim poziomie pewności">
+                <a:extLst>
+                  <a:ext uri="{FF2B5EF4-FFF2-40B4-BE49-F238E27FC236}">
+                    <a16:creationId xmlns:a16="http://schemas.microsoft.com/office/drawing/2014/main" id="{F081F8D4-FF1D-4B79-8340-3AFA79282FC6}"/>
+                  </a:ext>
+                </a:extLst>
+              </p:cNvPr>
+              <p:cNvPicPr>
+                <a:picLocks noChangeAspect="1"/>
+              </p:cNvPicPr>
+              <p:nvPr/>
+            </p:nvPicPr>
+            <p:blipFill>
+              <a:blip r:embed="rId10" cstate="print">
+                <a:extLst>
+                  <a:ext uri="{28A0092B-C50C-407E-A947-70E740481C1C}">
+                    <a14:useLocalDpi xmlns:a14="http://schemas.microsoft.com/office/drawing/2010/main" val="0"/>
+                  </a:ext>
+                </a:extLst>
+              </a:blip>
+              <a:stretch>
+                <a:fillRect/>
+              </a:stretch>
+            </p:blipFill>
+            <p:spPr>
+              <a:xfrm>
+                <a:off x="4163824" y="2193925"/>
+                <a:ext cx="1610488" cy="1207866"/>
+              </a:xfrm>
+              <a:prstGeom prst="ellipse">
+                <a:avLst/>
+              </a:prstGeom>
+              <a:ln>
+                <a:noFill/>
+              </a:ln>
+              <a:effectLst>
+                <a:softEdge rad="112500"/>
+              </a:effectLst>
+            </p:spPr>
+          </p:pic>
+          <p:pic>
+            <p:nvPicPr>
+              <p:cNvPr id="36" name="Obraz 35" descr="Obraz zawierający zielony, zewnętrzne&#10;&#10;Opis wygenerowany przy bardzo wysokim poziomie pewności">
+                <a:extLst>
+                  <a:ext uri="{FF2B5EF4-FFF2-40B4-BE49-F238E27FC236}">
+                    <a16:creationId xmlns:a16="http://schemas.microsoft.com/office/drawing/2014/main" id="{35FED7EC-7B87-4A70-B8E0-738FF5463E05}"/>
+                  </a:ext>
+                </a:extLst>
+              </p:cNvPr>
+              <p:cNvPicPr>
+                <a:picLocks noChangeAspect="1"/>
+              </p:cNvPicPr>
+              <p:nvPr/>
+            </p:nvPicPr>
+            <p:blipFill>
+              <a:blip r:embed="rId10" cstate="print">
+                <a:extLst>
+                  <a:ext uri="{28A0092B-C50C-407E-A947-70E740481C1C}">
+                    <a14:useLocalDpi xmlns:a14="http://schemas.microsoft.com/office/drawing/2010/main" val="0"/>
+                  </a:ext>
+                </a:extLst>
+              </a:blip>
+              <a:stretch>
+                <a:fillRect/>
+              </a:stretch>
+            </p:blipFill>
+            <p:spPr>
+              <a:xfrm>
+                <a:off x="3435922" y="1548052"/>
+                <a:ext cx="1610488" cy="1207866"/>
+              </a:xfrm>
+              <a:prstGeom prst="ellipse">
+                <a:avLst/>
+              </a:prstGeom>
+              <a:ln>
+                <a:noFill/>
+              </a:ln>
+              <a:effectLst>
+                <a:softEdge rad="112500"/>
+              </a:effectLst>
+            </p:spPr>
+          </p:pic>
+          <p:pic>
+            <p:nvPicPr>
+              <p:cNvPr id="37" name="Obraz 36" descr="Obraz zawierający zielony, zewnętrzne&#10;&#10;Opis wygenerowany przy bardzo wysokim poziomie pewności">
+                <a:extLst>
+                  <a:ext uri="{FF2B5EF4-FFF2-40B4-BE49-F238E27FC236}">
+                    <a16:creationId xmlns:a16="http://schemas.microsoft.com/office/drawing/2014/main" id="{8F428BE6-268E-4B86-8283-3E275687EB0C}"/>
+                  </a:ext>
+                </a:extLst>
+              </p:cNvPr>
+              <p:cNvPicPr>
+                <a:picLocks noChangeAspect="1"/>
+              </p:cNvPicPr>
+              <p:nvPr/>
+            </p:nvPicPr>
+            <p:blipFill>
+              <a:blip r:embed="rId10" cstate="print">
+                <a:extLst>
+                  <a:ext uri="{28A0092B-C50C-407E-A947-70E740481C1C}">
+                    <a14:useLocalDpi xmlns:a14="http://schemas.microsoft.com/office/drawing/2010/main" val="0"/>
+                  </a:ext>
+                </a:extLst>
+              </a:blip>
+              <a:stretch>
+                <a:fillRect/>
+              </a:stretch>
+            </p:blipFill>
+            <p:spPr>
+              <a:xfrm>
+                <a:off x="3686764" y="2238207"/>
+                <a:ext cx="1610488" cy="1207866"/>
+              </a:xfrm>
+              <a:prstGeom prst="ellipse">
+                <a:avLst/>
+              </a:prstGeom>
+              <a:ln>
+                <a:noFill/>
+              </a:ln>
+              <a:effectLst>
+                <a:softEdge rad="112500"/>
+              </a:effectLst>
+            </p:spPr>
+          </p:pic>
+          <p:pic>
+            <p:nvPicPr>
+              <p:cNvPr id="38" name="Obraz 37" descr="Obraz zawierający zielony, zewnętrzne&#10;&#10;Opis wygenerowany przy bardzo wysokim poziomie pewności">
+                <a:extLst>
+                  <a:ext uri="{FF2B5EF4-FFF2-40B4-BE49-F238E27FC236}">
+                    <a16:creationId xmlns:a16="http://schemas.microsoft.com/office/drawing/2014/main" id="{09F532F1-323C-417B-8FA9-ED53B5CFC475}"/>
+                  </a:ext>
+                </a:extLst>
+              </p:cNvPr>
+              <p:cNvPicPr>
+                <a:picLocks noChangeAspect="1"/>
+              </p:cNvPicPr>
+              <p:nvPr/>
+            </p:nvPicPr>
+            <p:blipFill>
+              <a:blip r:embed="rId10" cstate="print">
+                <a:extLst>
+                  <a:ext uri="{28A0092B-C50C-407E-A947-70E740481C1C}">
+                    <a14:useLocalDpi xmlns:a14="http://schemas.microsoft.com/office/drawing/2010/main" val="0"/>
+                  </a:ext>
+                </a:extLst>
+              </a:blip>
+              <a:stretch>
+                <a:fillRect/>
+              </a:stretch>
+            </p:blipFill>
+            <p:spPr>
+              <a:xfrm>
+                <a:off x="2750213" y="658427"/>
+                <a:ext cx="1610488" cy="1207866"/>
+              </a:xfrm>
+              <a:prstGeom prst="ellipse">
+                <a:avLst/>
+              </a:prstGeom>
+              <a:ln>
+                <a:noFill/>
+              </a:ln>
+              <a:effectLst>
+                <a:softEdge rad="112500"/>
+              </a:effectLst>
+            </p:spPr>
+          </p:pic>
+          <p:pic>
+            <p:nvPicPr>
+              <p:cNvPr id="39" name="Obraz 38" descr="Obraz zawierający zielony, zewnętrzne&#10;&#10;Opis wygenerowany przy bardzo wysokim poziomie pewności">
+                <a:extLst>
+                  <a:ext uri="{FF2B5EF4-FFF2-40B4-BE49-F238E27FC236}">
+                    <a16:creationId xmlns:a16="http://schemas.microsoft.com/office/drawing/2014/main" id="{AD8221C3-BB5F-4A02-A990-75B767534C6E}"/>
+                  </a:ext>
+                </a:extLst>
+              </p:cNvPr>
+              <p:cNvPicPr>
+                <a:picLocks noChangeAspect="1"/>
+              </p:cNvPicPr>
+              <p:nvPr/>
+            </p:nvPicPr>
+            <p:blipFill>
+              <a:blip r:embed="rId10" cstate="print">
+                <a:extLst>
+                  <a:ext uri="{28A0092B-C50C-407E-A947-70E740481C1C}">
+                    <a14:useLocalDpi xmlns:a14="http://schemas.microsoft.com/office/drawing/2010/main" val="0"/>
+                  </a:ext>
+                </a:extLst>
+              </a:blip>
+              <a:stretch>
+                <a:fillRect/>
+              </a:stretch>
+            </p:blipFill>
+            <p:spPr>
+              <a:xfrm>
+                <a:off x="521285" y="1072043"/>
+                <a:ext cx="1610488" cy="1207866"/>
+              </a:xfrm>
+              <a:prstGeom prst="ellipse">
+                <a:avLst/>
+              </a:prstGeom>
+              <a:ln>
+                <a:noFill/>
+              </a:ln>
+              <a:effectLst>
+                <a:softEdge rad="112500"/>
+              </a:effectLst>
+            </p:spPr>
+          </p:pic>
+          <p:pic>
+            <p:nvPicPr>
+              <p:cNvPr id="40" name="Obraz 39" descr="Obraz zawierający zielony, zewnętrzne&#10;&#10;Opis wygenerowany przy bardzo wysokim poziomie pewności">
+                <a:extLst>
+                  <a:ext uri="{FF2B5EF4-FFF2-40B4-BE49-F238E27FC236}">
+                    <a16:creationId xmlns:a16="http://schemas.microsoft.com/office/drawing/2014/main" id="{23D424B9-6B17-45EE-A2F2-C9C9B9075BA1}"/>
+                  </a:ext>
+                </a:extLst>
+              </p:cNvPr>
+              <p:cNvPicPr>
+                <a:picLocks noChangeAspect="1"/>
+              </p:cNvPicPr>
+              <p:nvPr/>
+            </p:nvPicPr>
+            <p:blipFill>
+              <a:blip r:embed="rId10" cstate="print">
+                <a:extLst>
+                  <a:ext uri="{28A0092B-C50C-407E-A947-70E740481C1C}">
+                    <a14:useLocalDpi xmlns:a14="http://schemas.microsoft.com/office/drawing/2010/main" val="0"/>
+                  </a:ext>
+                </a:extLst>
+              </a:blip>
+              <a:stretch>
+                <a:fillRect/>
+              </a:stretch>
+            </p:blipFill>
+            <p:spPr>
+              <a:xfrm>
+                <a:off x="716964" y="1494315"/>
+                <a:ext cx="1610488" cy="1207866"/>
+              </a:xfrm>
+              <a:prstGeom prst="ellipse">
+                <a:avLst/>
+              </a:prstGeom>
+              <a:ln>
+                <a:noFill/>
+              </a:ln>
+              <a:effectLst>
+                <a:softEdge rad="112500"/>
+              </a:effectLst>
+            </p:spPr>
+          </p:pic>
+        </p:grpSp>
+        <p:pic>
+          <p:nvPicPr>
+            <p:cNvPr id="27" name="Obraz 26" descr="Obraz zawierający zielony, zewnętrzne&#10;&#10;Opis wygenerowany przy bardzo wysokim poziomie pewności">
+              <a:extLst>
+                <a:ext uri="{FF2B5EF4-FFF2-40B4-BE49-F238E27FC236}">
+                  <a16:creationId xmlns:a16="http://schemas.microsoft.com/office/drawing/2014/main" id="{7E27EF7E-F0D2-4B49-A3D4-D85E03ECFF19}"/>
+                </a:ext>
+              </a:extLst>
+            </p:cNvPr>
+            <p:cNvPicPr>
+              <a:picLocks noChangeAspect="1"/>
+            </p:cNvPicPr>
+            <p:nvPr/>
+          </p:nvPicPr>
+          <p:blipFill>
+            <a:blip r:embed="rId10" cstate="print">
+              <a:extLst>
+                <a:ext uri="{28A0092B-C50C-407E-A947-70E740481C1C}">
+                  <a14:useLocalDpi xmlns:a14="http://schemas.microsoft.com/office/drawing/2010/main" val="0"/>
+                </a:ext>
+              </a:extLst>
+            </a:blip>
+            <a:stretch>
+              <a:fillRect/>
+            </a:stretch>
+          </p:blipFill>
+          <p:spPr>
+            <a:xfrm>
+              <a:off x="1577371" y="1229674"/>
+              <a:ext cx="1610488" cy="1207866"/>
+            </a:xfrm>
+            <a:prstGeom prst="ellipse">
+              <a:avLst/>
+            </a:prstGeom>
+            <a:ln>
+              <a:noFill/>
+            </a:ln>
+            <a:effectLst>
+              <a:softEdge rad="112500"/>
+            </a:effectLst>
+          </p:spPr>
+        </p:pic>
+        <p:pic>
+          <p:nvPicPr>
+            <p:cNvPr id="28" name="Obraz 27" descr="Obraz zawierający zielony, zewnętrzne&#10;&#10;Opis wygenerowany przy bardzo wysokim poziomie pewności">
+              <a:extLst>
+                <a:ext uri="{FF2B5EF4-FFF2-40B4-BE49-F238E27FC236}">
+                  <a16:creationId xmlns:a16="http://schemas.microsoft.com/office/drawing/2014/main" id="{252A6FE5-5EF6-45C7-8B05-2581C0A2501D}"/>
+                </a:ext>
+              </a:extLst>
+            </p:cNvPr>
+            <p:cNvPicPr>
+              <a:picLocks noChangeAspect="1"/>
+            </p:cNvPicPr>
+            <p:nvPr/>
+          </p:nvPicPr>
+          <p:blipFill>
+            <a:blip r:embed="rId10" cstate="print">
+              <a:extLst>
+                <a:ext uri="{28A0092B-C50C-407E-A947-70E740481C1C}">
+                  <a14:useLocalDpi xmlns:a14="http://schemas.microsoft.com/office/drawing/2010/main" val="0"/>
+                </a:ext>
+              </a:extLst>
+            </a:blip>
+            <a:stretch>
+              <a:fillRect/>
+            </a:stretch>
+          </p:blipFill>
+          <p:spPr>
+            <a:xfrm>
+              <a:off x="2546231" y="1483001"/>
+              <a:ext cx="1610488" cy="1207866"/>
+            </a:xfrm>
+            <a:prstGeom prst="ellipse">
+              <a:avLst/>
+            </a:prstGeom>
+            <a:ln>
+              <a:noFill/>
+            </a:ln>
+            <a:effectLst>
+              <a:softEdge rad="112500"/>
+            </a:effectLst>
+          </p:spPr>
+        </p:pic>
+        <p:pic>
+          <p:nvPicPr>
+            <p:cNvPr id="29" name="Obraz 28" descr="Obraz zawierający zielony, zewnętrzne&#10;&#10;Opis wygenerowany przy bardzo wysokim poziomie pewności">
+              <a:extLst>
+                <a:ext uri="{FF2B5EF4-FFF2-40B4-BE49-F238E27FC236}">
+                  <a16:creationId xmlns:a16="http://schemas.microsoft.com/office/drawing/2014/main" id="{70101C99-A0DD-4EAB-B841-6BDB5367286C}"/>
+                </a:ext>
+              </a:extLst>
+            </p:cNvPr>
+            <p:cNvPicPr>
+              <a:picLocks noChangeAspect="1"/>
+            </p:cNvPicPr>
+            <p:nvPr/>
+          </p:nvPicPr>
+          <p:blipFill>
+            <a:blip r:embed="rId10" cstate="print">
+              <a:extLst>
+                <a:ext uri="{28A0092B-C50C-407E-A947-70E740481C1C}">
+                  <a14:useLocalDpi xmlns:a14="http://schemas.microsoft.com/office/drawing/2010/main" val="0"/>
+                </a:ext>
+              </a:extLst>
+            </a:blip>
+            <a:stretch>
+              <a:fillRect/>
+            </a:stretch>
+          </p:blipFill>
+          <p:spPr>
+            <a:xfrm>
+              <a:off x="2721655" y="2024928"/>
+              <a:ext cx="1610488" cy="1207866"/>
+            </a:xfrm>
+            <a:prstGeom prst="ellipse">
+              <a:avLst/>
+            </a:prstGeom>
+            <a:ln>
+              <a:noFill/>
+            </a:ln>
+            <a:effectLst>
+              <a:softEdge rad="112500"/>
+            </a:effectLst>
+          </p:spPr>
+        </p:pic>
+      </p:grpSp>
     </p:spTree>
     <p:extLst>
       <p:ext uri="{BB962C8B-B14F-4D97-AF65-F5344CB8AC3E}">
-        <p14:creationId xmlns:p14="http://schemas.microsoft.com/office/powerpoint/2010/main" val="2542155106"/>
+        <p14:creationId xmlns:p14="http://schemas.microsoft.com/office/powerpoint/2010/main" val="2439970836"/>
       </p:ext>
     </p:extLst>
   </p:cSld>
@@ -31118,10 +33014,682 @@
           </a:graphicData>
         </a:graphic>
       </p:graphicFrame>
+      <p:grpSp>
+        <p:nvGrpSpPr>
+          <p:cNvPr id="6" name="Grupa 5">
+            <a:extLst>
+              <a:ext uri="{FF2B5EF4-FFF2-40B4-BE49-F238E27FC236}">
+                <a16:creationId xmlns:a16="http://schemas.microsoft.com/office/drawing/2014/main" id="{B182D283-575C-4CB6-B73B-487A845553C8}"/>
+              </a:ext>
+            </a:extLst>
+          </p:cNvPr>
+          <p:cNvGrpSpPr/>
+          <p:nvPr/>
+        </p:nvGrpSpPr>
+        <p:grpSpPr>
+          <a:xfrm>
+            <a:off x="-33225" y="35196"/>
+            <a:ext cx="5807537" cy="3919206"/>
+            <a:chOff x="-33225" y="35196"/>
+            <a:chExt cx="5807537" cy="3919206"/>
+          </a:xfrm>
+        </p:grpSpPr>
+        <p:grpSp>
+          <p:nvGrpSpPr>
+            <p:cNvPr id="8" name="Grupa 7">
+              <a:extLst>
+                <a:ext uri="{FF2B5EF4-FFF2-40B4-BE49-F238E27FC236}">
+                  <a16:creationId xmlns:a16="http://schemas.microsoft.com/office/drawing/2014/main" id="{482A9159-5F33-4F88-BCF9-757DB7E00424}"/>
+                </a:ext>
+              </a:extLst>
+            </p:cNvPr>
+            <p:cNvGrpSpPr/>
+            <p:nvPr/>
+          </p:nvGrpSpPr>
+          <p:grpSpPr>
+            <a:xfrm>
+              <a:off x="-33225" y="35196"/>
+              <a:ext cx="5807537" cy="3919206"/>
+              <a:chOff x="-33225" y="35196"/>
+              <a:chExt cx="5807537" cy="3919206"/>
+            </a:xfrm>
+          </p:grpSpPr>
+          <p:pic>
+            <p:nvPicPr>
+              <p:cNvPr id="12" name="Obraz 11" descr="Obraz zawierający zielony, zewnętrzne&#10;&#10;Opis wygenerowany przy bardzo wysokim poziomie pewności">
+                <a:extLst>
+                  <a:ext uri="{FF2B5EF4-FFF2-40B4-BE49-F238E27FC236}">
+                    <a16:creationId xmlns:a16="http://schemas.microsoft.com/office/drawing/2014/main" id="{C7788425-26AD-4A87-A377-93FC7C671AD6}"/>
+                  </a:ext>
+                </a:extLst>
+              </p:cNvPr>
+              <p:cNvPicPr>
+                <a:picLocks noChangeAspect="1"/>
+              </p:cNvPicPr>
+              <p:nvPr/>
+            </p:nvPicPr>
+            <p:blipFill>
+              <a:blip r:embed="rId10" cstate="print">
+                <a:extLst>
+                  <a:ext uri="{28A0092B-C50C-407E-A947-70E740481C1C}">
+                    <a14:useLocalDpi xmlns:a14="http://schemas.microsoft.com/office/drawing/2010/main" val="0"/>
+                  </a:ext>
+                </a:extLst>
+              </a:blip>
+              <a:stretch>
+                <a:fillRect/>
+              </a:stretch>
+            </p:blipFill>
+            <p:spPr>
+              <a:xfrm>
+                <a:off x="850390" y="92130"/>
+                <a:ext cx="1610488" cy="1207866"/>
+              </a:xfrm>
+              <a:prstGeom prst="ellipse">
+                <a:avLst/>
+              </a:prstGeom>
+              <a:ln>
+                <a:noFill/>
+              </a:ln>
+              <a:effectLst>
+                <a:softEdge rad="112500"/>
+              </a:effectLst>
+            </p:spPr>
+          </p:pic>
+          <p:pic>
+            <p:nvPicPr>
+              <p:cNvPr id="13" name="Obraz 12" descr="Obraz zawierający zielony, zewnętrzne&#10;&#10;Opis wygenerowany przy bardzo wysokim poziomie pewności">
+                <a:extLst>
+                  <a:ext uri="{FF2B5EF4-FFF2-40B4-BE49-F238E27FC236}">
+                    <a16:creationId xmlns:a16="http://schemas.microsoft.com/office/drawing/2014/main" id="{075255B5-C3E7-4F65-B570-AEAC086C88C1}"/>
+                  </a:ext>
+                </a:extLst>
+              </p:cNvPr>
+              <p:cNvPicPr>
+                <a:picLocks noChangeAspect="1"/>
+              </p:cNvPicPr>
+              <p:nvPr/>
+            </p:nvPicPr>
+            <p:blipFill>
+              <a:blip r:embed="rId10" cstate="print">
+                <a:extLst>
+                  <a:ext uri="{28A0092B-C50C-407E-A947-70E740481C1C}">
+                    <a14:useLocalDpi xmlns:a14="http://schemas.microsoft.com/office/drawing/2010/main" val="0"/>
+                  </a:ext>
+                </a:extLst>
+              </a:blip>
+              <a:stretch>
+                <a:fillRect/>
+              </a:stretch>
+            </p:blipFill>
+            <p:spPr>
+              <a:xfrm>
+                <a:off x="1295716" y="679478"/>
+                <a:ext cx="1610488" cy="1207866"/>
+              </a:xfrm>
+              <a:prstGeom prst="ellipse">
+                <a:avLst/>
+              </a:prstGeom>
+              <a:ln>
+                <a:noFill/>
+              </a:ln>
+              <a:effectLst>
+                <a:softEdge rad="112500"/>
+              </a:effectLst>
+            </p:spPr>
+          </p:pic>
+          <p:pic>
+            <p:nvPicPr>
+              <p:cNvPr id="14" name="Obraz 13" descr="Obraz zawierający zielony, zewnętrzne&#10;&#10;Opis wygenerowany przy bardzo wysokim poziomie pewności">
+                <a:extLst>
+                  <a:ext uri="{FF2B5EF4-FFF2-40B4-BE49-F238E27FC236}">
+                    <a16:creationId xmlns:a16="http://schemas.microsoft.com/office/drawing/2014/main" id="{24EF1A2D-02A0-4879-BE54-CC6A1AB3FCCF}"/>
+                  </a:ext>
+                </a:extLst>
+              </p:cNvPr>
+              <p:cNvPicPr>
+                <a:picLocks noChangeAspect="1"/>
+              </p:cNvPicPr>
+              <p:nvPr/>
+            </p:nvPicPr>
+            <p:blipFill>
+              <a:blip r:embed="rId10" cstate="print">
+                <a:extLst>
+                  <a:ext uri="{28A0092B-C50C-407E-A947-70E740481C1C}">
+                    <a14:useLocalDpi xmlns:a14="http://schemas.microsoft.com/office/drawing/2010/main" val="0"/>
+                  </a:ext>
+                </a:extLst>
+              </a:blip>
+              <a:stretch>
+                <a:fillRect/>
+              </a:stretch>
+            </p:blipFill>
+            <p:spPr>
+              <a:xfrm>
+                <a:off x="2436671" y="35196"/>
+                <a:ext cx="1610488" cy="1207866"/>
+              </a:xfrm>
+              <a:prstGeom prst="ellipse">
+                <a:avLst/>
+              </a:prstGeom>
+              <a:ln>
+                <a:noFill/>
+              </a:ln>
+              <a:effectLst>
+                <a:softEdge rad="112500"/>
+              </a:effectLst>
+            </p:spPr>
+          </p:pic>
+          <p:pic>
+            <p:nvPicPr>
+              <p:cNvPr id="15" name="Obraz 14" descr="Obraz zawierający zielony, zewnętrzne&#10;&#10;Opis wygenerowany przy bardzo wysokim poziomie pewności">
+                <a:extLst>
+                  <a:ext uri="{FF2B5EF4-FFF2-40B4-BE49-F238E27FC236}">
+                    <a16:creationId xmlns:a16="http://schemas.microsoft.com/office/drawing/2014/main" id="{7E515DB9-6FA9-4DD6-AC2B-9BE2C5D302BB}"/>
+                  </a:ext>
+                </a:extLst>
+              </p:cNvPr>
+              <p:cNvPicPr>
+                <a:picLocks noChangeAspect="1"/>
+              </p:cNvPicPr>
+              <p:nvPr/>
+            </p:nvPicPr>
+            <p:blipFill>
+              <a:blip r:embed="rId10" cstate="print">
+                <a:extLst>
+                  <a:ext uri="{28A0092B-C50C-407E-A947-70E740481C1C}">
+                    <a14:useLocalDpi xmlns:a14="http://schemas.microsoft.com/office/drawing/2010/main" val="0"/>
+                  </a:ext>
+                </a:extLst>
+              </a:blip>
+              <a:stretch>
+                <a:fillRect/>
+              </a:stretch>
+            </p:blipFill>
+            <p:spPr>
+              <a:xfrm>
+                <a:off x="3143659" y="392427"/>
+                <a:ext cx="1610488" cy="1207866"/>
+              </a:xfrm>
+              <a:prstGeom prst="ellipse">
+                <a:avLst/>
+              </a:prstGeom>
+              <a:ln>
+                <a:noFill/>
+              </a:ln>
+              <a:effectLst>
+                <a:softEdge rad="112500"/>
+              </a:effectLst>
+            </p:spPr>
+          </p:pic>
+          <p:pic>
+            <p:nvPicPr>
+              <p:cNvPr id="16" name="Obraz 15" descr="Obraz zawierający zielony, zewnętrzne&#10;&#10;Opis wygenerowany przy bardzo wysokim poziomie pewności">
+                <a:extLst>
+                  <a:ext uri="{FF2B5EF4-FFF2-40B4-BE49-F238E27FC236}">
+                    <a16:creationId xmlns:a16="http://schemas.microsoft.com/office/drawing/2014/main" id="{94D0FDC8-898C-4721-908A-02039E7966A5}"/>
+                  </a:ext>
+                </a:extLst>
+              </p:cNvPr>
+              <p:cNvPicPr>
+                <a:picLocks noChangeAspect="1"/>
+              </p:cNvPicPr>
+              <p:nvPr/>
+            </p:nvPicPr>
+            <p:blipFill>
+              <a:blip r:embed="rId10" cstate="print">
+                <a:extLst>
+                  <a:ext uri="{28A0092B-C50C-407E-A947-70E740481C1C}">
+                    <a14:useLocalDpi xmlns:a14="http://schemas.microsoft.com/office/drawing/2010/main" val="0"/>
+                  </a:ext>
+                </a:extLst>
+              </a:blip>
+              <a:stretch>
+                <a:fillRect/>
+              </a:stretch>
+            </p:blipFill>
+            <p:spPr>
+              <a:xfrm>
+                <a:off x="3687241" y="965008"/>
+                <a:ext cx="1610488" cy="1207866"/>
+              </a:xfrm>
+              <a:prstGeom prst="ellipse">
+                <a:avLst/>
+              </a:prstGeom>
+              <a:ln>
+                <a:noFill/>
+              </a:ln>
+              <a:effectLst>
+                <a:softEdge rad="112500"/>
+              </a:effectLst>
+            </p:spPr>
+          </p:pic>
+          <p:pic>
+            <p:nvPicPr>
+              <p:cNvPr id="17" name="Obraz 16" descr="Obraz zawierający zielony, zewnętrzne&#10;&#10;Opis wygenerowany przy bardzo wysokim poziomie pewności">
+                <a:extLst>
+                  <a:ext uri="{FF2B5EF4-FFF2-40B4-BE49-F238E27FC236}">
+                    <a16:creationId xmlns:a16="http://schemas.microsoft.com/office/drawing/2014/main" id="{DCF96A73-8DE9-4F48-A42C-E47C7D416B10}"/>
+                  </a:ext>
+                </a:extLst>
+              </p:cNvPr>
+              <p:cNvPicPr>
+                <a:picLocks noChangeAspect="1"/>
+              </p:cNvPicPr>
+              <p:nvPr/>
+            </p:nvPicPr>
+            <p:blipFill>
+              <a:blip r:embed="rId10" cstate="print">
+                <a:extLst>
+                  <a:ext uri="{28A0092B-C50C-407E-A947-70E740481C1C}">
+                    <a14:useLocalDpi xmlns:a14="http://schemas.microsoft.com/office/drawing/2010/main" val="0"/>
+                  </a:ext>
+                </a:extLst>
+              </a:blip>
+              <a:stretch>
+                <a:fillRect/>
+              </a:stretch>
+            </p:blipFill>
+            <p:spPr>
+              <a:xfrm>
+                <a:off x="4163824" y="2193925"/>
+                <a:ext cx="1610488" cy="1207866"/>
+              </a:xfrm>
+              <a:prstGeom prst="ellipse">
+                <a:avLst/>
+              </a:prstGeom>
+              <a:ln>
+                <a:noFill/>
+              </a:ln>
+              <a:effectLst>
+                <a:softEdge rad="112500"/>
+              </a:effectLst>
+            </p:spPr>
+          </p:pic>
+          <p:pic>
+            <p:nvPicPr>
+              <p:cNvPr id="18" name="Obraz 17" descr="Obraz zawierający zielony, zewnętrzne&#10;&#10;Opis wygenerowany przy bardzo wysokim poziomie pewności">
+                <a:extLst>
+                  <a:ext uri="{FF2B5EF4-FFF2-40B4-BE49-F238E27FC236}">
+                    <a16:creationId xmlns:a16="http://schemas.microsoft.com/office/drawing/2014/main" id="{02826080-36AC-482D-9A77-37DFD2328C37}"/>
+                  </a:ext>
+                </a:extLst>
+              </p:cNvPr>
+              <p:cNvPicPr>
+                <a:picLocks noChangeAspect="1"/>
+              </p:cNvPicPr>
+              <p:nvPr/>
+            </p:nvPicPr>
+            <p:blipFill>
+              <a:blip r:embed="rId10" cstate="print">
+                <a:extLst>
+                  <a:ext uri="{28A0092B-C50C-407E-A947-70E740481C1C}">
+                    <a14:useLocalDpi xmlns:a14="http://schemas.microsoft.com/office/drawing/2010/main" val="0"/>
+                  </a:ext>
+                </a:extLst>
+              </a:blip>
+              <a:stretch>
+                <a:fillRect/>
+              </a:stretch>
+            </p:blipFill>
+            <p:spPr>
+              <a:xfrm>
+                <a:off x="3435922" y="1548052"/>
+                <a:ext cx="1610488" cy="1207866"/>
+              </a:xfrm>
+              <a:prstGeom prst="ellipse">
+                <a:avLst/>
+              </a:prstGeom>
+              <a:ln>
+                <a:noFill/>
+              </a:ln>
+              <a:effectLst>
+                <a:softEdge rad="112500"/>
+              </a:effectLst>
+            </p:spPr>
+          </p:pic>
+          <p:pic>
+            <p:nvPicPr>
+              <p:cNvPr id="19" name="Obraz 18" descr="Obraz zawierający zielony, zewnętrzne&#10;&#10;Opis wygenerowany przy bardzo wysokim poziomie pewności">
+                <a:extLst>
+                  <a:ext uri="{FF2B5EF4-FFF2-40B4-BE49-F238E27FC236}">
+                    <a16:creationId xmlns:a16="http://schemas.microsoft.com/office/drawing/2014/main" id="{C618C49A-0A61-4DA8-AE50-26D2F88DD40E}"/>
+                  </a:ext>
+                </a:extLst>
+              </p:cNvPr>
+              <p:cNvPicPr>
+                <a:picLocks noChangeAspect="1"/>
+              </p:cNvPicPr>
+              <p:nvPr/>
+            </p:nvPicPr>
+            <p:blipFill>
+              <a:blip r:embed="rId10" cstate="print">
+                <a:extLst>
+                  <a:ext uri="{28A0092B-C50C-407E-A947-70E740481C1C}">
+                    <a14:useLocalDpi xmlns:a14="http://schemas.microsoft.com/office/drawing/2010/main" val="0"/>
+                  </a:ext>
+                </a:extLst>
+              </a:blip>
+              <a:stretch>
+                <a:fillRect/>
+              </a:stretch>
+            </p:blipFill>
+            <p:spPr>
+              <a:xfrm>
+                <a:off x="3686764" y="2238207"/>
+                <a:ext cx="1610488" cy="1207866"/>
+              </a:xfrm>
+              <a:prstGeom prst="ellipse">
+                <a:avLst/>
+              </a:prstGeom>
+              <a:ln>
+                <a:noFill/>
+              </a:ln>
+              <a:effectLst>
+                <a:softEdge rad="112500"/>
+              </a:effectLst>
+            </p:spPr>
+          </p:pic>
+          <p:pic>
+            <p:nvPicPr>
+              <p:cNvPr id="20" name="Obraz 19" descr="Obraz zawierający zielony, zewnętrzne&#10;&#10;Opis wygenerowany przy bardzo wysokim poziomie pewności">
+                <a:extLst>
+                  <a:ext uri="{FF2B5EF4-FFF2-40B4-BE49-F238E27FC236}">
+                    <a16:creationId xmlns:a16="http://schemas.microsoft.com/office/drawing/2014/main" id="{3B701E1F-43C0-43F4-A4F3-B7917E44064D}"/>
+                  </a:ext>
+                </a:extLst>
+              </p:cNvPr>
+              <p:cNvPicPr>
+                <a:picLocks noChangeAspect="1"/>
+              </p:cNvPicPr>
+              <p:nvPr/>
+            </p:nvPicPr>
+            <p:blipFill>
+              <a:blip r:embed="rId10" cstate="print">
+                <a:extLst>
+                  <a:ext uri="{28A0092B-C50C-407E-A947-70E740481C1C}">
+                    <a14:useLocalDpi xmlns:a14="http://schemas.microsoft.com/office/drawing/2010/main" val="0"/>
+                  </a:ext>
+                </a:extLst>
+              </a:blip>
+              <a:stretch>
+                <a:fillRect/>
+              </a:stretch>
+            </p:blipFill>
+            <p:spPr>
+              <a:xfrm>
+                <a:off x="2750213" y="658427"/>
+                <a:ext cx="1610488" cy="1207866"/>
+              </a:xfrm>
+              <a:prstGeom prst="ellipse">
+                <a:avLst/>
+              </a:prstGeom>
+              <a:ln>
+                <a:noFill/>
+              </a:ln>
+              <a:effectLst>
+                <a:softEdge rad="112500"/>
+              </a:effectLst>
+            </p:spPr>
+          </p:pic>
+          <p:pic>
+            <p:nvPicPr>
+              <p:cNvPr id="21" name="Obraz 20" descr="Obraz zawierający zielony, zewnętrzne&#10;&#10;Opis wygenerowany przy bardzo wysokim poziomie pewności">
+                <a:extLst>
+                  <a:ext uri="{FF2B5EF4-FFF2-40B4-BE49-F238E27FC236}">
+                    <a16:creationId xmlns:a16="http://schemas.microsoft.com/office/drawing/2014/main" id="{9F06B717-E6F4-4848-A2F9-E56B525E930B}"/>
+                  </a:ext>
+                </a:extLst>
+              </p:cNvPr>
+              <p:cNvPicPr>
+                <a:picLocks noChangeAspect="1"/>
+              </p:cNvPicPr>
+              <p:nvPr/>
+            </p:nvPicPr>
+            <p:blipFill>
+              <a:blip r:embed="rId10" cstate="print">
+                <a:extLst>
+                  <a:ext uri="{28A0092B-C50C-407E-A947-70E740481C1C}">
+                    <a14:useLocalDpi xmlns:a14="http://schemas.microsoft.com/office/drawing/2010/main" val="0"/>
+                  </a:ext>
+                </a:extLst>
+              </a:blip>
+              <a:stretch>
+                <a:fillRect/>
+              </a:stretch>
+            </p:blipFill>
+            <p:spPr>
+              <a:xfrm>
+                <a:off x="521285" y="1072043"/>
+                <a:ext cx="1610488" cy="1207866"/>
+              </a:xfrm>
+              <a:prstGeom prst="ellipse">
+                <a:avLst/>
+              </a:prstGeom>
+              <a:ln>
+                <a:noFill/>
+              </a:ln>
+              <a:effectLst>
+                <a:softEdge rad="112500"/>
+              </a:effectLst>
+            </p:spPr>
+          </p:pic>
+          <p:pic>
+            <p:nvPicPr>
+              <p:cNvPr id="22" name="Obraz 21" descr="Obraz zawierający zielony, zewnętrzne&#10;&#10;Opis wygenerowany przy bardzo wysokim poziomie pewności">
+                <a:extLst>
+                  <a:ext uri="{FF2B5EF4-FFF2-40B4-BE49-F238E27FC236}">
+                    <a16:creationId xmlns:a16="http://schemas.microsoft.com/office/drawing/2014/main" id="{A78CACDD-C595-4170-8AD5-958A4D31B13B}"/>
+                  </a:ext>
+                </a:extLst>
+              </p:cNvPr>
+              <p:cNvPicPr>
+                <a:picLocks noChangeAspect="1"/>
+              </p:cNvPicPr>
+              <p:nvPr/>
+            </p:nvPicPr>
+            <p:blipFill>
+              <a:blip r:embed="rId10" cstate="print">
+                <a:extLst>
+                  <a:ext uri="{28A0092B-C50C-407E-A947-70E740481C1C}">
+                    <a14:useLocalDpi xmlns:a14="http://schemas.microsoft.com/office/drawing/2010/main" val="0"/>
+                  </a:ext>
+                </a:extLst>
+              </a:blip>
+              <a:stretch>
+                <a:fillRect/>
+              </a:stretch>
+            </p:blipFill>
+            <p:spPr>
+              <a:xfrm>
+                <a:off x="-33225" y="2089302"/>
+                <a:ext cx="1610488" cy="1207866"/>
+              </a:xfrm>
+              <a:prstGeom prst="ellipse">
+                <a:avLst/>
+              </a:prstGeom>
+              <a:ln>
+                <a:noFill/>
+              </a:ln>
+              <a:effectLst>
+                <a:softEdge rad="112500"/>
+              </a:effectLst>
+            </p:spPr>
+          </p:pic>
+          <p:pic>
+            <p:nvPicPr>
+              <p:cNvPr id="23" name="Obraz 22" descr="Obraz zawierający zielony, zewnętrzne&#10;&#10;Opis wygenerowany przy bardzo wysokim poziomie pewności">
+                <a:extLst>
+                  <a:ext uri="{FF2B5EF4-FFF2-40B4-BE49-F238E27FC236}">
+                    <a16:creationId xmlns:a16="http://schemas.microsoft.com/office/drawing/2014/main" id="{AF73821A-68BC-4DCA-9E5B-604F42D340CF}"/>
+                  </a:ext>
+                </a:extLst>
+              </p:cNvPr>
+              <p:cNvPicPr>
+                <a:picLocks noChangeAspect="1"/>
+              </p:cNvPicPr>
+              <p:nvPr/>
+            </p:nvPicPr>
+            <p:blipFill>
+              <a:blip r:embed="rId10" cstate="print">
+                <a:extLst>
+                  <a:ext uri="{28A0092B-C50C-407E-A947-70E740481C1C}">
+                    <a14:useLocalDpi xmlns:a14="http://schemas.microsoft.com/office/drawing/2010/main" val="0"/>
+                  </a:ext>
+                </a:extLst>
+              </a:blip>
+              <a:stretch>
+                <a:fillRect/>
+              </a:stretch>
+            </p:blipFill>
+            <p:spPr>
+              <a:xfrm>
+                <a:off x="374454" y="2746536"/>
+                <a:ext cx="1610488" cy="1207866"/>
+              </a:xfrm>
+              <a:prstGeom prst="ellipse">
+                <a:avLst/>
+              </a:prstGeom>
+              <a:ln>
+                <a:noFill/>
+              </a:ln>
+              <a:effectLst>
+                <a:softEdge rad="112500"/>
+              </a:effectLst>
+            </p:spPr>
+          </p:pic>
+        </p:grpSp>
+        <p:pic>
+          <p:nvPicPr>
+            <p:cNvPr id="9" name="Obraz 8" descr="Obraz zawierający zielony, zewnętrzne&#10;&#10;Opis wygenerowany przy bardzo wysokim poziomie pewności">
+              <a:extLst>
+                <a:ext uri="{FF2B5EF4-FFF2-40B4-BE49-F238E27FC236}">
+                  <a16:creationId xmlns:a16="http://schemas.microsoft.com/office/drawing/2014/main" id="{177159BD-D582-4DB8-96E7-FEA7823CBB17}"/>
+                </a:ext>
+              </a:extLst>
+            </p:cNvPr>
+            <p:cNvPicPr>
+              <a:picLocks noChangeAspect="1"/>
+            </p:cNvPicPr>
+            <p:nvPr/>
+          </p:nvPicPr>
+          <p:blipFill>
+            <a:blip r:embed="rId10" cstate="print">
+              <a:extLst>
+                <a:ext uri="{28A0092B-C50C-407E-A947-70E740481C1C}">
+                  <a14:useLocalDpi xmlns:a14="http://schemas.microsoft.com/office/drawing/2010/main" val="0"/>
+                </a:ext>
+              </a:extLst>
+            </a:blip>
+            <a:stretch>
+              <a:fillRect/>
+            </a:stretch>
+          </p:blipFill>
+          <p:spPr>
+            <a:xfrm>
+              <a:off x="1577371" y="1229674"/>
+              <a:ext cx="1610488" cy="1207866"/>
+            </a:xfrm>
+            <a:prstGeom prst="ellipse">
+              <a:avLst/>
+            </a:prstGeom>
+            <a:ln>
+              <a:noFill/>
+            </a:ln>
+            <a:effectLst>
+              <a:softEdge rad="112500"/>
+            </a:effectLst>
+          </p:spPr>
+        </p:pic>
+        <p:pic>
+          <p:nvPicPr>
+            <p:cNvPr id="10" name="Obraz 9" descr="Obraz zawierający zielony, zewnętrzne&#10;&#10;Opis wygenerowany przy bardzo wysokim poziomie pewności">
+              <a:extLst>
+                <a:ext uri="{FF2B5EF4-FFF2-40B4-BE49-F238E27FC236}">
+                  <a16:creationId xmlns:a16="http://schemas.microsoft.com/office/drawing/2014/main" id="{75F2370F-01F8-4CF6-8A66-79B55FD0E7AB}"/>
+                </a:ext>
+              </a:extLst>
+            </p:cNvPr>
+            <p:cNvPicPr>
+              <a:picLocks noChangeAspect="1"/>
+            </p:cNvPicPr>
+            <p:nvPr/>
+          </p:nvPicPr>
+          <p:blipFill>
+            <a:blip r:embed="rId10" cstate="print">
+              <a:extLst>
+                <a:ext uri="{28A0092B-C50C-407E-A947-70E740481C1C}">
+                  <a14:useLocalDpi xmlns:a14="http://schemas.microsoft.com/office/drawing/2010/main" val="0"/>
+                </a:ext>
+              </a:extLst>
+            </a:blip>
+            <a:stretch>
+              <a:fillRect/>
+            </a:stretch>
+          </p:blipFill>
+          <p:spPr>
+            <a:xfrm>
+              <a:off x="2546231" y="1483001"/>
+              <a:ext cx="1610488" cy="1207866"/>
+            </a:xfrm>
+            <a:prstGeom prst="ellipse">
+              <a:avLst/>
+            </a:prstGeom>
+            <a:ln>
+              <a:noFill/>
+            </a:ln>
+            <a:effectLst>
+              <a:softEdge rad="112500"/>
+            </a:effectLst>
+          </p:spPr>
+        </p:pic>
+        <p:pic>
+          <p:nvPicPr>
+            <p:cNvPr id="11" name="Obraz 10" descr="Obraz zawierający zielony, zewnętrzne&#10;&#10;Opis wygenerowany przy bardzo wysokim poziomie pewności">
+              <a:extLst>
+                <a:ext uri="{FF2B5EF4-FFF2-40B4-BE49-F238E27FC236}">
+                  <a16:creationId xmlns:a16="http://schemas.microsoft.com/office/drawing/2014/main" id="{F57325B3-BA08-45D8-8715-4B2D160D8E9B}"/>
+                </a:ext>
+              </a:extLst>
+            </p:cNvPr>
+            <p:cNvPicPr>
+              <a:picLocks noChangeAspect="1"/>
+            </p:cNvPicPr>
+            <p:nvPr/>
+          </p:nvPicPr>
+          <p:blipFill>
+            <a:blip r:embed="rId10" cstate="print">
+              <a:extLst>
+                <a:ext uri="{28A0092B-C50C-407E-A947-70E740481C1C}">
+                  <a14:useLocalDpi xmlns:a14="http://schemas.microsoft.com/office/drawing/2010/main" val="0"/>
+                </a:ext>
+              </a:extLst>
+            </a:blip>
+            <a:stretch>
+              <a:fillRect/>
+            </a:stretch>
+          </p:blipFill>
+          <p:spPr>
+            <a:xfrm>
+              <a:off x="2721655" y="2024928"/>
+              <a:ext cx="1610488" cy="1207866"/>
+            </a:xfrm>
+            <a:prstGeom prst="ellipse">
+              <a:avLst/>
+            </a:prstGeom>
+            <a:ln>
+              <a:noFill/>
+            </a:ln>
+            <a:effectLst>
+              <a:softEdge rad="112500"/>
+            </a:effectLst>
+          </p:spPr>
+        </p:pic>
+      </p:grpSp>
     </p:spTree>
     <p:extLst>
       <p:ext uri="{BB962C8B-B14F-4D97-AF65-F5344CB8AC3E}">
-        <p14:creationId xmlns:p14="http://schemas.microsoft.com/office/powerpoint/2010/main" val="2860827107"/>
+        <p14:creationId xmlns:p14="http://schemas.microsoft.com/office/powerpoint/2010/main" val="2425615448"/>
       </p:ext>
     </p:extLst>
   </p:cSld>
@@ -31220,6 +33788,696 @@
           </a:prstGeom>
         </p:spPr>
       </p:pic>
+      <p:graphicFrame>
+        <p:nvGraphicFramePr>
+          <p:cNvPr id="7" name="Diagram 6"/>
+          <p:cNvGraphicFramePr/>
+          <p:nvPr>
+            <p:extLst/>
+          </p:nvPr>
+        </p:nvGraphicFramePr>
+        <p:xfrm>
+          <a:off x="5874419" y="639129"/>
+          <a:ext cx="5423613" cy="5278786"/>
+        </p:xfrm>
+        <a:graphic>
+          <a:graphicData uri="http://schemas.openxmlformats.org/drawingml/2006/diagram">
+            <dgm:relIds xmlns:dgm="http://schemas.openxmlformats.org/drawingml/2006/diagram" xmlns:r="http://schemas.openxmlformats.org/officeDocument/2006/relationships" r:dm="rId4" r:lo="rId5" r:qs="rId6" r:cs="rId7"/>
+          </a:graphicData>
+        </a:graphic>
+      </p:graphicFrame>
+      <p:grpSp>
+        <p:nvGrpSpPr>
+          <p:cNvPr id="6" name="Grupa 5">
+            <a:extLst>
+              <a:ext uri="{FF2B5EF4-FFF2-40B4-BE49-F238E27FC236}">
+                <a16:creationId xmlns:a16="http://schemas.microsoft.com/office/drawing/2014/main" id="{57D5F769-D5C7-4D1D-9C0F-1CD8C2C4C7D3}"/>
+              </a:ext>
+            </a:extLst>
+          </p:cNvPr>
+          <p:cNvGrpSpPr/>
+          <p:nvPr/>
+        </p:nvGrpSpPr>
+        <p:grpSpPr>
+          <a:xfrm>
+            <a:off x="-33225" y="35196"/>
+            <a:ext cx="5807537" cy="3919206"/>
+            <a:chOff x="-33225" y="35196"/>
+            <a:chExt cx="5807537" cy="3919206"/>
+          </a:xfrm>
+        </p:grpSpPr>
+        <p:grpSp>
+          <p:nvGrpSpPr>
+            <p:cNvPr id="8" name="Grupa 7">
+              <a:extLst>
+                <a:ext uri="{FF2B5EF4-FFF2-40B4-BE49-F238E27FC236}">
+                  <a16:creationId xmlns:a16="http://schemas.microsoft.com/office/drawing/2014/main" id="{6C16AD1E-EA34-4329-91AF-9C2387578258}"/>
+                </a:ext>
+              </a:extLst>
+            </p:cNvPr>
+            <p:cNvGrpSpPr/>
+            <p:nvPr/>
+          </p:nvGrpSpPr>
+          <p:grpSpPr>
+            <a:xfrm>
+              <a:off x="-33225" y="35196"/>
+              <a:ext cx="5807537" cy="3919206"/>
+              <a:chOff x="-33225" y="35196"/>
+              <a:chExt cx="5807537" cy="3919206"/>
+            </a:xfrm>
+          </p:grpSpPr>
+          <p:pic>
+            <p:nvPicPr>
+              <p:cNvPr id="12" name="Obraz 11" descr="Obraz zawierający zielony, zewnętrzne&#10;&#10;Opis wygenerowany przy bardzo wysokim poziomie pewności">
+                <a:extLst>
+                  <a:ext uri="{FF2B5EF4-FFF2-40B4-BE49-F238E27FC236}">
+                    <a16:creationId xmlns:a16="http://schemas.microsoft.com/office/drawing/2014/main" id="{B8280199-A922-4F63-9A55-D996DE736B3A}"/>
+                  </a:ext>
+                </a:extLst>
+              </p:cNvPr>
+              <p:cNvPicPr>
+                <a:picLocks noChangeAspect="1"/>
+              </p:cNvPicPr>
+              <p:nvPr/>
+            </p:nvPicPr>
+            <p:blipFill>
+              <a:blip r:embed="rId9" cstate="print">
+                <a:extLst>
+                  <a:ext uri="{28A0092B-C50C-407E-A947-70E740481C1C}">
+                    <a14:useLocalDpi xmlns:a14="http://schemas.microsoft.com/office/drawing/2010/main" val="0"/>
+                  </a:ext>
+                </a:extLst>
+              </a:blip>
+              <a:stretch>
+                <a:fillRect/>
+              </a:stretch>
+            </p:blipFill>
+            <p:spPr>
+              <a:xfrm>
+                <a:off x="850390" y="92130"/>
+                <a:ext cx="1610488" cy="1207866"/>
+              </a:xfrm>
+              <a:prstGeom prst="ellipse">
+                <a:avLst/>
+              </a:prstGeom>
+              <a:ln>
+                <a:noFill/>
+              </a:ln>
+              <a:effectLst>
+                <a:softEdge rad="112500"/>
+              </a:effectLst>
+            </p:spPr>
+          </p:pic>
+          <p:pic>
+            <p:nvPicPr>
+              <p:cNvPr id="13" name="Obraz 12" descr="Obraz zawierający zielony, zewnętrzne&#10;&#10;Opis wygenerowany przy bardzo wysokim poziomie pewności">
+                <a:extLst>
+                  <a:ext uri="{FF2B5EF4-FFF2-40B4-BE49-F238E27FC236}">
+                    <a16:creationId xmlns:a16="http://schemas.microsoft.com/office/drawing/2014/main" id="{0134D764-5AAC-46EF-BDB8-B8E6A57C086F}"/>
+                  </a:ext>
+                </a:extLst>
+              </p:cNvPr>
+              <p:cNvPicPr>
+                <a:picLocks noChangeAspect="1"/>
+              </p:cNvPicPr>
+              <p:nvPr/>
+            </p:nvPicPr>
+            <p:blipFill>
+              <a:blip r:embed="rId9" cstate="print">
+                <a:extLst>
+                  <a:ext uri="{28A0092B-C50C-407E-A947-70E740481C1C}">
+                    <a14:useLocalDpi xmlns:a14="http://schemas.microsoft.com/office/drawing/2010/main" val="0"/>
+                  </a:ext>
+                </a:extLst>
+              </a:blip>
+              <a:stretch>
+                <a:fillRect/>
+              </a:stretch>
+            </p:blipFill>
+            <p:spPr>
+              <a:xfrm>
+                <a:off x="1295716" y="679478"/>
+                <a:ext cx="1610488" cy="1207866"/>
+              </a:xfrm>
+              <a:prstGeom prst="ellipse">
+                <a:avLst/>
+              </a:prstGeom>
+              <a:ln>
+                <a:noFill/>
+              </a:ln>
+              <a:effectLst>
+                <a:softEdge rad="112500"/>
+              </a:effectLst>
+            </p:spPr>
+          </p:pic>
+          <p:pic>
+            <p:nvPicPr>
+              <p:cNvPr id="14" name="Obraz 13" descr="Obraz zawierający zielony, zewnętrzne&#10;&#10;Opis wygenerowany przy bardzo wysokim poziomie pewności">
+                <a:extLst>
+                  <a:ext uri="{FF2B5EF4-FFF2-40B4-BE49-F238E27FC236}">
+                    <a16:creationId xmlns:a16="http://schemas.microsoft.com/office/drawing/2014/main" id="{F36DE109-96F7-4E04-9B01-BC31E8138BE0}"/>
+                  </a:ext>
+                </a:extLst>
+              </p:cNvPr>
+              <p:cNvPicPr>
+                <a:picLocks noChangeAspect="1"/>
+              </p:cNvPicPr>
+              <p:nvPr/>
+            </p:nvPicPr>
+            <p:blipFill>
+              <a:blip r:embed="rId9" cstate="print">
+                <a:extLst>
+                  <a:ext uri="{28A0092B-C50C-407E-A947-70E740481C1C}">
+                    <a14:useLocalDpi xmlns:a14="http://schemas.microsoft.com/office/drawing/2010/main" val="0"/>
+                  </a:ext>
+                </a:extLst>
+              </a:blip>
+              <a:stretch>
+                <a:fillRect/>
+              </a:stretch>
+            </p:blipFill>
+            <p:spPr>
+              <a:xfrm>
+                <a:off x="2436671" y="35196"/>
+                <a:ext cx="1610488" cy="1207866"/>
+              </a:xfrm>
+              <a:prstGeom prst="ellipse">
+                <a:avLst/>
+              </a:prstGeom>
+              <a:ln>
+                <a:noFill/>
+              </a:ln>
+              <a:effectLst>
+                <a:softEdge rad="112500"/>
+              </a:effectLst>
+            </p:spPr>
+          </p:pic>
+          <p:pic>
+            <p:nvPicPr>
+              <p:cNvPr id="15" name="Obraz 14" descr="Obraz zawierający zielony, zewnętrzne&#10;&#10;Opis wygenerowany przy bardzo wysokim poziomie pewności">
+                <a:extLst>
+                  <a:ext uri="{FF2B5EF4-FFF2-40B4-BE49-F238E27FC236}">
+                    <a16:creationId xmlns:a16="http://schemas.microsoft.com/office/drawing/2014/main" id="{C138E85C-1DA6-4759-9098-13B62048EA67}"/>
+                  </a:ext>
+                </a:extLst>
+              </p:cNvPr>
+              <p:cNvPicPr>
+                <a:picLocks noChangeAspect="1"/>
+              </p:cNvPicPr>
+              <p:nvPr/>
+            </p:nvPicPr>
+            <p:blipFill>
+              <a:blip r:embed="rId9" cstate="print">
+                <a:extLst>
+                  <a:ext uri="{28A0092B-C50C-407E-A947-70E740481C1C}">
+                    <a14:useLocalDpi xmlns:a14="http://schemas.microsoft.com/office/drawing/2010/main" val="0"/>
+                  </a:ext>
+                </a:extLst>
+              </a:blip>
+              <a:stretch>
+                <a:fillRect/>
+              </a:stretch>
+            </p:blipFill>
+            <p:spPr>
+              <a:xfrm>
+                <a:off x="3143659" y="392427"/>
+                <a:ext cx="1610488" cy="1207866"/>
+              </a:xfrm>
+              <a:prstGeom prst="ellipse">
+                <a:avLst/>
+              </a:prstGeom>
+              <a:ln>
+                <a:noFill/>
+              </a:ln>
+              <a:effectLst>
+                <a:softEdge rad="112500"/>
+              </a:effectLst>
+            </p:spPr>
+          </p:pic>
+          <p:pic>
+            <p:nvPicPr>
+              <p:cNvPr id="16" name="Obraz 15" descr="Obraz zawierający zielony, zewnętrzne&#10;&#10;Opis wygenerowany przy bardzo wysokim poziomie pewności">
+                <a:extLst>
+                  <a:ext uri="{FF2B5EF4-FFF2-40B4-BE49-F238E27FC236}">
+                    <a16:creationId xmlns:a16="http://schemas.microsoft.com/office/drawing/2014/main" id="{1F1B317E-85AA-448B-AD71-F77B8DB4ABBD}"/>
+                  </a:ext>
+                </a:extLst>
+              </p:cNvPr>
+              <p:cNvPicPr>
+                <a:picLocks noChangeAspect="1"/>
+              </p:cNvPicPr>
+              <p:nvPr/>
+            </p:nvPicPr>
+            <p:blipFill>
+              <a:blip r:embed="rId9" cstate="print">
+                <a:extLst>
+                  <a:ext uri="{28A0092B-C50C-407E-A947-70E740481C1C}">
+                    <a14:useLocalDpi xmlns:a14="http://schemas.microsoft.com/office/drawing/2010/main" val="0"/>
+                  </a:ext>
+                </a:extLst>
+              </a:blip>
+              <a:stretch>
+                <a:fillRect/>
+              </a:stretch>
+            </p:blipFill>
+            <p:spPr>
+              <a:xfrm>
+                <a:off x="3687241" y="965008"/>
+                <a:ext cx="1610488" cy="1207866"/>
+              </a:xfrm>
+              <a:prstGeom prst="ellipse">
+                <a:avLst/>
+              </a:prstGeom>
+              <a:ln>
+                <a:noFill/>
+              </a:ln>
+              <a:effectLst>
+                <a:softEdge rad="112500"/>
+              </a:effectLst>
+            </p:spPr>
+          </p:pic>
+          <p:pic>
+            <p:nvPicPr>
+              <p:cNvPr id="17" name="Obraz 16" descr="Obraz zawierający zielony, zewnętrzne&#10;&#10;Opis wygenerowany przy bardzo wysokim poziomie pewności">
+                <a:extLst>
+                  <a:ext uri="{FF2B5EF4-FFF2-40B4-BE49-F238E27FC236}">
+                    <a16:creationId xmlns:a16="http://schemas.microsoft.com/office/drawing/2014/main" id="{30EE55BA-EB3C-40A0-91D8-455E2565E4BB}"/>
+                  </a:ext>
+                </a:extLst>
+              </p:cNvPr>
+              <p:cNvPicPr>
+                <a:picLocks noChangeAspect="1"/>
+              </p:cNvPicPr>
+              <p:nvPr/>
+            </p:nvPicPr>
+            <p:blipFill>
+              <a:blip r:embed="rId9" cstate="print">
+                <a:extLst>
+                  <a:ext uri="{28A0092B-C50C-407E-A947-70E740481C1C}">
+                    <a14:useLocalDpi xmlns:a14="http://schemas.microsoft.com/office/drawing/2010/main" val="0"/>
+                  </a:ext>
+                </a:extLst>
+              </a:blip>
+              <a:stretch>
+                <a:fillRect/>
+              </a:stretch>
+            </p:blipFill>
+            <p:spPr>
+              <a:xfrm>
+                <a:off x="4163824" y="2193925"/>
+                <a:ext cx="1610488" cy="1207866"/>
+              </a:xfrm>
+              <a:prstGeom prst="ellipse">
+                <a:avLst/>
+              </a:prstGeom>
+              <a:ln>
+                <a:noFill/>
+              </a:ln>
+              <a:effectLst>
+                <a:softEdge rad="112500"/>
+              </a:effectLst>
+            </p:spPr>
+          </p:pic>
+          <p:pic>
+            <p:nvPicPr>
+              <p:cNvPr id="18" name="Obraz 17" descr="Obraz zawierający zielony, zewnętrzne&#10;&#10;Opis wygenerowany przy bardzo wysokim poziomie pewności">
+                <a:extLst>
+                  <a:ext uri="{FF2B5EF4-FFF2-40B4-BE49-F238E27FC236}">
+                    <a16:creationId xmlns:a16="http://schemas.microsoft.com/office/drawing/2014/main" id="{EEFE0DAC-95E6-4B38-8D03-B61D3507294E}"/>
+                  </a:ext>
+                </a:extLst>
+              </p:cNvPr>
+              <p:cNvPicPr>
+                <a:picLocks noChangeAspect="1"/>
+              </p:cNvPicPr>
+              <p:nvPr/>
+            </p:nvPicPr>
+            <p:blipFill>
+              <a:blip r:embed="rId9" cstate="print">
+                <a:extLst>
+                  <a:ext uri="{28A0092B-C50C-407E-A947-70E740481C1C}">
+                    <a14:useLocalDpi xmlns:a14="http://schemas.microsoft.com/office/drawing/2010/main" val="0"/>
+                  </a:ext>
+                </a:extLst>
+              </a:blip>
+              <a:stretch>
+                <a:fillRect/>
+              </a:stretch>
+            </p:blipFill>
+            <p:spPr>
+              <a:xfrm>
+                <a:off x="3435922" y="1548052"/>
+                <a:ext cx="1610488" cy="1207866"/>
+              </a:xfrm>
+              <a:prstGeom prst="ellipse">
+                <a:avLst/>
+              </a:prstGeom>
+              <a:ln>
+                <a:noFill/>
+              </a:ln>
+              <a:effectLst>
+                <a:softEdge rad="112500"/>
+              </a:effectLst>
+            </p:spPr>
+          </p:pic>
+          <p:pic>
+            <p:nvPicPr>
+              <p:cNvPr id="19" name="Obraz 18" descr="Obraz zawierający zielony, zewnętrzne&#10;&#10;Opis wygenerowany przy bardzo wysokim poziomie pewności">
+                <a:extLst>
+                  <a:ext uri="{FF2B5EF4-FFF2-40B4-BE49-F238E27FC236}">
+                    <a16:creationId xmlns:a16="http://schemas.microsoft.com/office/drawing/2014/main" id="{D45989DD-3F02-426A-B6BA-3D12EDBB1BDF}"/>
+                  </a:ext>
+                </a:extLst>
+              </p:cNvPr>
+              <p:cNvPicPr>
+                <a:picLocks noChangeAspect="1"/>
+              </p:cNvPicPr>
+              <p:nvPr/>
+            </p:nvPicPr>
+            <p:blipFill>
+              <a:blip r:embed="rId9" cstate="print">
+                <a:extLst>
+                  <a:ext uri="{28A0092B-C50C-407E-A947-70E740481C1C}">
+                    <a14:useLocalDpi xmlns:a14="http://schemas.microsoft.com/office/drawing/2010/main" val="0"/>
+                  </a:ext>
+                </a:extLst>
+              </a:blip>
+              <a:stretch>
+                <a:fillRect/>
+              </a:stretch>
+            </p:blipFill>
+            <p:spPr>
+              <a:xfrm>
+                <a:off x="3686764" y="2238207"/>
+                <a:ext cx="1610488" cy="1207866"/>
+              </a:xfrm>
+              <a:prstGeom prst="ellipse">
+                <a:avLst/>
+              </a:prstGeom>
+              <a:ln>
+                <a:noFill/>
+              </a:ln>
+              <a:effectLst>
+                <a:softEdge rad="112500"/>
+              </a:effectLst>
+            </p:spPr>
+          </p:pic>
+          <p:pic>
+            <p:nvPicPr>
+              <p:cNvPr id="20" name="Obraz 19" descr="Obraz zawierający zielony, zewnętrzne&#10;&#10;Opis wygenerowany przy bardzo wysokim poziomie pewności">
+                <a:extLst>
+                  <a:ext uri="{FF2B5EF4-FFF2-40B4-BE49-F238E27FC236}">
+                    <a16:creationId xmlns:a16="http://schemas.microsoft.com/office/drawing/2014/main" id="{031E43A5-0F54-4C45-B946-4896F8E21D3C}"/>
+                  </a:ext>
+                </a:extLst>
+              </p:cNvPr>
+              <p:cNvPicPr>
+                <a:picLocks noChangeAspect="1"/>
+              </p:cNvPicPr>
+              <p:nvPr/>
+            </p:nvPicPr>
+            <p:blipFill>
+              <a:blip r:embed="rId9" cstate="print">
+                <a:extLst>
+                  <a:ext uri="{28A0092B-C50C-407E-A947-70E740481C1C}">
+                    <a14:useLocalDpi xmlns:a14="http://schemas.microsoft.com/office/drawing/2010/main" val="0"/>
+                  </a:ext>
+                </a:extLst>
+              </a:blip>
+              <a:stretch>
+                <a:fillRect/>
+              </a:stretch>
+            </p:blipFill>
+            <p:spPr>
+              <a:xfrm>
+                <a:off x="2750213" y="658427"/>
+                <a:ext cx="1610488" cy="1207866"/>
+              </a:xfrm>
+              <a:prstGeom prst="ellipse">
+                <a:avLst/>
+              </a:prstGeom>
+              <a:ln>
+                <a:noFill/>
+              </a:ln>
+              <a:effectLst>
+                <a:softEdge rad="112500"/>
+              </a:effectLst>
+            </p:spPr>
+          </p:pic>
+          <p:pic>
+            <p:nvPicPr>
+              <p:cNvPr id="22" name="Obraz 21" descr="Obraz zawierający zielony, zewnętrzne&#10;&#10;Opis wygenerowany przy bardzo wysokim poziomie pewności">
+                <a:extLst>
+                  <a:ext uri="{FF2B5EF4-FFF2-40B4-BE49-F238E27FC236}">
+                    <a16:creationId xmlns:a16="http://schemas.microsoft.com/office/drawing/2014/main" id="{F4C9136E-AB58-4222-B826-C2A07FB5D88E}"/>
+                  </a:ext>
+                </a:extLst>
+              </p:cNvPr>
+              <p:cNvPicPr>
+                <a:picLocks noChangeAspect="1"/>
+              </p:cNvPicPr>
+              <p:nvPr/>
+            </p:nvPicPr>
+            <p:blipFill>
+              <a:blip r:embed="rId9" cstate="print">
+                <a:extLst>
+                  <a:ext uri="{28A0092B-C50C-407E-A947-70E740481C1C}">
+                    <a14:useLocalDpi xmlns:a14="http://schemas.microsoft.com/office/drawing/2010/main" val="0"/>
+                  </a:ext>
+                </a:extLst>
+              </a:blip>
+              <a:stretch>
+                <a:fillRect/>
+              </a:stretch>
+            </p:blipFill>
+            <p:spPr>
+              <a:xfrm>
+                <a:off x="-33225" y="2089302"/>
+                <a:ext cx="1610488" cy="1207866"/>
+              </a:xfrm>
+              <a:prstGeom prst="ellipse">
+                <a:avLst/>
+              </a:prstGeom>
+              <a:ln>
+                <a:noFill/>
+              </a:ln>
+              <a:effectLst>
+                <a:softEdge rad="112500"/>
+              </a:effectLst>
+            </p:spPr>
+          </p:pic>
+          <p:pic>
+            <p:nvPicPr>
+              <p:cNvPr id="23" name="Obraz 22" descr="Obraz zawierający zielony, zewnętrzne&#10;&#10;Opis wygenerowany przy bardzo wysokim poziomie pewności">
+                <a:extLst>
+                  <a:ext uri="{FF2B5EF4-FFF2-40B4-BE49-F238E27FC236}">
+                    <a16:creationId xmlns:a16="http://schemas.microsoft.com/office/drawing/2014/main" id="{6EE17E09-C747-4EAA-9797-9FE6B4F58039}"/>
+                  </a:ext>
+                </a:extLst>
+              </p:cNvPr>
+              <p:cNvPicPr>
+                <a:picLocks noChangeAspect="1"/>
+              </p:cNvPicPr>
+              <p:nvPr/>
+            </p:nvPicPr>
+            <p:blipFill>
+              <a:blip r:embed="rId9" cstate="print">
+                <a:extLst>
+                  <a:ext uri="{28A0092B-C50C-407E-A947-70E740481C1C}">
+                    <a14:useLocalDpi xmlns:a14="http://schemas.microsoft.com/office/drawing/2010/main" val="0"/>
+                  </a:ext>
+                </a:extLst>
+              </a:blip>
+              <a:stretch>
+                <a:fillRect/>
+              </a:stretch>
+            </p:blipFill>
+            <p:spPr>
+              <a:xfrm>
+                <a:off x="374454" y="2746536"/>
+                <a:ext cx="1610488" cy="1207866"/>
+              </a:xfrm>
+              <a:prstGeom prst="ellipse">
+                <a:avLst/>
+              </a:prstGeom>
+              <a:ln>
+                <a:noFill/>
+              </a:ln>
+              <a:effectLst>
+                <a:softEdge rad="112500"/>
+              </a:effectLst>
+            </p:spPr>
+          </p:pic>
+          <p:pic>
+            <p:nvPicPr>
+              <p:cNvPr id="24" name="Obraz 23" descr="Obraz zawierający zielony, zewnętrzne&#10;&#10;Opis wygenerowany przy bardzo wysokim poziomie pewności">
+                <a:extLst>
+                  <a:ext uri="{FF2B5EF4-FFF2-40B4-BE49-F238E27FC236}">
+                    <a16:creationId xmlns:a16="http://schemas.microsoft.com/office/drawing/2014/main" id="{D50BC8C8-1497-4D09-A499-3C8451659F57}"/>
+                  </a:ext>
+                </a:extLst>
+              </p:cNvPr>
+              <p:cNvPicPr>
+                <a:picLocks noChangeAspect="1"/>
+              </p:cNvPicPr>
+              <p:nvPr/>
+            </p:nvPicPr>
+            <p:blipFill>
+              <a:blip r:embed="rId9" cstate="print">
+                <a:extLst>
+                  <a:ext uri="{28A0092B-C50C-407E-A947-70E740481C1C}">
+                    <a14:useLocalDpi xmlns:a14="http://schemas.microsoft.com/office/drawing/2010/main" val="0"/>
+                  </a:ext>
+                </a:extLst>
+              </a:blip>
+              <a:stretch>
+                <a:fillRect/>
+              </a:stretch>
+            </p:blipFill>
+            <p:spPr>
+              <a:xfrm>
+                <a:off x="872126" y="2415542"/>
+                <a:ext cx="1610488" cy="1207866"/>
+              </a:xfrm>
+              <a:prstGeom prst="ellipse">
+                <a:avLst/>
+              </a:prstGeom>
+              <a:ln>
+                <a:noFill/>
+              </a:ln>
+              <a:effectLst>
+                <a:softEdge rad="112500"/>
+              </a:effectLst>
+            </p:spPr>
+          </p:pic>
+        </p:grpSp>
+        <p:pic>
+          <p:nvPicPr>
+            <p:cNvPr id="9" name="Obraz 8" descr="Obraz zawierający zielony, zewnętrzne&#10;&#10;Opis wygenerowany przy bardzo wysokim poziomie pewności">
+              <a:extLst>
+                <a:ext uri="{FF2B5EF4-FFF2-40B4-BE49-F238E27FC236}">
+                  <a16:creationId xmlns:a16="http://schemas.microsoft.com/office/drawing/2014/main" id="{80C256D5-3804-4329-B53C-2AFA2B31F807}"/>
+                </a:ext>
+              </a:extLst>
+            </p:cNvPr>
+            <p:cNvPicPr>
+              <a:picLocks noChangeAspect="1"/>
+            </p:cNvPicPr>
+            <p:nvPr/>
+          </p:nvPicPr>
+          <p:blipFill>
+            <a:blip r:embed="rId9" cstate="print">
+              <a:extLst>
+                <a:ext uri="{28A0092B-C50C-407E-A947-70E740481C1C}">
+                  <a14:useLocalDpi xmlns:a14="http://schemas.microsoft.com/office/drawing/2010/main" val="0"/>
+                </a:ext>
+              </a:extLst>
+            </a:blip>
+            <a:stretch>
+              <a:fillRect/>
+            </a:stretch>
+          </p:blipFill>
+          <p:spPr>
+            <a:xfrm>
+              <a:off x="1577371" y="1229674"/>
+              <a:ext cx="1610488" cy="1207866"/>
+            </a:xfrm>
+            <a:prstGeom prst="ellipse">
+              <a:avLst/>
+            </a:prstGeom>
+            <a:ln>
+              <a:noFill/>
+            </a:ln>
+            <a:effectLst>
+              <a:softEdge rad="112500"/>
+            </a:effectLst>
+          </p:spPr>
+        </p:pic>
+        <p:pic>
+          <p:nvPicPr>
+            <p:cNvPr id="10" name="Obraz 9" descr="Obraz zawierający zielony, zewnętrzne&#10;&#10;Opis wygenerowany przy bardzo wysokim poziomie pewności">
+              <a:extLst>
+                <a:ext uri="{FF2B5EF4-FFF2-40B4-BE49-F238E27FC236}">
+                  <a16:creationId xmlns:a16="http://schemas.microsoft.com/office/drawing/2014/main" id="{14560A7B-B285-481C-A6DB-92A3A76554EC}"/>
+                </a:ext>
+              </a:extLst>
+            </p:cNvPr>
+            <p:cNvPicPr>
+              <a:picLocks noChangeAspect="1"/>
+            </p:cNvPicPr>
+            <p:nvPr/>
+          </p:nvPicPr>
+          <p:blipFill>
+            <a:blip r:embed="rId9" cstate="print">
+              <a:extLst>
+                <a:ext uri="{28A0092B-C50C-407E-A947-70E740481C1C}">
+                  <a14:useLocalDpi xmlns:a14="http://schemas.microsoft.com/office/drawing/2010/main" val="0"/>
+                </a:ext>
+              </a:extLst>
+            </a:blip>
+            <a:stretch>
+              <a:fillRect/>
+            </a:stretch>
+          </p:blipFill>
+          <p:spPr>
+            <a:xfrm>
+              <a:off x="2546231" y="1483001"/>
+              <a:ext cx="1610488" cy="1207866"/>
+            </a:xfrm>
+            <a:prstGeom prst="ellipse">
+              <a:avLst/>
+            </a:prstGeom>
+            <a:ln>
+              <a:noFill/>
+            </a:ln>
+            <a:effectLst>
+              <a:softEdge rad="112500"/>
+            </a:effectLst>
+          </p:spPr>
+        </p:pic>
+        <p:pic>
+          <p:nvPicPr>
+            <p:cNvPr id="11" name="Obraz 10" descr="Obraz zawierający zielony, zewnętrzne&#10;&#10;Opis wygenerowany przy bardzo wysokim poziomie pewności">
+              <a:extLst>
+                <a:ext uri="{FF2B5EF4-FFF2-40B4-BE49-F238E27FC236}">
+                  <a16:creationId xmlns:a16="http://schemas.microsoft.com/office/drawing/2014/main" id="{1B23B4C7-994D-4422-BA80-D8A8F0745192}"/>
+                </a:ext>
+              </a:extLst>
+            </p:cNvPr>
+            <p:cNvPicPr>
+              <a:picLocks noChangeAspect="1"/>
+            </p:cNvPicPr>
+            <p:nvPr/>
+          </p:nvPicPr>
+          <p:blipFill>
+            <a:blip r:embed="rId9" cstate="print">
+              <a:extLst>
+                <a:ext uri="{28A0092B-C50C-407E-A947-70E740481C1C}">
+                  <a14:useLocalDpi xmlns:a14="http://schemas.microsoft.com/office/drawing/2010/main" val="0"/>
+                </a:ext>
+              </a:extLst>
+            </a:blip>
+            <a:stretch>
+              <a:fillRect/>
+            </a:stretch>
+          </p:blipFill>
+          <p:spPr>
+            <a:xfrm>
+              <a:off x="2721655" y="2024928"/>
+              <a:ext cx="1610488" cy="1207866"/>
+            </a:xfrm>
+            <a:prstGeom prst="ellipse">
+              <a:avLst/>
+            </a:prstGeom>
+            <a:ln>
+              <a:noFill/>
+            </a:ln>
+            <a:effectLst>
+              <a:softEdge rad="112500"/>
+            </a:effectLst>
+          </p:spPr>
+        </p:pic>
+      </p:grpSp>
       <p:pic>
         <p:nvPicPr>
           <p:cNvPr id="4" name="Obraz 3" descr="Obraz zawierający rzecz&#10;&#10;Opis wygenerowany przy wysokim poziomie pewności">
@@ -31235,7 +34493,7 @@
           <p:nvPr/>
         </p:nvPicPr>
         <p:blipFill>
-          <a:blip r:embed="rId4" cstate="print">
+          <a:blip r:embed="rId10" cstate="print">
             <a:extLst>
               <a:ext uri="{28A0092B-C50C-407E-A947-70E740481C1C}">
                 <a14:useLocalDpi xmlns:a14="http://schemas.microsoft.com/office/drawing/2010/main" val="0"/>
@@ -31256,28 +34514,10 @@
           </a:prstGeom>
         </p:spPr>
       </p:pic>
-      <p:graphicFrame>
-        <p:nvGraphicFramePr>
-          <p:cNvPr id="7" name="Diagram 6"/>
-          <p:cNvGraphicFramePr/>
-          <p:nvPr>
-            <p:extLst/>
-          </p:nvPr>
-        </p:nvGraphicFramePr>
-        <p:xfrm>
-          <a:off x="5874419" y="639129"/>
-          <a:ext cx="5423613" cy="5278786"/>
-        </p:xfrm>
-        <a:graphic>
-          <a:graphicData uri="http://schemas.openxmlformats.org/drawingml/2006/diagram">
-            <dgm:relIds xmlns:dgm="http://schemas.openxmlformats.org/drawingml/2006/diagram" xmlns:r="http://schemas.openxmlformats.org/officeDocument/2006/relationships" r:dm="rId5" r:lo="rId6" r:qs="rId7" r:cs="rId8"/>
-          </a:graphicData>
-        </a:graphic>
-      </p:graphicFrame>
     </p:spTree>
     <p:extLst>
       <p:ext uri="{BB962C8B-B14F-4D97-AF65-F5344CB8AC3E}">
-        <p14:creationId xmlns:p14="http://schemas.microsoft.com/office/powerpoint/2010/main" val="2893288019"/>
+        <p14:creationId xmlns:p14="http://schemas.microsoft.com/office/powerpoint/2010/main" val="1621963088"/>
       </p:ext>
     </p:extLst>
   </p:cSld>
@@ -32715,10 +35955,577 @@
           </a:graphicData>
         </a:graphic>
       </p:graphicFrame>
+      <p:grpSp>
+        <p:nvGrpSpPr>
+          <p:cNvPr id="21" name="Grupa 20">
+            <a:extLst>
+              <a:ext uri="{FF2B5EF4-FFF2-40B4-BE49-F238E27FC236}">
+                <a16:creationId xmlns:a16="http://schemas.microsoft.com/office/drawing/2014/main" id="{E9AA9EEC-1418-441D-846E-EE76033A7953}"/>
+              </a:ext>
+            </a:extLst>
+          </p:cNvPr>
+          <p:cNvGrpSpPr/>
+          <p:nvPr/>
+        </p:nvGrpSpPr>
+        <p:grpSpPr>
+          <a:xfrm>
+            <a:off x="-33225" y="35196"/>
+            <a:ext cx="5807537" cy="3919206"/>
+            <a:chOff x="-33225" y="35196"/>
+            <a:chExt cx="5807537" cy="3919206"/>
+          </a:xfrm>
+        </p:grpSpPr>
+        <p:pic>
+          <p:nvPicPr>
+            <p:cNvPr id="6" name="Obraz 5" descr="Obraz zawierający zielony, zewnętrzne&#10;&#10;Opis wygenerowany przy bardzo wysokim poziomie pewności">
+              <a:extLst>
+                <a:ext uri="{FF2B5EF4-FFF2-40B4-BE49-F238E27FC236}">
+                  <a16:creationId xmlns:a16="http://schemas.microsoft.com/office/drawing/2014/main" id="{3E86BBE1-AEF8-4FA2-B1C1-E485EED0B9EF}"/>
+                </a:ext>
+              </a:extLst>
+            </p:cNvPr>
+            <p:cNvPicPr>
+              <a:picLocks noChangeAspect="1"/>
+            </p:cNvPicPr>
+            <p:nvPr/>
+          </p:nvPicPr>
+          <p:blipFill>
+            <a:blip r:embed="rId10" cstate="print">
+              <a:extLst>
+                <a:ext uri="{28A0092B-C50C-407E-A947-70E740481C1C}">
+                  <a14:useLocalDpi xmlns:a14="http://schemas.microsoft.com/office/drawing/2010/main" val="0"/>
+                </a:ext>
+              </a:extLst>
+            </a:blip>
+            <a:stretch>
+              <a:fillRect/>
+            </a:stretch>
+          </p:blipFill>
+          <p:spPr>
+            <a:xfrm>
+              <a:off x="850390" y="92130"/>
+              <a:ext cx="1610488" cy="1207866"/>
+            </a:xfrm>
+            <a:prstGeom prst="ellipse">
+              <a:avLst/>
+            </a:prstGeom>
+            <a:ln>
+              <a:noFill/>
+            </a:ln>
+            <a:effectLst>
+              <a:softEdge rad="112500"/>
+            </a:effectLst>
+          </p:spPr>
+        </p:pic>
+        <p:pic>
+          <p:nvPicPr>
+            <p:cNvPr id="8" name="Obraz 7" descr="Obraz zawierający zielony, zewnętrzne&#10;&#10;Opis wygenerowany przy bardzo wysokim poziomie pewności">
+              <a:extLst>
+                <a:ext uri="{FF2B5EF4-FFF2-40B4-BE49-F238E27FC236}">
+                  <a16:creationId xmlns:a16="http://schemas.microsoft.com/office/drawing/2014/main" id="{A27FE445-B90F-44DF-B42B-83D6540D49B0}"/>
+                </a:ext>
+              </a:extLst>
+            </p:cNvPr>
+            <p:cNvPicPr>
+              <a:picLocks noChangeAspect="1"/>
+            </p:cNvPicPr>
+            <p:nvPr/>
+          </p:nvPicPr>
+          <p:blipFill>
+            <a:blip r:embed="rId10" cstate="print">
+              <a:extLst>
+                <a:ext uri="{28A0092B-C50C-407E-A947-70E740481C1C}">
+                  <a14:useLocalDpi xmlns:a14="http://schemas.microsoft.com/office/drawing/2010/main" val="0"/>
+                </a:ext>
+              </a:extLst>
+            </a:blip>
+            <a:stretch>
+              <a:fillRect/>
+            </a:stretch>
+          </p:blipFill>
+          <p:spPr>
+            <a:xfrm>
+              <a:off x="1295716" y="679478"/>
+              <a:ext cx="1610488" cy="1207866"/>
+            </a:xfrm>
+            <a:prstGeom prst="ellipse">
+              <a:avLst/>
+            </a:prstGeom>
+            <a:ln>
+              <a:noFill/>
+            </a:ln>
+            <a:effectLst>
+              <a:softEdge rad="112500"/>
+            </a:effectLst>
+          </p:spPr>
+        </p:pic>
+        <p:pic>
+          <p:nvPicPr>
+            <p:cNvPr id="9" name="Obraz 8" descr="Obraz zawierający zielony, zewnętrzne&#10;&#10;Opis wygenerowany przy bardzo wysokim poziomie pewności">
+              <a:extLst>
+                <a:ext uri="{FF2B5EF4-FFF2-40B4-BE49-F238E27FC236}">
+                  <a16:creationId xmlns:a16="http://schemas.microsoft.com/office/drawing/2014/main" id="{95E19A72-79DE-448C-8CCD-468A92A1CF13}"/>
+                </a:ext>
+              </a:extLst>
+            </p:cNvPr>
+            <p:cNvPicPr>
+              <a:picLocks noChangeAspect="1"/>
+            </p:cNvPicPr>
+            <p:nvPr/>
+          </p:nvPicPr>
+          <p:blipFill>
+            <a:blip r:embed="rId10" cstate="print">
+              <a:extLst>
+                <a:ext uri="{28A0092B-C50C-407E-A947-70E740481C1C}">
+                  <a14:useLocalDpi xmlns:a14="http://schemas.microsoft.com/office/drawing/2010/main" val="0"/>
+                </a:ext>
+              </a:extLst>
+            </a:blip>
+            <a:stretch>
+              <a:fillRect/>
+            </a:stretch>
+          </p:blipFill>
+          <p:spPr>
+            <a:xfrm>
+              <a:off x="2436671" y="35196"/>
+              <a:ext cx="1610488" cy="1207866"/>
+            </a:xfrm>
+            <a:prstGeom prst="ellipse">
+              <a:avLst/>
+            </a:prstGeom>
+            <a:ln>
+              <a:noFill/>
+            </a:ln>
+            <a:effectLst>
+              <a:softEdge rad="112500"/>
+            </a:effectLst>
+          </p:spPr>
+        </p:pic>
+        <p:pic>
+          <p:nvPicPr>
+            <p:cNvPr id="10" name="Obraz 9" descr="Obraz zawierający zielony, zewnętrzne&#10;&#10;Opis wygenerowany przy bardzo wysokim poziomie pewności">
+              <a:extLst>
+                <a:ext uri="{FF2B5EF4-FFF2-40B4-BE49-F238E27FC236}">
+                  <a16:creationId xmlns:a16="http://schemas.microsoft.com/office/drawing/2014/main" id="{41EF3B51-FF43-407B-A22B-2DA65927BB5E}"/>
+                </a:ext>
+              </a:extLst>
+            </p:cNvPr>
+            <p:cNvPicPr>
+              <a:picLocks noChangeAspect="1"/>
+            </p:cNvPicPr>
+            <p:nvPr/>
+          </p:nvPicPr>
+          <p:blipFill>
+            <a:blip r:embed="rId10" cstate="print">
+              <a:extLst>
+                <a:ext uri="{28A0092B-C50C-407E-A947-70E740481C1C}">
+                  <a14:useLocalDpi xmlns:a14="http://schemas.microsoft.com/office/drawing/2010/main" val="0"/>
+                </a:ext>
+              </a:extLst>
+            </a:blip>
+            <a:stretch>
+              <a:fillRect/>
+            </a:stretch>
+          </p:blipFill>
+          <p:spPr>
+            <a:xfrm>
+              <a:off x="3143659" y="392427"/>
+              <a:ext cx="1610488" cy="1207866"/>
+            </a:xfrm>
+            <a:prstGeom prst="ellipse">
+              <a:avLst/>
+            </a:prstGeom>
+            <a:ln>
+              <a:noFill/>
+            </a:ln>
+            <a:effectLst>
+              <a:softEdge rad="112500"/>
+            </a:effectLst>
+          </p:spPr>
+        </p:pic>
+        <p:pic>
+          <p:nvPicPr>
+            <p:cNvPr id="11" name="Obraz 10" descr="Obraz zawierający zielony, zewnętrzne&#10;&#10;Opis wygenerowany przy bardzo wysokim poziomie pewności">
+              <a:extLst>
+                <a:ext uri="{FF2B5EF4-FFF2-40B4-BE49-F238E27FC236}">
+                  <a16:creationId xmlns:a16="http://schemas.microsoft.com/office/drawing/2014/main" id="{0240AC5F-DFA1-4515-B642-66D83A5ED61A}"/>
+                </a:ext>
+              </a:extLst>
+            </p:cNvPr>
+            <p:cNvPicPr>
+              <a:picLocks noChangeAspect="1"/>
+            </p:cNvPicPr>
+            <p:nvPr/>
+          </p:nvPicPr>
+          <p:blipFill>
+            <a:blip r:embed="rId10" cstate="print">
+              <a:extLst>
+                <a:ext uri="{28A0092B-C50C-407E-A947-70E740481C1C}">
+                  <a14:useLocalDpi xmlns:a14="http://schemas.microsoft.com/office/drawing/2010/main" val="0"/>
+                </a:ext>
+              </a:extLst>
+            </a:blip>
+            <a:stretch>
+              <a:fillRect/>
+            </a:stretch>
+          </p:blipFill>
+          <p:spPr>
+            <a:xfrm>
+              <a:off x="3687241" y="965008"/>
+              <a:ext cx="1610488" cy="1207866"/>
+            </a:xfrm>
+            <a:prstGeom prst="ellipse">
+              <a:avLst/>
+            </a:prstGeom>
+            <a:ln>
+              <a:noFill/>
+            </a:ln>
+            <a:effectLst>
+              <a:softEdge rad="112500"/>
+            </a:effectLst>
+          </p:spPr>
+        </p:pic>
+        <p:pic>
+          <p:nvPicPr>
+            <p:cNvPr id="12" name="Obraz 11" descr="Obraz zawierający zielony, zewnętrzne&#10;&#10;Opis wygenerowany przy bardzo wysokim poziomie pewności">
+              <a:extLst>
+                <a:ext uri="{FF2B5EF4-FFF2-40B4-BE49-F238E27FC236}">
+                  <a16:creationId xmlns:a16="http://schemas.microsoft.com/office/drawing/2014/main" id="{69237B3E-635A-4AEF-9039-387E551F19FF}"/>
+                </a:ext>
+              </a:extLst>
+            </p:cNvPr>
+            <p:cNvPicPr>
+              <a:picLocks noChangeAspect="1"/>
+            </p:cNvPicPr>
+            <p:nvPr/>
+          </p:nvPicPr>
+          <p:blipFill>
+            <a:blip r:embed="rId10" cstate="print">
+              <a:extLst>
+                <a:ext uri="{28A0092B-C50C-407E-A947-70E740481C1C}">
+                  <a14:useLocalDpi xmlns:a14="http://schemas.microsoft.com/office/drawing/2010/main" val="0"/>
+                </a:ext>
+              </a:extLst>
+            </a:blip>
+            <a:stretch>
+              <a:fillRect/>
+            </a:stretch>
+          </p:blipFill>
+          <p:spPr>
+            <a:xfrm>
+              <a:off x="4163824" y="2193925"/>
+              <a:ext cx="1610488" cy="1207866"/>
+            </a:xfrm>
+            <a:prstGeom prst="ellipse">
+              <a:avLst/>
+            </a:prstGeom>
+            <a:ln>
+              <a:noFill/>
+            </a:ln>
+            <a:effectLst>
+              <a:softEdge rad="112500"/>
+            </a:effectLst>
+          </p:spPr>
+        </p:pic>
+        <p:pic>
+          <p:nvPicPr>
+            <p:cNvPr id="13" name="Obraz 12" descr="Obraz zawierający zielony, zewnętrzne&#10;&#10;Opis wygenerowany przy bardzo wysokim poziomie pewności">
+              <a:extLst>
+                <a:ext uri="{FF2B5EF4-FFF2-40B4-BE49-F238E27FC236}">
+                  <a16:creationId xmlns:a16="http://schemas.microsoft.com/office/drawing/2014/main" id="{D17C73A4-1BC5-4168-B635-349570CC2E66}"/>
+                </a:ext>
+              </a:extLst>
+            </p:cNvPr>
+            <p:cNvPicPr>
+              <a:picLocks noChangeAspect="1"/>
+            </p:cNvPicPr>
+            <p:nvPr/>
+          </p:nvPicPr>
+          <p:blipFill>
+            <a:blip r:embed="rId10" cstate="print">
+              <a:extLst>
+                <a:ext uri="{28A0092B-C50C-407E-A947-70E740481C1C}">
+                  <a14:useLocalDpi xmlns:a14="http://schemas.microsoft.com/office/drawing/2010/main" val="0"/>
+                </a:ext>
+              </a:extLst>
+            </a:blip>
+            <a:stretch>
+              <a:fillRect/>
+            </a:stretch>
+          </p:blipFill>
+          <p:spPr>
+            <a:xfrm>
+              <a:off x="3435922" y="1548052"/>
+              <a:ext cx="1610488" cy="1207866"/>
+            </a:xfrm>
+            <a:prstGeom prst="ellipse">
+              <a:avLst/>
+            </a:prstGeom>
+            <a:ln>
+              <a:noFill/>
+            </a:ln>
+            <a:effectLst>
+              <a:softEdge rad="112500"/>
+            </a:effectLst>
+          </p:spPr>
+        </p:pic>
+        <p:pic>
+          <p:nvPicPr>
+            <p:cNvPr id="14" name="Obraz 13" descr="Obraz zawierający zielony, zewnętrzne&#10;&#10;Opis wygenerowany przy bardzo wysokim poziomie pewności">
+              <a:extLst>
+                <a:ext uri="{FF2B5EF4-FFF2-40B4-BE49-F238E27FC236}">
+                  <a16:creationId xmlns:a16="http://schemas.microsoft.com/office/drawing/2014/main" id="{207BD73D-A015-4BE0-8745-288FC593BA45}"/>
+                </a:ext>
+              </a:extLst>
+            </p:cNvPr>
+            <p:cNvPicPr>
+              <a:picLocks noChangeAspect="1"/>
+            </p:cNvPicPr>
+            <p:nvPr/>
+          </p:nvPicPr>
+          <p:blipFill>
+            <a:blip r:embed="rId10" cstate="print">
+              <a:extLst>
+                <a:ext uri="{28A0092B-C50C-407E-A947-70E740481C1C}">
+                  <a14:useLocalDpi xmlns:a14="http://schemas.microsoft.com/office/drawing/2010/main" val="0"/>
+                </a:ext>
+              </a:extLst>
+            </a:blip>
+            <a:stretch>
+              <a:fillRect/>
+            </a:stretch>
+          </p:blipFill>
+          <p:spPr>
+            <a:xfrm>
+              <a:off x="3686764" y="2238207"/>
+              <a:ext cx="1610488" cy="1207866"/>
+            </a:xfrm>
+            <a:prstGeom prst="ellipse">
+              <a:avLst/>
+            </a:prstGeom>
+            <a:ln>
+              <a:noFill/>
+            </a:ln>
+            <a:effectLst>
+              <a:softEdge rad="112500"/>
+            </a:effectLst>
+          </p:spPr>
+        </p:pic>
+        <p:pic>
+          <p:nvPicPr>
+            <p:cNvPr id="16" name="Obraz 15" descr="Obraz zawierający zielony, zewnętrzne&#10;&#10;Opis wygenerowany przy bardzo wysokim poziomie pewności">
+              <a:extLst>
+                <a:ext uri="{FF2B5EF4-FFF2-40B4-BE49-F238E27FC236}">
+                  <a16:creationId xmlns:a16="http://schemas.microsoft.com/office/drawing/2014/main" id="{D4E14F01-CF20-4E41-9DB0-5BE9EC2CA043}"/>
+                </a:ext>
+              </a:extLst>
+            </p:cNvPr>
+            <p:cNvPicPr>
+              <a:picLocks noChangeAspect="1"/>
+            </p:cNvPicPr>
+            <p:nvPr/>
+          </p:nvPicPr>
+          <p:blipFill>
+            <a:blip r:embed="rId10" cstate="print">
+              <a:extLst>
+                <a:ext uri="{28A0092B-C50C-407E-A947-70E740481C1C}">
+                  <a14:useLocalDpi xmlns:a14="http://schemas.microsoft.com/office/drawing/2010/main" val="0"/>
+                </a:ext>
+              </a:extLst>
+            </a:blip>
+            <a:stretch>
+              <a:fillRect/>
+            </a:stretch>
+          </p:blipFill>
+          <p:spPr>
+            <a:xfrm>
+              <a:off x="2750213" y="658427"/>
+              <a:ext cx="1610488" cy="1207866"/>
+            </a:xfrm>
+            <a:prstGeom prst="ellipse">
+              <a:avLst/>
+            </a:prstGeom>
+            <a:ln>
+              <a:noFill/>
+            </a:ln>
+            <a:effectLst>
+              <a:softEdge rad="112500"/>
+            </a:effectLst>
+          </p:spPr>
+        </p:pic>
+        <p:pic>
+          <p:nvPicPr>
+            <p:cNvPr id="17" name="Obraz 16" descr="Obraz zawierający zielony, zewnętrzne&#10;&#10;Opis wygenerowany przy bardzo wysokim poziomie pewności">
+              <a:extLst>
+                <a:ext uri="{FF2B5EF4-FFF2-40B4-BE49-F238E27FC236}">
+                  <a16:creationId xmlns:a16="http://schemas.microsoft.com/office/drawing/2014/main" id="{9E1356AD-D68F-4C5E-BEA1-23C11C45FE37}"/>
+                </a:ext>
+              </a:extLst>
+            </p:cNvPr>
+            <p:cNvPicPr>
+              <a:picLocks noChangeAspect="1"/>
+            </p:cNvPicPr>
+            <p:nvPr/>
+          </p:nvPicPr>
+          <p:blipFill>
+            <a:blip r:embed="rId10" cstate="print">
+              <a:extLst>
+                <a:ext uri="{28A0092B-C50C-407E-A947-70E740481C1C}">
+                  <a14:useLocalDpi xmlns:a14="http://schemas.microsoft.com/office/drawing/2010/main" val="0"/>
+                </a:ext>
+              </a:extLst>
+            </a:blip>
+            <a:stretch>
+              <a:fillRect/>
+            </a:stretch>
+          </p:blipFill>
+          <p:spPr>
+            <a:xfrm>
+              <a:off x="521285" y="1072043"/>
+              <a:ext cx="1610488" cy="1207866"/>
+            </a:xfrm>
+            <a:prstGeom prst="ellipse">
+              <a:avLst/>
+            </a:prstGeom>
+            <a:ln>
+              <a:noFill/>
+            </a:ln>
+            <a:effectLst>
+              <a:softEdge rad="112500"/>
+            </a:effectLst>
+          </p:spPr>
+        </p:pic>
+        <p:pic>
+          <p:nvPicPr>
+            <p:cNvPr id="18" name="Obraz 17" descr="Obraz zawierający zielony, zewnętrzne&#10;&#10;Opis wygenerowany przy bardzo wysokim poziomie pewności">
+              <a:extLst>
+                <a:ext uri="{FF2B5EF4-FFF2-40B4-BE49-F238E27FC236}">
+                  <a16:creationId xmlns:a16="http://schemas.microsoft.com/office/drawing/2014/main" id="{3A637D83-0F96-4388-943A-EC4ECDE980C5}"/>
+                </a:ext>
+              </a:extLst>
+            </p:cNvPr>
+            <p:cNvPicPr>
+              <a:picLocks noChangeAspect="1"/>
+            </p:cNvPicPr>
+            <p:nvPr/>
+          </p:nvPicPr>
+          <p:blipFill>
+            <a:blip r:embed="rId10" cstate="print">
+              <a:extLst>
+                <a:ext uri="{28A0092B-C50C-407E-A947-70E740481C1C}">
+                  <a14:useLocalDpi xmlns:a14="http://schemas.microsoft.com/office/drawing/2010/main" val="0"/>
+                </a:ext>
+              </a:extLst>
+            </a:blip>
+            <a:stretch>
+              <a:fillRect/>
+            </a:stretch>
+          </p:blipFill>
+          <p:spPr>
+            <a:xfrm>
+              <a:off x="-33225" y="2089302"/>
+              <a:ext cx="1610488" cy="1207866"/>
+            </a:xfrm>
+            <a:prstGeom prst="ellipse">
+              <a:avLst/>
+            </a:prstGeom>
+            <a:ln>
+              <a:noFill/>
+            </a:ln>
+            <a:effectLst>
+              <a:softEdge rad="112500"/>
+            </a:effectLst>
+          </p:spPr>
+        </p:pic>
+        <p:pic>
+          <p:nvPicPr>
+            <p:cNvPr id="19" name="Obraz 18" descr="Obraz zawierający zielony, zewnętrzne&#10;&#10;Opis wygenerowany przy bardzo wysokim poziomie pewności">
+              <a:extLst>
+                <a:ext uri="{FF2B5EF4-FFF2-40B4-BE49-F238E27FC236}">
+                  <a16:creationId xmlns:a16="http://schemas.microsoft.com/office/drawing/2014/main" id="{49C5593E-9C5F-4AE5-A37F-94F08825ED0F}"/>
+                </a:ext>
+              </a:extLst>
+            </p:cNvPr>
+            <p:cNvPicPr>
+              <a:picLocks noChangeAspect="1"/>
+            </p:cNvPicPr>
+            <p:nvPr/>
+          </p:nvPicPr>
+          <p:blipFill>
+            <a:blip r:embed="rId10" cstate="print">
+              <a:extLst>
+                <a:ext uri="{28A0092B-C50C-407E-A947-70E740481C1C}">
+                  <a14:useLocalDpi xmlns:a14="http://schemas.microsoft.com/office/drawing/2010/main" val="0"/>
+                </a:ext>
+              </a:extLst>
+            </a:blip>
+            <a:stretch>
+              <a:fillRect/>
+            </a:stretch>
+          </p:blipFill>
+          <p:spPr>
+            <a:xfrm>
+              <a:off x="374454" y="2746536"/>
+              <a:ext cx="1610488" cy="1207866"/>
+            </a:xfrm>
+            <a:prstGeom prst="ellipse">
+              <a:avLst/>
+            </a:prstGeom>
+            <a:ln>
+              <a:noFill/>
+            </a:ln>
+            <a:effectLst>
+              <a:softEdge rad="112500"/>
+            </a:effectLst>
+          </p:spPr>
+        </p:pic>
+        <p:pic>
+          <p:nvPicPr>
+            <p:cNvPr id="20" name="Obraz 19" descr="Obraz zawierający zielony, zewnętrzne&#10;&#10;Opis wygenerowany przy bardzo wysokim poziomie pewności">
+              <a:extLst>
+                <a:ext uri="{FF2B5EF4-FFF2-40B4-BE49-F238E27FC236}">
+                  <a16:creationId xmlns:a16="http://schemas.microsoft.com/office/drawing/2014/main" id="{CEDE43BB-B319-4760-A5C9-7BF912E94B8F}"/>
+                </a:ext>
+              </a:extLst>
+            </p:cNvPr>
+            <p:cNvPicPr>
+              <a:picLocks noChangeAspect="1"/>
+            </p:cNvPicPr>
+            <p:nvPr/>
+          </p:nvPicPr>
+          <p:blipFill>
+            <a:blip r:embed="rId10" cstate="print">
+              <a:extLst>
+                <a:ext uri="{28A0092B-C50C-407E-A947-70E740481C1C}">
+                  <a14:useLocalDpi xmlns:a14="http://schemas.microsoft.com/office/drawing/2010/main" val="0"/>
+                </a:ext>
+              </a:extLst>
+            </a:blip>
+            <a:stretch>
+              <a:fillRect/>
+            </a:stretch>
+          </p:blipFill>
+          <p:spPr>
+            <a:xfrm>
+              <a:off x="665896" y="1940617"/>
+              <a:ext cx="1610488" cy="1207866"/>
+            </a:xfrm>
+            <a:prstGeom prst="ellipse">
+              <a:avLst/>
+            </a:prstGeom>
+            <a:ln>
+              <a:noFill/>
+            </a:ln>
+            <a:effectLst>
+              <a:softEdge rad="112500"/>
+            </a:effectLst>
+          </p:spPr>
+        </p:pic>
+      </p:grpSp>
     </p:spTree>
     <p:extLst>
       <p:ext uri="{BB962C8B-B14F-4D97-AF65-F5344CB8AC3E}">
-        <p14:creationId xmlns:p14="http://schemas.microsoft.com/office/powerpoint/2010/main" val="3464895428"/>
+        <p14:creationId xmlns:p14="http://schemas.microsoft.com/office/powerpoint/2010/main" val="1904031906"/>
       </p:ext>
     </p:extLst>
   </p:cSld>
@@ -32871,10 +36678,682 @@
           </a:graphicData>
         </a:graphic>
       </p:graphicFrame>
+      <p:grpSp>
+        <p:nvGrpSpPr>
+          <p:cNvPr id="5" name="Grupa 4">
+            <a:extLst>
+              <a:ext uri="{FF2B5EF4-FFF2-40B4-BE49-F238E27FC236}">
+                <a16:creationId xmlns:a16="http://schemas.microsoft.com/office/drawing/2014/main" id="{A7A8A062-CC96-4789-A197-5818877D3364}"/>
+              </a:ext>
+            </a:extLst>
+          </p:cNvPr>
+          <p:cNvGrpSpPr/>
+          <p:nvPr/>
+        </p:nvGrpSpPr>
+        <p:grpSpPr>
+          <a:xfrm>
+            <a:off x="-33225" y="35196"/>
+            <a:ext cx="5807537" cy="3919206"/>
+            <a:chOff x="-33225" y="35196"/>
+            <a:chExt cx="5807537" cy="3919206"/>
+          </a:xfrm>
+        </p:grpSpPr>
+        <p:grpSp>
+          <p:nvGrpSpPr>
+            <p:cNvPr id="6" name="Grupa 5">
+              <a:extLst>
+                <a:ext uri="{FF2B5EF4-FFF2-40B4-BE49-F238E27FC236}">
+                  <a16:creationId xmlns:a16="http://schemas.microsoft.com/office/drawing/2014/main" id="{6A289A9A-4EBD-4E79-8EC5-0C2377F9AD4E}"/>
+                </a:ext>
+              </a:extLst>
+            </p:cNvPr>
+            <p:cNvGrpSpPr/>
+            <p:nvPr/>
+          </p:nvGrpSpPr>
+          <p:grpSpPr>
+            <a:xfrm>
+              <a:off x="-33225" y="35196"/>
+              <a:ext cx="5807537" cy="3919206"/>
+              <a:chOff x="-33225" y="35196"/>
+              <a:chExt cx="5807537" cy="3919206"/>
+            </a:xfrm>
+          </p:grpSpPr>
+          <p:pic>
+            <p:nvPicPr>
+              <p:cNvPr id="8" name="Obraz 7" descr="Obraz zawierający zielony, zewnętrzne&#10;&#10;Opis wygenerowany przy bardzo wysokim poziomie pewności">
+                <a:extLst>
+                  <a:ext uri="{FF2B5EF4-FFF2-40B4-BE49-F238E27FC236}">
+                    <a16:creationId xmlns:a16="http://schemas.microsoft.com/office/drawing/2014/main" id="{0AD9ECF8-38A1-4D54-9068-68BF58304467}"/>
+                  </a:ext>
+                </a:extLst>
+              </p:cNvPr>
+              <p:cNvPicPr>
+                <a:picLocks noChangeAspect="1"/>
+              </p:cNvPicPr>
+              <p:nvPr/>
+            </p:nvPicPr>
+            <p:blipFill>
+              <a:blip r:embed="rId10" cstate="print">
+                <a:extLst>
+                  <a:ext uri="{28A0092B-C50C-407E-A947-70E740481C1C}">
+                    <a14:useLocalDpi xmlns:a14="http://schemas.microsoft.com/office/drawing/2010/main" val="0"/>
+                  </a:ext>
+                </a:extLst>
+              </a:blip>
+              <a:stretch>
+                <a:fillRect/>
+              </a:stretch>
+            </p:blipFill>
+            <p:spPr>
+              <a:xfrm>
+                <a:off x="850390" y="92130"/>
+                <a:ext cx="1610488" cy="1207866"/>
+              </a:xfrm>
+              <a:prstGeom prst="ellipse">
+                <a:avLst/>
+              </a:prstGeom>
+              <a:ln>
+                <a:noFill/>
+              </a:ln>
+              <a:effectLst>
+                <a:softEdge rad="112500"/>
+              </a:effectLst>
+            </p:spPr>
+          </p:pic>
+          <p:pic>
+            <p:nvPicPr>
+              <p:cNvPr id="9" name="Obraz 8" descr="Obraz zawierający zielony, zewnętrzne&#10;&#10;Opis wygenerowany przy bardzo wysokim poziomie pewności">
+                <a:extLst>
+                  <a:ext uri="{FF2B5EF4-FFF2-40B4-BE49-F238E27FC236}">
+                    <a16:creationId xmlns:a16="http://schemas.microsoft.com/office/drawing/2014/main" id="{44172007-1B90-4158-97CF-39CBA77DC954}"/>
+                  </a:ext>
+                </a:extLst>
+              </p:cNvPr>
+              <p:cNvPicPr>
+                <a:picLocks noChangeAspect="1"/>
+              </p:cNvPicPr>
+              <p:nvPr/>
+            </p:nvPicPr>
+            <p:blipFill>
+              <a:blip r:embed="rId10" cstate="print">
+                <a:extLst>
+                  <a:ext uri="{28A0092B-C50C-407E-A947-70E740481C1C}">
+                    <a14:useLocalDpi xmlns:a14="http://schemas.microsoft.com/office/drawing/2010/main" val="0"/>
+                  </a:ext>
+                </a:extLst>
+              </a:blip>
+              <a:stretch>
+                <a:fillRect/>
+              </a:stretch>
+            </p:blipFill>
+            <p:spPr>
+              <a:xfrm>
+                <a:off x="1295716" y="679478"/>
+                <a:ext cx="1610488" cy="1207866"/>
+              </a:xfrm>
+              <a:prstGeom prst="ellipse">
+                <a:avLst/>
+              </a:prstGeom>
+              <a:ln>
+                <a:noFill/>
+              </a:ln>
+              <a:effectLst>
+                <a:softEdge rad="112500"/>
+              </a:effectLst>
+            </p:spPr>
+          </p:pic>
+          <p:pic>
+            <p:nvPicPr>
+              <p:cNvPr id="10" name="Obraz 9" descr="Obraz zawierający zielony, zewnętrzne&#10;&#10;Opis wygenerowany przy bardzo wysokim poziomie pewności">
+                <a:extLst>
+                  <a:ext uri="{FF2B5EF4-FFF2-40B4-BE49-F238E27FC236}">
+                    <a16:creationId xmlns:a16="http://schemas.microsoft.com/office/drawing/2014/main" id="{2E809B93-996E-4856-8955-FDA64B1DE0AD}"/>
+                  </a:ext>
+                </a:extLst>
+              </p:cNvPr>
+              <p:cNvPicPr>
+                <a:picLocks noChangeAspect="1"/>
+              </p:cNvPicPr>
+              <p:nvPr/>
+            </p:nvPicPr>
+            <p:blipFill>
+              <a:blip r:embed="rId10" cstate="print">
+                <a:extLst>
+                  <a:ext uri="{28A0092B-C50C-407E-A947-70E740481C1C}">
+                    <a14:useLocalDpi xmlns:a14="http://schemas.microsoft.com/office/drawing/2010/main" val="0"/>
+                  </a:ext>
+                </a:extLst>
+              </a:blip>
+              <a:stretch>
+                <a:fillRect/>
+              </a:stretch>
+            </p:blipFill>
+            <p:spPr>
+              <a:xfrm>
+                <a:off x="2436671" y="35196"/>
+                <a:ext cx="1610488" cy="1207866"/>
+              </a:xfrm>
+              <a:prstGeom prst="ellipse">
+                <a:avLst/>
+              </a:prstGeom>
+              <a:ln>
+                <a:noFill/>
+              </a:ln>
+              <a:effectLst>
+                <a:softEdge rad="112500"/>
+              </a:effectLst>
+            </p:spPr>
+          </p:pic>
+          <p:pic>
+            <p:nvPicPr>
+              <p:cNvPr id="11" name="Obraz 10" descr="Obraz zawierający zielony, zewnętrzne&#10;&#10;Opis wygenerowany przy bardzo wysokim poziomie pewności">
+                <a:extLst>
+                  <a:ext uri="{FF2B5EF4-FFF2-40B4-BE49-F238E27FC236}">
+                    <a16:creationId xmlns:a16="http://schemas.microsoft.com/office/drawing/2014/main" id="{D9B56359-C3C5-4809-8AFB-5AA0922EF55D}"/>
+                  </a:ext>
+                </a:extLst>
+              </p:cNvPr>
+              <p:cNvPicPr>
+                <a:picLocks noChangeAspect="1"/>
+              </p:cNvPicPr>
+              <p:nvPr/>
+            </p:nvPicPr>
+            <p:blipFill>
+              <a:blip r:embed="rId10" cstate="print">
+                <a:extLst>
+                  <a:ext uri="{28A0092B-C50C-407E-A947-70E740481C1C}">
+                    <a14:useLocalDpi xmlns:a14="http://schemas.microsoft.com/office/drawing/2010/main" val="0"/>
+                  </a:ext>
+                </a:extLst>
+              </a:blip>
+              <a:stretch>
+                <a:fillRect/>
+              </a:stretch>
+            </p:blipFill>
+            <p:spPr>
+              <a:xfrm>
+                <a:off x="3143659" y="392427"/>
+                <a:ext cx="1610488" cy="1207866"/>
+              </a:xfrm>
+              <a:prstGeom prst="ellipse">
+                <a:avLst/>
+              </a:prstGeom>
+              <a:ln>
+                <a:noFill/>
+              </a:ln>
+              <a:effectLst>
+                <a:softEdge rad="112500"/>
+              </a:effectLst>
+            </p:spPr>
+          </p:pic>
+          <p:pic>
+            <p:nvPicPr>
+              <p:cNvPr id="12" name="Obraz 11" descr="Obraz zawierający zielony, zewnętrzne&#10;&#10;Opis wygenerowany przy bardzo wysokim poziomie pewności">
+                <a:extLst>
+                  <a:ext uri="{FF2B5EF4-FFF2-40B4-BE49-F238E27FC236}">
+                    <a16:creationId xmlns:a16="http://schemas.microsoft.com/office/drawing/2014/main" id="{F9A55201-D1B8-42E1-9B06-301610923C1F}"/>
+                  </a:ext>
+                </a:extLst>
+              </p:cNvPr>
+              <p:cNvPicPr>
+                <a:picLocks noChangeAspect="1"/>
+              </p:cNvPicPr>
+              <p:nvPr/>
+            </p:nvPicPr>
+            <p:blipFill>
+              <a:blip r:embed="rId10" cstate="print">
+                <a:extLst>
+                  <a:ext uri="{28A0092B-C50C-407E-A947-70E740481C1C}">
+                    <a14:useLocalDpi xmlns:a14="http://schemas.microsoft.com/office/drawing/2010/main" val="0"/>
+                  </a:ext>
+                </a:extLst>
+              </a:blip>
+              <a:stretch>
+                <a:fillRect/>
+              </a:stretch>
+            </p:blipFill>
+            <p:spPr>
+              <a:xfrm>
+                <a:off x="3687241" y="965008"/>
+                <a:ext cx="1610488" cy="1207866"/>
+              </a:xfrm>
+              <a:prstGeom prst="ellipse">
+                <a:avLst/>
+              </a:prstGeom>
+              <a:ln>
+                <a:noFill/>
+              </a:ln>
+              <a:effectLst>
+                <a:softEdge rad="112500"/>
+              </a:effectLst>
+            </p:spPr>
+          </p:pic>
+          <p:pic>
+            <p:nvPicPr>
+              <p:cNvPr id="13" name="Obraz 12" descr="Obraz zawierający zielony, zewnętrzne&#10;&#10;Opis wygenerowany przy bardzo wysokim poziomie pewności">
+                <a:extLst>
+                  <a:ext uri="{FF2B5EF4-FFF2-40B4-BE49-F238E27FC236}">
+                    <a16:creationId xmlns:a16="http://schemas.microsoft.com/office/drawing/2014/main" id="{2D6BAC7C-8E82-4C23-9CF9-D30DF2BEBCD8}"/>
+                  </a:ext>
+                </a:extLst>
+              </p:cNvPr>
+              <p:cNvPicPr>
+                <a:picLocks noChangeAspect="1"/>
+              </p:cNvPicPr>
+              <p:nvPr/>
+            </p:nvPicPr>
+            <p:blipFill>
+              <a:blip r:embed="rId10" cstate="print">
+                <a:extLst>
+                  <a:ext uri="{28A0092B-C50C-407E-A947-70E740481C1C}">
+                    <a14:useLocalDpi xmlns:a14="http://schemas.microsoft.com/office/drawing/2010/main" val="0"/>
+                  </a:ext>
+                </a:extLst>
+              </a:blip>
+              <a:stretch>
+                <a:fillRect/>
+              </a:stretch>
+            </p:blipFill>
+            <p:spPr>
+              <a:xfrm>
+                <a:off x="4163824" y="2193925"/>
+                <a:ext cx="1610488" cy="1207866"/>
+              </a:xfrm>
+              <a:prstGeom prst="ellipse">
+                <a:avLst/>
+              </a:prstGeom>
+              <a:ln>
+                <a:noFill/>
+              </a:ln>
+              <a:effectLst>
+                <a:softEdge rad="112500"/>
+              </a:effectLst>
+            </p:spPr>
+          </p:pic>
+          <p:pic>
+            <p:nvPicPr>
+              <p:cNvPr id="14" name="Obraz 13" descr="Obraz zawierający zielony, zewnętrzne&#10;&#10;Opis wygenerowany przy bardzo wysokim poziomie pewności">
+                <a:extLst>
+                  <a:ext uri="{FF2B5EF4-FFF2-40B4-BE49-F238E27FC236}">
+                    <a16:creationId xmlns:a16="http://schemas.microsoft.com/office/drawing/2014/main" id="{5E00A9E2-9934-44E7-8B26-46E240B95944}"/>
+                  </a:ext>
+                </a:extLst>
+              </p:cNvPr>
+              <p:cNvPicPr>
+                <a:picLocks noChangeAspect="1"/>
+              </p:cNvPicPr>
+              <p:nvPr/>
+            </p:nvPicPr>
+            <p:blipFill>
+              <a:blip r:embed="rId10" cstate="print">
+                <a:extLst>
+                  <a:ext uri="{28A0092B-C50C-407E-A947-70E740481C1C}">
+                    <a14:useLocalDpi xmlns:a14="http://schemas.microsoft.com/office/drawing/2010/main" val="0"/>
+                  </a:ext>
+                </a:extLst>
+              </a:blip>
+              <a:stretch>
+                <a:fillRect/>
+              </a:stretch>
+            </p:blipFill>
+            <p:spPr>
+              <a:xfrm>
+                <a:off x="3435922" y="1548052"/>
+                <a:ext cx="1610488" cy="1207866"/>
+              </a:xfrm>
+              <a:prstGeom prst="ellipse">
+                <a:avLst/>
+              </a:prstGeom>
+              <a:ln>
+                <a:noFill/>
+              </a:ln>
+              <a:effectLst>
+                <a:softEdge rad="112500"/>
+              </a:effectLst>
+            </p:spPr>
+          </p:pic>
+          <p:pic>
+            <p:nvPicPr>
+              <p:cNvPr id="15" name="Obraz 14" descr="Obraz zawierający zielony, zewnętrzne&#10;&#10;Opis wygenerowany przy bardzo wysokim poziomie pewności">
+                <a:extLst>
+                  <a:ext uri="{FF2B5EF4-FFF2-40B4-BE49-F238E27FC236}">
+                    <a16:creationId xmlns:a16="http://schemas.microsoft.com/office/drawing/2014/main" id="{C868D29C-E29F-4A80-885B-3F7760EB2E9D}"/>
+                  </a:ext>
+                </a:extLst>
+              </p:cNvPr>
+              <p:cNvPicPr>
+                <a:picLocks noChangeAspect="1"/>
+              </p:cNvPicPr>
+              <p:nvPr/>
+            </p:nvPicPr>
+            <p:blipFill>
+              <a:blip r:embed="rId10" cstate="print">
+                <a:extLst>
+                  <a:ext uri="{28A0092B-C50C-407E-A947-70E740481C1C}">
+                    <a14:useLocalDpi xmlns:a14="http://schemas.microsoft.com/office/drawing/2010/main" val="0"/>
+                  </a:ext>
+                </a:extLst>
+              </a:blip>
+              <a:stretch>
+                <a:fillRect/>
+              </a:stretch>
+            </p:blipFill>
+            <p:spPr>
+              <a:xfrm>
+                <a:off x="3686764" y="2238207"/>
+                <a:ext cx="1610488" cy="1207866"/>
+              </a:xfrm>
+              <a:prstGeom prst="ellipse">
+                <a:avLst/>
+              </a:prstGeom>
+              <a:ln>
+                <a:noFill/>
+              </a:ln>
+              <a:effectLst>
+                <a:softEdge rad="112500"/>
+              </a:effectLst>
+            </p:spPr>
+          </p:pic>
+          <p:pic>
+            <p:nvPicPr>
+              <p:cNvPr id="16" name="Obraz 15" descr="Obraz zawierający zielony, zewnętrzne&#10;&#10;Opis wygenerowany przy bardzo wysokim poziomie pewności">
+                <a:extLst>
+                  <a:ext uri="{FF2B5EF4-FFF2-40B4-BE49-F238E27FC236}">
+                    <a16:creationId xmlns:a16="http://schemas.microsoft.com/office/drawing/2014/main" id="{F35105A7-9738-4143-B7BE-5206A758CD9D}"/>
+                  </a:ext>
+                </a:extLst>
+              </p:cNvPr>
+              <p:cNvPicPr>
+                <a:picLocks noChangeAspect="1"/>
+              </p:cNvPicPr>
+              <p:nvPr/>
+            </p:nvPicPr>
+            <p:blipFill>
+              <a:blip r:embed="rId10" cstate="print">
+                <a:extLst>
+                  <a:ext uri="{28A0092B-C50C-407E-A947-70E740481C1C}">
+                    <a14:useLocalDpi xmlns:a14="http://schemas.microsoft.com/office/drawing/2010/main" val="0"/>
+                  </a:ext>
+                </a:extLst>
+              </a:blip>
+              <a:stretch>
+                <a:fillRect/>
+              </a:stretch>
+            </p:blipFill>
+            <p:spPr>
+              <a:xfrm>
+                <a:off x="2750213" y="658427"/>
+                <a:ext cx="1610488" cy="1207866"/>
+              </a:xfrm>
+              <a:prstGeom prst="ellipse">
+                <a:avLst/>
+              </a:prstGeom>
+              <a:ln>
+                <a:noFill/>
+              </a:ln>
+              <a:effectLst>
+                <a:softEdge rad="112500"/>
+              </a:effectLst>
+            </p:spPr>
+          </p:pic>
+          <p:pic>
+            <p:nvPicPr>
+              <p:cNvPr id="17" name="Obraz 16" descr="Obraz zawierający zielony, zewnętrzne&#10;&#10;Opis wygenerowany przy bardzo wysokim poziomie pewności">
+                <a:extLst>
+                  <a:ext uri="{FF2B5EF4-FFF2-40B4-BE49-F238E27FC236}">
+                    <a16:creationId xmlns:a16="http://schemas.microsoft.com/office/drawing/2014/main" id="{9FACBF00-BE99-4625-96F9-714DF1B89565}"/>
+                  </a:ext>
+                </a:extLst>
+              </p:cNvPr>
+              <p:cNvPicPr>
+                <a:picLocks noChangeAspect="1"/>
+              </p:cNvPicPr>
+              <p:nvPr/>
+            </p:nvPicPr>
+            <p:blipFill>
+              <a:blip r:embed="rId10" cstate="print">
+                <a:extLst>
+                  <a:ext uri="{28A0092B-C50C-407E-A947-70E740481C1C}">
+                    <a14:useLocalDpi xmlns:a14="http://schemas.microsoft.com/office/drawing/2010/main" val="0"/>
+                  </a:ext>
+                </a:extLst>
+              </a:blip>
+              <a:stretch>
+                <a:fillRect/>
+              </a:stretch>
+            </p:blipFill>
+            <p:spPr>
+              <a:xfrm>
+                <a:off x="521285" y="1072043"/>
+                <a:ext cx="1610488" cy="1207866"/>
+              </a:xfrm>
+              <a:prstGeom prst="ellipse">
+                <a:avLst/>
+              </a:prstGeom>
+              <a:ln>
+                <a:noFill/>
+              </a:ln>
+              <a:effectLst>
+                <a:softEdge rad="112500"/>
+              </a:effectLst>
+            </p:spPr>
+          </p:pic>
+          <p:pic>
+            <p:nvPicPr>
+              <p:cNvPr id="18" name="Obraz 17" descr="Obraz zawierający zielony, zewnętrzne&#10;&#10;Opis wygenerowany przy bardzo wysokim poziomie pewności">
+                <a:extLst>
+                  <a:ext uri="{FF2B5EF4-FFF2-40B4-BE49-F238E27FC236}">
+                    <a16:creationId xmlns:a16="http://schemas.microsoft.com/office/drawing/2014/main" id="{B48A409F-5740-4D45-A756-9533E6A84FD8}"/>
+                  </a:ext>
+                </a:extLst>
+              </p:cNvPr>
+              <p:cNvPicPr>
+                <a:picLocks noChangeAspect="1"/>
+              </p:cNvPicPr>
+              <p:nvPr/>
+            </p:nvPicPr>
+            <p:blipFill>
+              <a:blip r:embed="rId10" cstate="print">
+                <a:extLst>
+                  <a:ext uri="{28A0092B-C50C-407E-A947-70E740481C1C}">
+                    <a14:useLocalDpi xmlns:a14="http://schemas.microsoft.com/office/drawing/2010/main" val="0"/>
+                  </a:ext>
+                </a:extLst>
+              </a:blip>
+              <a:stretch>
+                <a:fillRect/>
+              </a:stretch>
+            </p:blipFill>
+            <p:spPr>
+              <a:xfrm>
+                <a:off x="-33225" y="2089302"/>
+                <a:ext cx="1610488" cy="1207866"/>
+              </a:xfrm>
+              <a:prstGeom prst="ellipse">
+                <a:avLst/>
+              </a:prstGeom>
+              <a:ln>
+                <a:noFill/>
+              </a:ln>
+              <a:effectLst>
+                <a:softEdge rad="112500"/>
+              </a:effectLst>
+            </p:spPr>
+          </p:pic>
+          <p:pic>
+            <p:nvPicPr>
+              <p:cNvPr id="19" name="Obraz 18" descr="Obraz zawierający zielony, zewnętrzne&#10;&#10;Opis wygenerowany przy bardzo wysokim poziomie pewności">
+                <a:extLst>
+                  <a:ext uri="{FF2B5EF4-FFF2-40B4-BE49-F238E27FC236}">
+                    <a16:creationId xmlns:a16="http://schemas.microsoft.com/office/drawing/2014/main" id="{93F1B0C0-C327-4286-A032-DD8557305241}"/>
+                  </a:ext>
+                </a:extLst>
+              </p:cNvPr>
+              <p:cNvPicPr>
+                <a:picLocks noChangeAspect="1"/>
+              </p:cNvPicPr>
+              <p:nvPr/>
+            </p:nvPicPr>
+            <p:blipFill>
+              <a:blip r:embed="rId10" cstate="print">
+                <a:extLst>
+                  <a:ext uri="{28A0092B-C50C-407E-A947-70E740481C1C}">
+                    <a14:useLocalDpi xmlns:a14="http://schemas.microsoft.com/office/drawing/2010/main" val="0"/>
+                  </a:ext>
+                </a:extLst>
+              </a:blip>
+              <a:stretch>
+                <a:fillRect/>
+              </a:stretch>
+            </p:blipFill>
+            <p:spPr>
+              <a:xfrm>
+                <a:off x="374454" y="2746536"/>
+                <a:ext cx="1610488" cy="1207866"/>
+              </a:xfrm>
+              <a:prstGeom prst="ellipse">
+                <a:avLst/>
+              </a:prstGeom>
+              <a:ln>
+                <a:noFill/>
+              </a:ln>
+              <a:effectLst>
+                <a:softEdge rad="112500"/>
+              </a:effectLst>
+            </p:spPr>
+          </p:pic>
+        </p:grpSp>
+        <p:pic>
+          <p:nvPicPr>
+            <p:cNvPr id="21" name="Obraz 20" descr="Obraz zawierający zielony, zewnętrzne&#10;&#10;Opis wygenerowany przy bardzo wysokim poziomie pewności">
+              <a:extLst>
+                <a:ext uri="{FF2B5EF4-FFF2-40B4-BE49-F238E27FC236}">
+                  <a16:creationId xmlns:a16="http://schemas.microsoft.com/office/drawing/2014/main" id="{3AAB8070-33E4-4822-96B4-6E7E653F3B8F}"/>
+                </a:ext>
+              </a:extLst>
+            </p:cNvPr>
+            <p:cNvPicPr>
+              <a:picLocks noChangeAspect="1"/>
+            </p:cNvPicPr>
+            <p:nvPr/>
+          </p:nvPicPr>
+          <p:blipFill>
+            <a:blip r:embed="rId10" cstate="print">
+              <a:extLst>
+                <a:ext uri="{28A0092B-C50C-407E-A947-70E740481C1C}">
+                  <a14:useLocalDpi xmlns:a14="http://schemas.microsoft.com/office/drawing/2010/main" val="0"/>
+                </a:ext>
+              </a:extLst>
+            </a:blip>
+            <a:stretch>
+              <a:fillRect/>
+            </a:stretch>
+          </p:blipFill>
+          <p:spPr>
+            <a:xfrm>
+              <a:off x="1577371" y="1229674"/>
+              <a:ext cx="1610488" cy="1207866"/>
+            </a:xfrm>
+            <a:prstGeom prst="ellipse">
+              <a:avLst/>
+            </a:prstGeom>
+            <a:ln>
+              <a:noFill/>
+            </a:ln>
+            <a:effectLst>
+              <a:softEdge rad="112500"/>
+            </a:effectLst>
+          </p:spPr>
+        </p:pic>
+        <p:pic>
+          <p:nvPicPr>
+            <p:cNvPr id="22" name="Obraz 21" descr="Obraz zawierający zielony, zewnętrzne&#10;&#10;Opis wygenerowany przy bardzo wysokim poziomie pewności">
+              <a:extLst>
+                <a:ext uri="{FF2B5EF4-FFF2-40B4-BE49-F238E27FC236}">
+                  <a16:creationId xmlns:a16="http://schemas.microsoft.com/office/drawing/2014/main" id="{64527F53-1C57-4F3D-839A-3E99DF0B545A}"/>
+                </a:ext>
+              </a:extLst>
+            </p:cNvPr>
+            <p:cNvPicPr>
+              <a:picLocks noChangeAspect="1"/>
+            </p:cNvPicPr>
+            <p:nvPr/>
+          </p:nvPicPr>
+          <p:blipFill>
+            <a:blip r:embed="rId10" cstate="print">
+              <a:extLst>
+                <a:ext uri="{28A0092B-C50C-407E-A947-70E740481C1C}">
+                  <a14:useLocalDpi xmlns:a14="http://schemas.microsoft.com/office/drawing/2010/main" val="0"/>
+                </a:ext>
+              </a:extLst>
+            </a:blip>
+            <a:stretch>
+              <a:fillRect/>
+            </a:stretch>
+          </p:blipFill>
+          <p:spPr>
+            <a:xfrm>
+              <a:off x="2546231" y="1483001"/>
+              <a:ext cx="1610488" cy="1207866"/>
+            </a:xfrm>
+            <a:prstGeom prst="ellipse">
+              <a:avLst/>
+            </a:prstGeom>
+            <a:ln>
+              <a:noFill/>
+            </a:ln>
+            <a:effectLst>
+              <a:softEdge rad="112500"/>
+            </a:effectLst>
+          </p:spPr>
+        </p:pic>
+        <p:pic>
+          <p:nvPicPr>
+            <p:cNvPr id="23" name="Obraz 22" descr="Obraz zawierający zielony, zewnętrzne&#10;&#10;Opis wygenerowany przy bardzo wysokim poziomie pewności">
+              <a:extLst>
+                <a:ext uri="{FF2B5EF4-FFF2-40B4-BE49-F238E27FC236}">
+                  <a16:creationId xmlns:a16="http://schemas.microsoft.com/office/drawing/2014/main" id="{F7B15814-E0F5-43FB-B62D-6040894091C8}"/>
+                </a:ext>
+              </a:extLst>
+            </p:cNvPr>
+            <p:cNvPicPr>
+              <a:picLocks noChangeAspect="1"/>
+            </p:cNvPicPr>
+            <p:nvPr/>
+          </p:nvPicPr>
+          <p:blipFill>
+            <a:blip r:embed="rId10" cstate="print">
+              <a:extLst>
+                <a:ext uri="{28A0092B-C50C-407E-A947-70E740481C1C}">
+                  <a14:useLocalDpi xmlns:a14="http://schemas.microsoft.com/office/drawing/2010/main" val="0"/>
+                </a:ext>
+              </a:extLst>
+            </a:blip>
+            <a:stretch>
+              <a:fillRect/>
+            </a:stretch>
+          </p:blipFill>
+          <p:spPr>
+            <a:xfrm>
+              <a:off x="2721655" y="2024928"/>
+              <a:ext cx="1610488" cy="1207866"/>
+            </a:xfrm>
+            <a:prstGeom prst="ellipse">
+              <a:avLst/>
+            </a:prstGeom>
+            <a:ln>
+              <a:noFill/>
+            </a:ln>
+            <a:effectLst>
+              <a:softEdge rad="112500"/>
+            </a:effectLst>
+          </p:spPr>
+        </p:pic>
+      </p:grpSp>
     </p:spTree>
     <p:extLst>
       <p:ext uri="{BB962C8B-B14F-4D97-AF65-F5344CB8AC3E}">
-        <p14:creationId xmlns:p14="http://schemas.microsoft.com/office/powerpoint/2010/main" val="3927382586"/>
+        <p14:creationId xmlns:p14="http://schemas.microsoft.com/office/powerpoint/2010/main" val="3664543454"/>
       </p:ext>
     </p:extLst>
   </p:cSld>
@@ -33027,10 +37506,640 @@
           </a:graphicData>
         </a:graphic>
       </p:graphicFrame>
+      <p:grpSp>
+        <p:nvGrpSpPr>
+          <p:cNvPr id="25" name="Grupa 24">
+            <a:extLst>
+              <a:ext uri="{FF2B5EF4-FFF2-40B4-BE49-F238E27FC236}">
+                <a16:creationId xmlns:a16="http://schemas.microsoft.com/office/drawing/2014/main" id="{35C0928F-6285-4696-AD72-AA2C52E4C8A4}"/>
+              </a:ext>
+            </a:extLst>
+          </p:cNvPr>
+          <p:cNvGrpSpPr/>
+          <p:nvPr/>
+        </p:nvGrpSpPr>
+        <p:grpSpPr>
+          <a:xfrm>
+            <a:off x="521285" y="35196"/>
+            <a:ext cx="5253027" cy="3410877"/>
+            <a:chOff x="521285" y="35196"/>
+            <a:chExt cx="5253027" cy="3410877"/>
+          </a:xfrm>
+        </p:grpSpPr>
+        <p:grpSp>
+          <p:nvGrpSpPr>
+            <p:cNvPr id="26" name="Grupa 25">
+              <a:extLst>
+                <a:ext uri="{FF2B5EF4-FFF2-40B4-BE49-F238E27FC236}">
+                  <a16:creationId xmlns:a16="http://schemas.microsoft.com/office/drawing/2014/main" id="{EB2DC085-0111-4415-B958-A43ABA01A860}"/>
+                </a:ext>
+              </a:extLst>
+            </p:cNvPr>
+            <p:cNvGrpSpPr/>
+            <p:nvPr/>
+          </p:nvGrpSpPr>
+          <p:grpSpPr>
+            <a:xfrm>
+              <a:off x="521285" y="35196"/>
+              <a:ext cx="5253027" cy="3410877"/>
+              <a:chOff x="521285" y="35196"/>
+              <a:chExt cx="5253027" cy="3410877"/>
+            </a:xfrm>
+          </p:grpSpPr>
+          <p:pic>
+            <p:nvPicPr>
+              <p:cNvPr id="30" name="Obraz 29" descr="Obraz zawierający zielony, zewnętrzne&#10;&#10;Opis wygenerowany przy bardzo wysokim poziomie pewności">
+                <a:extLst>
+                  <a:ext uri="{FF2B5EF4-FFF2-40B4-BE49-F238E27FC236}">
+                    <a16:creationId xmlns:a16="http://schemas.microsoft.com/office/drawing/2014/main" id="{87235B61-289C-4419-B29D-973C5BB636DE}"/>
+                  </a:ext>
+                </a:extLst>
+              </p:cNvPr>
+              <p:cNvPicPr>
+                <a:picLocks noChangeAspect="1"/>
+              </p:cNvPicPr>
+              <p:nvPr/>
+            </p:nvPicPr>
+            <p:blipFill>
+              <a:blip r:embed="rId10" cstate="print">
+                <a:extLst>
+                  <a:ext uri="{28A0092B-C50C-407E-A947-70E740481C1C}">
+                    <a14:useLocalDpi xmlns:a14="http://schemas.microsoft.com/office/drawing/2010/main" val="0"/>
+                  </a:ext>
+                </a:extLst>
+              </a:blip>
+              <a:stretch>
+                <a:fillRect/>
+              </a:stretch>
+            </p:blipFill>
+            <p:spPr>
+              <a:xfrm>
+                <a:off x="850390" y="92130"/>
+                <a:ext cx="1610488" cy="1207866"/>
+              </a:xfrm>
+              <a:prstGeom prst="ellipse">
+                <a:avLst/>
+              </a:prstGeom>
+              <a:ln>
+                <a:noFill/>
+              </a:ln>
+              <a:effectLst>
+                <a:softEdge rad="112500"/>
+              </a:effectLst>
+            </p:spPr>
+          </p:pic>
+          <p:pic>
+            <p:nvPicPr>
+              <p:cNvPr id="31" name="Obraz 30" descr="Obraz zawierający zielony, zewnętrzne&#10;&#10;Opis wygenerowany przy bardzo wysokim poziomie pewności">
+                <a:extLst>
+                  <a:ext uri="{FF2B5EF4-FFF2-40B4-BE49-F238E27FC236}">
+                    <a16:creationId xmlns:a16="http://schemas.microsoft.com/office/drawing/2014/main" id="{4B597D7F-B288-415C-91FA-82E7510570D2}"/>
+                  </a:ext>
+                </a:extLst>
+              </p:cNvPr>
+              <p:cNvPicPr>
+                <a:picLocks noChangeAspect="1"/>
+              </p:cNvPicPr>
+              <p:nvPr/>
+            </p:nvPicPr>
+            <p:blipFill>
+              <a:blip r:embed="rId10" cstate="print">
+                <a:extLst>
+                  <a:ext uri="{28A0092B-C50C-407E-A947-70E740481C1C}">
+                    <a14:useLocalDpi xmlns:a14="http://schemas.microsoft.com/office/drawing/2010/main" val="0"/>
+                  </a:ext>
+                </a:extLst>
+              </a:blip>
+              <a:stretch>
+                <a:fillRect/>
+              </a:stretch>
+            </p:blipFill>
+            <p:spPr>
+              <a:xfrm>
+                <a:off x="1295716" y="679478"/>
+                <a:ext cx="1610488" cy="1207866"/>
+              </a:xfrm>
+              <a:prstGeom prst="ellipse">
+                <a:avLst/>
+              </a:prstGeom>
+              <a:ln>
+                <a:noFill/>
+              </a:ln>
+              <a:effectLst>
+                <a:softEdge rad="112500"/>
+              </a:effectLst>
+            </p:spPr>
+          </p:pic>
+          <p:pic>
+            <p:nvPicPr>
+              <p:cNvPr id="32" name="Obraz 31" descr="Obraz zawierający zielony, zewnętrzne&#10;&#10;Opis wygenerowany przy bardzo wysokim poziomie pewności">
+                <a:extLst>
+                  <a:ext uri="{FF2B5EF4-FFF2-40B4-BE49-F238E27FC236}">
+                    <a16:creationId xmlns:a16="http://schemas.microsoft.com/office/drawing/2014/main" id="{A4F0CB6E-BCAF-4F39-84D6-22031E9F7F50}"/>
+                  </a:ext>
+                </a:extLst>
+              </p:cNvPr>
+              <p:cNvPicPr>
+                <a:picLocks noChangeAspect="1"/>
+              </p:cNvPicPr>
+              <p:nvPr/>
+            </p:nvPicPr>
+            <p:blipFill>
+              <a:blip r:embed="rId10" cstate="print">
+                <a:extLst>
+                  <a:ext uri="{28A0092B-C50C-407E-A947-70E740481C1C}">
+                    <a14:useLocalDpi xmlns:a14="http://schemas.microsoft.com/office/drawing/2010/main" val="0"/>
+                  </a:ext>
+                </a:extLst>
+              </a:blip>
+              <a:stretch>
+                <a:fillRect/>
+              </a:stretch>
+            </p:blipFill>
+            <p:spPr>
+              <a:xfrm>
+                <a:off x="2436671" y="35196"/>
+                <a:ext cx="1610488" cy="1207866"/>
+              </a:xfrm>
+              <a:prstGeom prst="ellipse">
+                <a:avLst/>
+              </a:prstGeom>
+              <a:ln>
+                <a:noFill/>
+              </a:ln>
+              <a:effectLst>
+                <a:softEdge rad="112500"/>
+              </a:effectLst>
+            </p:spPr>
+          </p:pic>
+          <p:pic>
+            <p:nvPicPr>
+              <p:cNvPr id="33" name="Obraz 32" descr="Obraz zawierający zielony, zewnętrzne&#10;&#10;Opis wygenerowany przy bardzo wysokim poziomie pewności">
+                <a:extLst>
+                  <a:ext uri="{FF2B5EF4-FFF2-40B4-BE49-F238E27FC236}">
+                    <a16:creationId xmlns:a16="http://schemas.microsoft.com/office/drawing/2014/main" id="{DC422F6E-9DF1-4BFD-8942-3858166B9CF9}"/>
+                  </a:ext>
+                </a:extLst>
+              </p:cNvPr>
+              <p:cNvPicPr>
+                <a:picLocks noChangeAspect="1"/>
+              </p:cNvPicPr>
+              <p:nvPr/>
+            </p:nvPicPr>
+            <p:blipFill>
+              <a:blip r:embed="rId10" cstate="print">
+                <a:extLst>
+                  <a:ext uri="{28A0092B-C50C-407E-A947-70E740481C1C}">
+                    <a14:useLocalDpi xmlns:a14="http://schemas.microsoft.com/office/drawing/2010/main" val="0"/>
+                  </a:ext>
+                </a:extLst>
+              </a:blip>
+              <a:stretch>
+                <a:fillRect/>
+              </a:stretch>
+            </p:blipFill>
+            <p:spPr>
+              <a:xfrm>
+                <a:off x="3143659" y="392427"/>
+                <a:ext cx="1610488" cy="1207866"/>
+              </a:xfrm>
+              <a:prstGeom prst="ellipse">
+                <a:avLst/>
+              </a:prstGeom>
+              <a:ln>
+                <a:noFill/>
+              </a:ln>
+              <a:effectLst>
+                <a:softEdge rad="112500"/>
+              </a:effectLst>
+            </p:spPr>
+          </p:pic>
+          <p:pic>
+            <p:nvPicPr>
+              <p:cNvPr id="34" name="Obraz 33" descr="Obraz zawierający zielony, zewnętrzne&#10;&#10;Opis wygenerowany przy bardzo wysokim poziomie pewności">
+                <a:extLst>
+                  <a:ext uri="{FF2B5EF4-FFF2-40B4-BE49-F238E27FC236}">
+                    <a16:creationId xmlns:a16="http://schemas.microsoft.com/office/drawing/2014/main" id="{F44FDA40-8540-4631-8901-4F581DB04219}"/>
+                  </a:ext>
+                </a:extLst>
+              </p:cNvPr>
+              <p:cNvPicPr>
+                <a:picLocks noChangeAspect="1"/>
+              </p:cNvPicPr>
+              <p:nvPr/>
+            </p:nvPicPr>
+            <p:blipFill>
+              <a:blip r:embed="rId10" cstate="print">
+                <a:extLst>
+                  <a:ext uri="{28A0092B-C50C-407E-A947-70E740481C1C}">
+                    <a14:useLocalDpi xmlns:a14="http://schemas.microsoft.com/office/drawing/2010/main" val="0"/>
+                  </a:ext>
+                </a:extLst>
+              </a:blip>
+              <a:stretch>
+                <a:fillRect/>
+              </a:stretch>
+            </p:blipFill>
+            <p:spPr>
+              <a:xfrm>
+                <a:off x="3687241" y="965008"/>
+                <a:ext cx="1610488" cy="1207866"/>
+              </a:xfrm>
+              <a:prstGeom prst="ellipse">
+                <a:avLst/>
+              </a:prstGeom>
+              <a:ln>
+                <a:noFill/>
+              </a:ln>
+              <a:effectLst>
+                <a:softEdge rad="112500"/>
+              </a:effectLst>
+            </p:spPr>
+          </p:pic>
+          <p:pic>
+            <p:nvPicPr>
+              <p:cNvPr id="35" name="Obraz 34" descr="Obraz zawierający zielony, zewnętrzne&#10;&#10;Opis wygenerowany przy bardzo wysokim poziomie pewności">
+                <a:extLst>
+                  <a:ext uri="{FF2B5EF4-FFF2-40B4-BE49-F238E27FC236}">
+                    <a16:creationId xmlns:a16="http://schemas.microsoft.com/office/drawing/2014/main" id="{3515670E-00FB-412F-9676-8B6BD2A04649}"/>
+                  </a:ext>
+                </a:extLst>
+              </p:cNvPr>
+              <p:cNvPicPr>
+                <a:picLocks noChangeAspect="1"/>
+              </p:cNvPicPr>
+              <p:nvPr/>
+            </p:nvPicPr>
+            <p:blipFill>
+              <a:blip r:embed="rId10" cstate="print">
+                <a:extLst>
+                  <a:ext uri="{28A0092B-C50C-407E-A947-70E740481C1C}">
+                    <a14:useLocalDpi xmlns:a14="http://schemas.microsoft.com/office/drawing/2010/main" val="0"/>
+                  </a:ext>
+                </a:extLst>
+              </a:blip>
+              <a:stretch>
+                <a:fillRect/>
+              </a:stretch>
+            </p:blipFill>
+            <p:spPr>
+              <a:xfrm>
+                <a:off x="4163824" y="2193925"/>
+                <a:ext cx="1610488" cy="1207866"/>
+              </a:xfrm>
+              <a:prstGeom prst="ellipse">
+                <a:avLst/>
+              </a:prstGeom>
+              <a:ln>
+                <a:noFill/>
+              </a:ln>
+              <a:effectLst>
+                <a:softEdge rad="112500"/>
+              </a:effectLst>
+            </p:spPr>
+          </p:pic>
+          <p:pic>
+            <p:nvPicPr>
+              <p:cNvPr id="36" name="Obraz 35" descr="Obraz zawierający zielony, zewnętrzne&#10;&#10;Opis wygenerowany przy bardzo wysokim poziomie pewności">
+                <a:extLst>
+                  <a:ext uri="{FF2B5EF4-FFF2-40B4-BE49-F238E27FC236}">
+                    <a16:creationId xmlns:a16="http://schemas.microsoft.com/office/drawing/2014/main" id="{081940E8-27F2-4DE9-A437-5F9A5BBB2812}"/>
+                  </a:ext>
+                </a:extLst>
+              </p:cNvPr>
+              <p:cNvPicPr>
+                <a:picLocks noChangeAspect="1"/>
+              </p:cNvPicPr>
+              <p:nvPr/>
+            </p:nvPicPr>
+            <p:blipFill>
+              <a:blip r:embed="rId10" cstate="print">
+                <a:extLst>
+                  <a:ext uri="{28A0092B-C50C-407E-A947-70E740481C1C}">
+                    <a14:useLocalDpi xmlns:a14="http://schemas.microsoft.com/office/drawing/2010/main" val="0"/>
+                  </a:ext>
+                </a:extLst>
+              </a:blip>
+              <a:stretch>
+                <a:fillRect/>
+              </a:stretch>
+            </p:blipFill>
+            <p:spPr>
+              <a:xfrm>
+                <a:off x="3435922" y="1548052"/>
+                <a:ext cx="1610488" cy="1207866"/>
+              </a:xfrm>
+              <a:prstGeom prst="ellipse">
+                <a:avLst/>
+              </a:prstGeom>
+              <a:ln>
+                <a:noFill/>
+              </a:ln>
+              <a:effectLst>
+                <a:softEdge rad="112500"/>
+              </a:effectLst>
+            </p:spPr>
+          </p:pic>
+          <p:pic>
+            <p:nvPicPr>
+              <p:cNvPr id="37" name="Obraz 36" descr="Obraz zawierający zielony, zewnętrzne&#10;&#10;Opis wygenerowany przy bardzo wysokim poziomie pewności">
+                <a:extLst>
+                  <a:ext uri="{FF2B5EF4-FFF2-40B4-BE49-F238E27FC236}">
+                    <a16:creationId xmlns:a16="http://schemas.microsoft.com/office/drawing/2014/main" id="{CDEA4482-AEA3-4749-BEDC-9B6660C7F05F}"/>
+                  </a:ext>
+                </a:extLst>
+              </p:cNvPr>
+              <p:cNvPicPr>
+                <a:picLocks noChangeAspect="1"/>
+              </p:cNvPicPr>
+              <p:nvPr/>
+            </p:nvPicPr>
+            <p:blipFill>
+              <a:blip r:embed="rId10" cstate="print">
+                <a:extLst>
+                  <a:ext uri="{28A0092B-C50C-407E-A947-70E740481C1C}">
+                    <a14:useLocalDpi xmlns:a14="http://schemas.microsoft.com/office/drawing/2010/main" val="0"/>
+                  </a:ext>
+                </a:extLst>
+              </a:blip>
+              <a:stretch>
+                <a:fillRect/>
+              </a:stretch>
+            </p:blipFill>
+            <p:spPr>
+              <a:xfrm>
+                <a:off x="3686764" y="2238207"/>
+                <a:ext cx="1610488" cy="1207866"/>
+              </a:xfrm>
+              <a:prstGeom prst="ellipse">
+                <a:avLst/>
+              </a:prstGeom>
+              <a:ln>
+                <a:noFill/>
+              </a:ln>
+              <a:effectLst>
+                <a:softEdge rad="112500"/>
+              </a:effectLst>
+            </p:spPr>
+          </p:pic>
+          <p:pic>
+            <p:nvPicPr>
+              <p:cNvPr id="38" name="Obraz 37" descr="Obraz zawierający zielony, zewnętrzne&#10;&#10;Opis wygenerowany przy bardzo wysokim poziomie pewności">
+                <a:extLst>
+                  <a:ext uri="{FF2B5EF4-FFF2-40B4-BE49-F238E27FC236}">
+                    <a16:creationId xmlns:a16="http://schemas.microsoft.com/office/drawing/2014/main" id="{FC4D66DC-4A35-4D16-9BC8-F58247096035}"/>
+                  </a:ext>
+                </a:extLst>
+              </p:cNvPr>
+              <p:cNvPicPr>
+                <a:picLocks noChangeAspect="1"/>
+              </p:cNvPicPr>
+              <p:nvPr/>
+            </p:nvPicPr>
+            <p:blipFill>
+              <a:blip r:embed="rId10" cstate="print">
+                <a:extLst>
+                  <a:ext uri="{28A0092B-C50C-407E-A947-70E740481C1C}">
+                    <a14:useLocalDpi xmlns:a14="http://schemas.microsoft.com/office/drawing/2010/main" val="0"/>
+                  </a:ext>
+                </a:extLst>
+              </a:blip>
+              <a:stretch>
+                <a:fillRect/>
+              </a:stretch>
+            </p:blipFill>
+            <p:spPr>
+              <a:xfrm>
+                <a:off x="2750213" y="658427"/>
+                <a:ext cx="1610488" cy="1207866"/>
+              </a:xfrm>
+              <a:prstGeom prst="ellipse">
+                <a:avLst/>
+              </a:prstGeom>
+              <a:ln>
+                <a:noFill/>
+              </a:ln>
+              <a:effectLst>
+                <a:softEdge rad="112500"/>
+              </a:effectLst>
+            </p:spPr>
+          </p:pic>
+          <p:pic>
+            <p:nvPicPr>
+              <p:cNvPr id="39" name="Obraz 38" descr="Obraz zawierający zielony, zewnętrzne&#10;&#10;Opis wygenerowany przy bardzo wysokim poziomie pewności">
+                <a:extLst>
+                  <a:ext uri="{FF2B5EF4-FFF2-40B4-BE49-F238E27FC236}">
+                    <a16:creationId xmlns:a16="http://schemas.microsoft.com/office/drawing/2014/main" id="{FA60D32E-3AEA-4DF6-8BAE-0792D71E2188}"/>
+                  </a:ext>
+                </a:extLst>
+              </p:cNvPr>
+              <p:cNvPicPr>
+                <a:picLocks noChangeAspect="1"/>
+              </p:cNvPicPr>
+              <p:nvPr/>
+            </p:nvPicPr>
+            <p:blipFill>
+              <a:blip r:embed="rId10" cstate="print">
+                <a:extLst>
+                  <a:ext uri="{28A0092B-C50C-407E-A947-70E740481C1C}">
+                    <a14:useLocalDpi xmlns:a14="http://schemas.microsoft.com/office/drawing/2010/main" val="0"/>
+                  </a:ext>
+                </a:extLst>
+              </a:blip>
+              <a:stretch>
+                <a:fillRect/>
+              </a:stretch>
+            </p:blipFill>
+            <p:spPr>
+              <a:xfrm>
+                <a:off x="521285" y="1072043"/>
+                <a:ext cx="1610488" cy="1207866"/>
+              </a:xfrm>
+              <a:prstGeom prst="ellipse">
+                <a:avLst/>
+              </a:prstGeom>
+              <a:ln>
+                <a:noFill/>
+              </a:ln>
+              <a:effectLst>
+                <a:softEdge rad="112500"/>
+              </a:effectLst>
+            </p:spPr>
+          </p:pic>
+          <p:pic>
+            <p:nvPicPr>
+              <p:cNvPr id="40" name="Obraz 39" descr="Obraz zawierający zielony, zewnętrzne&#10;&#10;Opis wygenerowany przy bardzo wysokim poziomie pewności">
+                <a:extLst>
+                  <a:ext uri="{FF2B5EF4-FFF2-40B4-BE49-F238E27FC236}">
+                    <a16:creationId xmlns:a16="http://schemas.microsoft.com/office/drawing/2014/main" id="{21892EBD-C4DD-47F3-ADBF-D8AB1292CDD0}"/>
+                  </a:ext>
+                </a:extLst>
+              </p:cNvPr>
+              <p:cNvPicPr>
+                <a:picLocks noChangeAspect="1"/>
+              </p:cNvPicPr>
+              <p:nvPr/>
+            </p:nvPicPr>
+            <p:blipFill>
+              <a:blip r:embed="rId10" cstate="print">
+                <a:extLst>
+                  <a:ext uri="{28A0092B-C50C-407E-A947-70E740481C1C}">
+                    <a14:useLocalDpi xmlns:a14="http://schemas.microsoft.com/office/drawing/2010/main" val="0"/>
+                  </a:ext>
+                </a:extLst>
+              </a:blip>
+              <a:stretch>
+                <a:fillRect/>
+              </a:stretch>
+            </p:blipFill>
+            <p:spPr>
+              <a:xfrm>
+                <a:off x="716964" y="1494315"/>
+                <a:ext cx="1610488" cy="1207866"/>
+              </a:xfrm>
+              <a:prstGeom prst="ellipse">
+                <a:avLst/>
+              </a:prstGeom>
+              <a:ln>
+                <a:noFill/>
+              </a:ln>
+              <a:effectLst>
+                <a:softEdge rad="112500"/>
+              </a:effectLst>
+            </p:spPr>
+          </p:pic>
+        </p:grpSp>
+        <p:pic>
+          <p:nvPicPr>
+            <p:cNvPr id="27" name="Obraz 26" descr="Obraz zawierający zielony, zewnętrzne&#10;&#10;Opis wygenerowany przy bardzo wysokim poziomie pewności">
+              <a:extLst>
+                <a:ext uri="{FF2B5EF4-FFF2-40B4-BE49-F238E27FC236}">
+                  <a16:creationId xmlns:a16="http://schemas.microsoft.com/office/drawing/2014/main" id="{7C7BAD24-CC79-4922-BEF9-3FF95C08951F}"/>
+                </a:ext>
+              </a:extLst>
+            </p:cNvPr>
+            <p:cNvPicPr>
+              <a:picLocks noChangeAspect="1"/>
+            </p:cNvPicPr>
+            <p:nvPr/>
+          </p:nvPicPr>
+          <p:blipFill>
+            <a:blip r:embed="rId10" cstate="print">
+              <a:extLst>
+                <a:ext uri="{28A0092B-C50C-407E-A947-70E740481C1C}">
+                  <a14:useLocalDpi xmlns:a14="http://schemas.microsoft.com/office/drawing/2010/main" val="0"/>
+                </a:ext>
+              </a:extLst>
+            </a:blip>
+            <a:stretch>
+              <a:fillRect/>
+            </a:stretch>
+          </p:blipFill>
+          <p:spPr>
+            <a:xfrm>
+              <a:off x="1577371" y="1229674"/>
+              <a:ext cx="1610488" cy="1207866"/>
+            </a:xfrm>
+            <a:prstGeom prst="ellipse">
+              <a:avLst/>
+            </a:prstGeom>
+            <a:ln>
+              <a:noFill/>
+            </a:ln>
+            <a:effectLst>
+              <a:softEdge rad="112500"/>
+            </a:effectLst>
+          </p:spPr>
+        </p:pic>
+        <p:pic>
+          <p:nvPicPr>
+            <p:cNvPr id="28" name="Obraz 27" descr="Obraz zawierający zielony, zewnętrzne&#10;&#10;Opis wygenerowany przy bardzo wysokim poziomie pewności">
+              <a:extLst>
+                <a:ext uri="{FF2B5EF4-FFF2-40B4-BE49-F238E27FC236}">
+                  <a16:creationId xmlns:a16="http://schemas.microsoft.com/office/drawing/2014/main" id="{C73BBCB8-FFEF-4990-B647-5024C9CE7E69}"/>
+                </a:ext>
+              </a:extLst>
+            </p:cNvPr>
+            <p:cNvPicPr>
+              <a:picLocks noChangeAspect="1"/>
+            </p:cNvPicPr>
+            <p:nvPr/>
+          </p:nvPicPr>
+          <p:blipFill>
+            <a:blip r:embed="rId10" cstate="print">
+              <a:extLst>
+                <a:ext uri="{28A0092B-C50C-407E-A947-70E740481C1C}">
+                  <a14:useLocalDpi xmlns:a14="http://schemas.microsoft.com/office/drawing/2010/main" val="0"/>
+                </a:ext>
+              </a:extLst>
+            </a:blip>
+            <a:stretch>
+              <a:fillRect/>
+            </a:stretch>
+          </p:blipFill>
+          <p:spPr>
+            <a:xfrm>
+              <a:off x="2546231" y="1483001"/>
+              <a:ext cx="1610488" cy="1207866"/>
+            </a:xfrm>
+            <a:prstGeom prst="ellipse">
+              <a:avLst/>
+            </a:prstGeom>
+            <a:ln>
+              <a:noFill/>
+            </a:ln>
+            <a:effectLst>
+              <a:softEdge rad="112500"/>
+            </a:effectLst>
+          </p:spPr>
+        </p:pic>
+        <p:pic>
+          <p:nvPicPr>
+            <p:cNvPr id="29" name="Obraz 28" descr="Obraz zawierający zielony, zewnętrzne&#10;&#10;Opis wygenerowany przy bardzo wysokim poziomie pewności">
+              <a:extLst>
+                <a:ext uri="{FF2B5EF4-FFF2-40B4-BE49-F238E27FC236}">
+                  <a16:creationId xmlns:a16="http://schemas.microsoft.com/office/drawing/2014/main" id="{456E5B90-1962-443D-B1EC-510B51157896}"/>
+                </a:ext>
+              </a:extLst>
+            </p:cNvPr>
+            <p:cNvPicPr>
+              <a:picLocks noChangeAspect="1"/>
+            </p:cNvPicPr>
+            <p:nvPr/>
+          </p:nvPicPr>
+          <p:blipFill>
+            <a:blip r:embed="rId10" cstate="print">
+              <a:extLst>
+                <a:ext uri="{28A0092B-C50C-407E-A947-70E740481C1C}">
+                  <a14:useLocalDpi xmlns:a14="http://schemas.microsoft.com/office/drawing/2010/main" val="0"/>
+                </a:ext>
+              </a:extLst>
+            </a:blip>
+            <a:stretch>
+              <a:fillRect/>
+            </a:stretch>
+          </p:blipFill>
+          <p:spPr>
+            <a:xfrm>
+              <a:off x="2721655" y="2024928"/>
+              <a:ext cx="1610488" cy="1207866"/>
+            </a:xfrm>
+            <a:prstGeom prst="ellipse">
+              <a:avLst/>
+            </a:prstGeom>
+            <a:ln>
+              <a:noFill/>
+            </a:ln>
+            <a:effectLst>
+              <a:softEdge rad="112500"/>
+            </a:effectLst>
+          </p:spPr>
+        </p:pic>
+      </p:grpSp>
     </p:spTree>
     <p:extLst>
       <p:ext uri="{BB962C8B-B14F-4D97-AF65-F5344CB8AC3E}">
-        <p14:creationId xmlns:p14="http://schemas.microsoft.com/office/powerpoint/2010/main" val="2471076051"/>
+        <p14:creationId xmlns:p14="http://schemas.microsoft.com/office/powerpoint/2010/main" val="1290150659"/>
       </p:ext>
     </p:extLst>
   </p:cSld>
@@ -33095,42 +38204,6 @@
       </p:pic>
       <p:pic>
         <p:nvPicPr>
-          <p:cNvPr id="3" name="Obraz 2">
-            <a:extLst>
-              <a:ext uri="{FF2B5EF4-FFF2-40B4-BE49-F238E27FC236}">
-                <a16:creationId xmlns:a16="http://schemas.microsoft.com/office/drawing/2014/main" id="{2E4AEA45-6689-4C17-A99C-2B596812B1A3}"/>
-              </a:ext>
-            </a:extLst>
-          </p:cNvPr>
-          <p:cNvPicPr>
-            <a:picLocks noChangeAspect="1"/>
-          </p:cNvPicPr>
-          <p:nvPr/>
-        </p:nvPicPr>
-        <p:blipFill>
-          <a:blip r:embed="rId3" cstate="print">
-            <a:extLst>
-              <a:ext uri="{28A0092B-C50C-407E-A947-70E740481C1C}">
-                <a14:useLocalDpi xmlns:a14="http://schemas.microsoft.com/office/drawing/2010/main" val="0"/>
-              </a:ext>
-            </a:extLst>
-          </a:blip>
-          <a:stretch>
-            <a:fillRect/>
-          </a:stretch>
-        </p:blipFill>
-        <p:spPr>
-          <a:xfrm rot="20609466" flipH="1">
-            <a:off x="4029672" y="850436"/>
-            <a:ext cx="498551" cy="369759"/>
-          </a:xfrm>
-          <a:prstGeom prst="rect">
-            <a:avLst/>
-          </a:prstGeom>
-        </p:spPr>
-      </p:pic>
-      <p:pic>
-        <p:nvPicPr>
           <p:cNvPr id="4" name="Obraz 3" descr="Obraz zawierający rzecz&#10;&#10;Opis wygenerowany przy wysokim poziomie pewności">
             <a:extLst>
               <a:ext uri="{FF2B5EF4-FFF2-40B4-BE49-F238E27FC236}">
@@ -33144,7 +38217,7 @@
           <p:nvPr/>
         </p:nvPicPr>
         <p:blipFill>
-          <a:blip r:embed="rId4" cstate="print">
+          <a:blip r:embed="rId3" cstate="print">
             <a:extLst>
               <a:ext uri="{28A0092B-C50C-407E-A947-70E740481C1C}">
                 <a14:useLocalDpi xmlns:a14="http://schemas.microsoft.com/office/drawing/2010/main" val="0"/>
@@ -33179,14 +38252,686 @@
         </p:xfrm>
         <a:graphic>
           <a:graphicData uri="http://schemas.openxmlformats.org/drawingml/2006/diagram">
-            <dgm:relIds xmlns:dgm="http://schemas.openxmlformats.org/drawingml/2006/diagram" xmlns:r="http://schemas.openxmlformats.org/officeDocument/2006/relationships" r:dm="rId5" r:lo="rId6" r:qs="rId7" r:cs="rId8"/>
+            <dgm:relIds xmlns:dgm="http://schemas.openxmlformats.org/drawingml/2006/diagram" xmlns:r="http://schemas.openxmlformats.org/officeDocument/2006/relationships" r:dm="rId4" r:lo="rId5" r:qs="rId6" r:cs="rId7"/>
           </a:graphicData>
         </a:graphic>
       </p:graphicFrame>
+      <p:pic>
+        <p:nvPicPr>
+          <p:cNvPr id="22" name="Obraz 21" descr="Obraz zawierający zielony, zewnętrzne&#10;&#10;Opis wygenerowany przy bardzo wysokim poziomie pewności">
+            <a:extLst>
+              <a:ext uri="{FF2B5EF4-FFF2-40B4-BE49-F238E27FC236}">
+                <a16:creationId xmlns:a16="http://schemas.microsoft.com/office/drawing/2014/main" id="{DE7B47AA-45F0-4425-A32F-AE15BDB78F93}"/>
+              </a:ext>
+            </a:extLst>
+          </p:cNvPr>
+          <p:cNvPicPr>
+            <a:picLocks noChangeAspect="1"/>
+          </p:cNvPicPr>
+          <p:nvPr/>
+        </p:nvPicPr>
+        <p:blipFill>
+          <a:blip r:embed="rId9" cstate="print">
+            <a:extLst>
+              <a:ext uri="{28A0092B-C50C-407E-A947-70E740481C1C}">
+                <a14:useLocalDpi xmlns:a14="http://schemas.microsoft.com/office/drawing/2010/main" val="0"/>
+              </a:ext>
+            </a:extLst>
+          </a:blip>
+          <a:stretch>
+            <a:fillRect/>
+          </a:stretch>
+        </p:blipFill>
+        <p:spPr>
+          <a:xfrm>
+            <a:off x="33947" y="1998219"/>
+            <a:ext cx="1610488" cy="1207866"/>
+          </a:xfrm>
+          <a:prstGeom prst="ellipse">
+            <a:avLst/>
+          </a:prstGeom>
+          <a:ln>
+            <a:noFill/>
+          </a:ln>
+          <a:effectLst>
+            <a:softEdge rad="112500"/>
+          </a:effectLst>
+        </p:spPr>
+      </p:pic>
+      <p:grpSp>
+        <p:nvGrpSpPr>
+          <p:cNvPr id="25" name="Grupa 24">
+            <a:extLst>
+              <a:ext uri="{FF2B5EF4-FFF2-40B4-BE49-F238E27FC236}">
+                <a16:creationId xmlns:a16="http://schemas.microsoft.com/office/drawing/2014/main" id="{309FA160-D1FC-4E16-9141-3844F70BE55B}"/>
+              </a:ext>
+            </a:extLst>
+          </p:cNvPr>
+          <p:cNvGrpSpPr/>
+          <p:nvPr/>
+        </p:nvGrpSpPr>
+        <p:grpSpPr>
+          <a:xfrm>
+            <a:off x="521285" y="35196"/>
+            <a:ext cx="5253027" cy="3410877"/>
+            <a:chOff x="521285" y="35196"/>
+            <a:chExt cx="5253027" cy="3410877"/>
+          </a:xfrm>
+        </p:grpSpPr>
+        <p:grpSp>
+          <p:nvGrpSpPr>
+            <p:cNvPr id="26" name="Grupa 25">
+              <a:extLst>
+                <a:ext uri="{FF2B5EF4-FFF2-40B4-BE49-F238E27FC236}">
+                  <a16:creationId xmlns:a16="http://schemas.microsoft.com/office/drawing/2014/main" id="{1D2EB7E0-2D89-43B6-BCD3-B271894C47C0}"/>
+                </a:ext>
+              </a:extLst>
+            </p:cNvPr>
+            <p:cNvGrpSpPr/>
+            <p:nvPr/>
+          </p:nvGrpSpPr>
+          <p:grpSpPr>
+            <a:xfrm>
+              <a:off x="521285" y="35196"/>
+              <a:ext cx="5253027" cy="3410877"/>
+              <a:chOff x="521285" y="35196"/>
+              <a:chExt cx="5253027" cy="3410877"/>
+            </a:xfrm>
+          </p:grpSpPr>
+          <p:pic>
+            <p:nvPicPr>
+              <p:cNvPr id="30" name="Obraz 29" descr="Obraz zawierający zielony, zewnętrzne&#10;&#10;Opis wygenerowany przy bardzo wysokim poziomie pewności">
+                <a:extLst>
+                  <a:ext uri="{FF2B5EF4-FFF2-40B4-BE49-F238E27FC236}">
+                    <a16:creationId xmlns:a16="http://schemas.microsoft.com/office/drawing/2014/main" id="{1B1CF823-55CC-404E-9857-36B3E72EC2E0}"/>
+                  </a:ext>
+                </a:extLst>
+              </p:cNvPr>
+              <p:cNvPicPr>
+                <a:picLocks noChangeAspect="1"/>
+              </p:cNvPicPr>
+              <p:nvPr/>
+            </p:nvPicPr>
+            <p:blipFill>
+              <a:blip r:embed="rId9" cstate="print">
+                <a:extLst>
+                  <a:ext uri="{28A0092B-C50C-407E-A947-70E740481C1C}">
+                    <a14:useLocalDpi xmlns:a14="http://schemas.microsoft.com/office/drawing/2010/main" val="0"/>
+                  </a:ext>
+                </a:extLst>
+              </a:blip>
+              <a:stretch>
+                <a:fillRect/>
+              </a:stretch>
+            </p:blipFill>
+            <p:spPr>
+              <a:xfrm>
+                <a:off x="850390" y="92130"/>
+                <a:ext cx="1610488" cy="1207866"/>
+              </a:xfrm>
+              <a:prstGeom prst="ellipse">
+                <a:avLst/>
+              </a:prstGeom>
+              <a:ln>
+                <a:noFill/>
+              </a:ln>
+              <a:effectLst>
+                <a:softEdge rad="112500"/>
+              </a:effectLst>
+            </p:spPr>
+          </p:pic>
+          <p:pic>
+            <p:nvPicPr>
+              <p:cNvPr id="31" name="Obraz 30" descr="Obraz zawierający zielony, zewnętrzne&#10;&#10;Opis wygenerowany przy bardzo wysokim poziomie pewności">
+                <a:extLst>
+                  <a:ext uri="{FF2B5EF4-FFF2-40B4-BE49-F238E27FC236}">
+                    <a16:creationId xmlns:a16="http://schemas.microsoft.com/office/drawing/2014/main" id="{25EAADE6-3616-4AC9-8959-6F314EC515AB}"/>
+                  </a:ext>
+                </a:extLst>
+              </p:cNvPr>
+              <p:cNvPicPr>
+                <a:picLocks noChangeAspect="1"/>
+              </p:cNvPicPr>
+              <p:nvPr/>
+            </p:nvPicPr>
+            <p:blipFill>
+              <a:blip r:embed="rId9" cstate="print">
+                <a:extLst>
+                  <a:ext uri="{28A0092B-C50C-407E-A947-70E740481C1C}">
+                    <a14:useLocalDpi xmlns:a14="http://schemas.microsoft.com/office/drawing/2010/main" val="0"/>
+                  </a:ext>
+                </a:extLst>
+              </a:blip>
+              <a:stretch>
+                <a:fillRect/>
+              </a:stretch>
+            </p:blipFill>
+            <p:spPr>
+              <a:xfrm>
+                <a:off x="1295716" y="679478"/>
+                <a:ext cx="1610488" cy="1207866"/>
+              </a:xfrm>
+              <a:prstGeom prst="ellipse">
+                <a:avLst/>
+              </a:prstGeom>
+              <a:ln>
+                <a:noFill/>
+              </a:ln>
+              <a:effectLst>
+                <a:softEdge rad="112500"/>
+              </a:effectLst>
+            </p:spPr>
+          </p:pic>
+          <p:pic>
+            <p:nvPicPr>
+              <p:cNvPr id="32" name="Obraz 31" descr="Obraz zawierający zielony, zewnętrzne&#10;&#10;Opis wygenerowany przy bardzo wysokim poziomie pewności">
+                <a:extLst>
+                  <a:ext uri="{FF2B5EF4-FFF2-40B4-BE49-F238E27FC236}">
+                    <a16:creationId xmlns:a16="http://schemas.microsoft.com/office/drawing/2014/main" id="{69B456DF-8763-469E-9EB9-8738A8F3B226}"/>
+                  </a:ext>
+                </a:extLst>
+              </p:cNvPr>
+              <p:cNvPicPr>
+                <a:picLocks noChangeAspect="1"/>
+              </p:cNvPicPr>
+              <p:nvPr/>
+            </p:nvPicPr>
+            <p:blipFill>
+              <a:blip r:embed="rId9" cstate="print">
+                <a:extLst>
+                  <a:ext uri="{28A0092B-C50C-407E-A947-70E740481C1C}">
+                    <a14:useLocalDpi xmlns:a14="http://schemas.microsoft.com/office/drawing/2010/main" val="0"/>
+                  </a:ext>
+                </a:extLst>
+              </a:blip>
+              <a:stretch>
+                <a:fillRect/>
+              </a:stretch>
+            </p:blipFill>
+            <p:spPr>
+              <a:xfrm>
+                <a:off x="2436671" y="35196"/>
+                <a:ext cx="1610488" cy="1207866"/>
+              </a:xfrm>
+              <a:prstGeom prst="ellipse">
+                <a:avLst/>
+              </a:prstGeom>
+              <a:ln>
+                <a:noFill/>
+              </a:ln>
+              <a:effectLst>
+                <a:softEdge rad="112500"/>
+              </a:effectLst>
+            </p:spPr>
+          </p:pic>
+          <p:pic>
+            <p:nvPicPr>
+              <p:cNvPr id="33" name="Obraz 32" descr="Obraz zawierający zielony, zewnętrzne&#10;&#10;Opis wygenerowany przy bardzo wysokim poziomie pewności">
+                <a:extLst>
+                  <a:ext uri="{FF2B5EF4-FFF2-40B4-BE49-F238E27FC236}">
+                    <a16:creationId xmlns:a16="http://schemas.microsoft.com/office/drawing/2014/main" id="{621807FC-EAD6-4CB5-91DC-7FAE3451F61E}"/>
+                  </a:ext>
+                </a:extLst>
+              </p:cNvPr>
+              <p:cNvPicPr>
+                <a:picLocks noChangeAspect="1"/>
+              </p:cNvPicPr>
+              <p:nvPr/>
+            </p:nvPicPr>
+            <p:blipFill>
+              <a:blip r:embed="rId9" cstate="print">
+                <a:extLst>
+                  <a:ext uri="{28A0092B-C50C-407E-A947-70E740481C1C}">
+                    <a14:useLocalDpi xmlns:a14="http://schemas.microsoft.com/office/drawing/2010/main" val="0"/>
+                  </a:ext>
+                </a:extLst>
+              </a:blip>
+              <a:stretch>
+                <a:fillRect/>
+              </a:stretch>
+            </p:blipFill>
+            <p:spPr>
+              <a:xfrm>
+                <a:off x="3143659" y="392427"/>
+                <a:ext cx="1610488" cy="1207866"/>
+              </a:xfrm>
+              <a:prstGeom prst="ellipse">
+                <a:avLst/>
+              </a:prstGeom>
+              <a:ln>
+                <a:noFill/>
+              </a:ln>
+              <a:effectLst>
+                <a:softEdge rad="112500"/>
+              </a:effectLst>
+            </p:spPr>
+          </p:pic>
+          <p:pic>
+            <p:nvPicPr>
+              <p:cNvPr id="34" name="Obraz 33" descr="Obraz zawierający zielony, zewnętrzne&#10;&#10;Opis wygenerowany przy bardzo wysokim poziomie pewności">
+                <a:extLst>
+                  <a:ext uri="{FF2B5EF4-FFF2-40B4-BE49-F238E27FC236}">
+                    <a16:creationId xmlns:a16="http://schemas.microsoft.com/office/drawing/2014/main" id="{BF5C87D2-87E1-4669-908C-FD3926893A22}"/>
+                  </a:ext>
+                </a:extLst>
+              </p:cNvPr>
+              <p:cNvPicPr>
+                <a:picLocks noChangeAspect="1"/>
+              </p:cNvPicPr>
+              <p:nvPr/>
+            </p:nvPicPr>
+            <p:blipFill>
+              <a:blip r:embed="rId9" cstate="print">
+                <a:extLst>
+                  <a:ext uri="{28A0092B-C50C-407E-A947-70E740481C1C}">
+                    <a14:useLocalDpi xmlns:a14="http://schemas.microsoft.com/office/drawing/2010/main" val="0"/>
+                  </a:ext>
+                </a:extLst>
+              </a:blip>
+              <a:stretch>
+                <a:fillRect/>
+              </a:stretch>
+            </p:blipFill>
+            <p:spPr>
+              <a:xfrm>
+                <a:off x="3687241" y="965008"/>
+                <a:ext cx="1610488" cy="1207866"/>
+              </a:xfrm>
+              <a:prstGeom prst="ellipse">
+                <a:avLst/>
+              </a:prstGeom>
+              <a:ln>
+                <a:noFill/>
+              </a:ln>
+              <a:effectLst>
+                <a:softEdge rad="112500"/>
+              </a:effectLst>
+            </p:spPr>
+          </p:pic>
+          <p:pic>
+            <p:nvPicPr>
+              <p:cNvPr id="35" name="Obraz 34" descr="Obraz zawierający zielony, zewnętrzne&#10;&#10;Opis wygenerowany przy bardzo wysokim poziomie pewności">
+                <a:extLst>
+                  <a:ext uri="{FF2B5EF4-FFF2-40B4-BE49-F238E27FC236}">
+                    <a16:creationId xmlns:a16="http://schemas.microsoft.com/office/drawing/2014/main" id="{9E5D37BA-0608-4648-B5D6-C1CE68734A3F}"/>
+                  </a:ext>
+                </a:extLst>
+              </p:cNvPr>
+              <p:cNvPicPr>
+                <a:picLocks noChangeAspect="1"/>
+              </p:cNvPicPr>
+              <p:nvPr/>
+            </p:nvPicPr>
+            <p:blipFill>
+              <a:blip r:embed="rId9" cstate="print">
+                <a:extLst>
+                  <a:ext uri="{28A0092B-C50C-407E-A947-70E740481C1C}">
+                    <a14:useLocalDpi xmlns:a14="http://schemas.microsoft.com/office/drawing/2010/main" val="0"/>
+                  </a:ext>
+                </a:extLst>
+              </a:blip>
+              <a:stretch>
+                <a:fillRect/>
+              </a:stretch>
+            </p:blipFill>
+            <p:spPr>
+              <a:xfrm>
+                <a:off x="4163824" y="2193925"/>
+                <a:ext cx="1610488" cy="1207866"/>
+              </a:xfrm>
+              <a:prstGeom prst="ellipse">
+                <a:avLst/>
+              </a:prstGeom>
+              <a:ln>
+                <a:noFill/>
+              </a:ln>
+              <a:effectLst>
+                <a:softEdge rad="112500"/>
+              </a:effectLst>
+            </p:spPr>
+          </p:pic>
+          <p:pic>
+            <p:nvPicPr>
+              <p:cNvPr id="36" name="Obraz 35" descr="Obraz zawierający zielony, zewnętrzne&#10;&#10;Opis wygenerowany przy bardzo wysokim poziomie pewności">
+                <a:extLst>
+                  <a:ext uri="{FF2B5EF4-FFF2-40B4-BE49-F238E27FC236}">
+                    <a16:creationId xmlns:a16="http://schemas.microsoft.com/office/drawing/2014/main" id="{71618E71-4957-4536-8C57-A9BA23350B52}"/>
+                  </a:ext>
+                </a:extLst>
+              </p:cNvPr>
+              <p:cNvPicPr>
+                <a:picLocks noChangeAspect="1"/>
+              </p:cNvPicPr>
+              <p:nvPr/>
+            </p:nvPicPr>
+            <p:blipFill>
+              <a:blip r:embed="rId9" cstate="print">
+                <a:extLst>
+                  <a:ext uri="{28A0092B-C50C-407E-A947-70E740481C1C}">
+                    <a14:useLocalDpi xmlns:a14="http://schemas.microsoft.com/office/drawing/2010/main" val="0"/>
+                  </a:ext>
+                </a:extLst>
+              </a:blip>
+              <a:stretch>
+                <a:fillRect/>
+              </a:stretch>
+            </p:blipFill>
+            <p:spPr>
+              <a:xfrm>
+                <a:off x="3435922" y="1548052"/>
+                <a:ext cx="1610488" cy="1207866"/>
+              </a:xfrm>
+              <a:prstGeom prst="ellipse">
+                <a:avLst/>
+              </a:prstGeom>
+              <a:ln>
+                <a:noFill/>
+              </a:ln>
+              <a:effectLst>
+                <a:softEdge rad="112500"/>
+              </a:effectLst>
+            </p:spPr>
+          </p:pic>
+          <p:pic>
+            <p:nvPicPr>
+              <p:cNvPr id="37" name="Obraz 36" descr="Obraz zawierający zielony, zewnętrzne&#10;&#10;Opis wygenerowany przy bardzo wysokim poziomie pewności">
+                <a:extLst>
+                  <a:ext uri="{FF2B5EF4-FFF2-40B4-BE49-F238E27FC236}">
+                    <a16:creationId xmlns:a16="http://schemas.microsoft.com/office/drawing/2014/main" id="{B725606D-2B75-4C60-9F2B-B3742A930861}"/>
+                  </a:ext>
+                </a:extLst>
+              </p:cNvPr>
+              <p:cNvPicPr>
+                <a:picLocks noChangeAspect="1"/>
+              </p:cNvPicPr>
+              <p:nvPr/>
+            </p:nvPicPr>
+            <p:blipFill>
+              <a:blip r:embed="rId9" cstate="print">
+                <a:extLst>
+                  <a:ext uri="{28A0092B-C50C-407E-A947-70E740481C1C}">
+                    <a14:useLocalDpi xmlns:a14="http://schemas.microsoft.com/office/drawing/2010/main" val="0"/>
+                  </a:ext>
+                </a:extLst>
+              </a:blip>
+              <a:stretch>
+                <a:fillRect/>
+              </a:stretch>
+            </p:blipFill>
+            <p:spPr>
+              <a:xfrm>
+                <a:off x="3686764" y="2238207"/>
+                <a:ext cx="1610488" cy="1207866"/>
+              </a:xfrm>
+              <a:prstGeom prst="ellipse">
+                <a:avLst/>
+              </a:prstGeom>
+              <a:ln>
+                <a:noFill/>
+              </a:ln>
+              <a:effectLst>
+                <a:softEdge rad="112500"/>
+              </a:effectLst>
+            </p:spPr>
+          </p:pic>
+          <p:pic>
+            <p:nvPicPr>
+              <p:cNvPr id="38" name="Obraz 37" descr="Obraz zawierający zielony, zewnętrzne&#10;&#10;Opis wygenerowany przy bardzo wysokim poziomie pewności">
+                <a:extLst>
+                  <a:ext uri="{FF2B5EF4-FFF2-40B4-BE49-F238E27FC236}">
+                    <a16:creationId xmlns:a16="http://schemas.microsoft.com/office/drawing/2014/main" id="{C08C48B4-4EC7-4F83-9528-3D7B10D0ADB2}"/>
+                  </a:ext>
+                </a:extLst>
+              </p:cNvPr>
+              <p:cNvPicPr>
+                <a:picLocks noChangeAspect="1"/>
+              </p:cNvPicPr>
+              <p:nvPr/>
+            </p:nvPicPr>
+            <p:blipFill>
+              <a:blip r:embed="rId9" cstate="print">
+                <a:extLst>
+                  <a:ext uri="{28A0092B-C50C-407E-A947-70E740481C1C}">
+                    <a14:useLocalDpi xmlns:a14="http://schemas.microsoft.com/office/drawing/2010/main" val="0"/>
+                  </a:ext>
+                </a:extLst>
+              </a:blip>
+              <a:stretch>
+                <a:fillRect/>
+              </a:stretch>
+            </p:blipFill>
+            <p:spPr>
+              <a:xfrm>
+                <a:off x="2750213" y="658427"/>
+                <a:ext cx="1610488" cy="1207866"/>
+              </a:xfrm>
+              <a:prstGeom prst="ellipse">
+                <a:avLst/>
+              </a:prstGeom>
+              <a:ln>
+                <a:noFill/>
+              </a:ln>
+              <a:effectLst>
+                <a:softEdge rad="112500"/>
+              </a:effectLst>
+            </p:spPr>
+          </p:pic>
+          <p:pic>
+            <p:nvPicPr>
+              <p:cNvPr id="39" name="Obraz 38" descr="Obraz zawierający zielony, zewnętrzne&#10;&#10;Opis wygenerowany przy bardzo wysokim poziomie pewności">
+                <a:extLst>
+                  <a:ext uri="{FF2B5EF4-FFF2-40B4-BE49-F238E27FC236}">
+                    <a16:creationId xmlns:a16="http://schemas.microsoft.com/office/drawing/2014/main" id="{820C113E-3B86-4726-B43F-5F32B34FE2D2}"/>
+                  </a:ext>
+                </a:extLst>
+              </p:cNvPr>
+              <p:cNvPicPr>
+                <a:picLocks noChangeAspect="1"/>
+              </p:cNvPicPr>
+              <p:nvPr/>
+            </p:nvPicPr>
+            <p:blipFill>
+              <a:blip r:embed="rId9" cstate="print">
+                <a:extLst>
+                  <a:ext uri="{28A0092B-C50C-407E-A947-70E740481C1C}">
+                    <a14:useLocalDpi xmlns:a14="http://schemas.microsoft.com/office/drawing/2010/main" val="0"/>
+                  </a:ext>
+                </a:extLst>
+              </a:blip>
+              <a:stretch>
+                <a:fillRect/>
+              </a:stretch>
+            </p:blipFill>
+            <p:spPr>
+              <a:xfrm>
+                <a:off x="521285" y="1072043"/>
+                <a:ext cx="1610488" cy="1207866"/>
+              </a:xfrm>
+              <a:prstGeom prst="ellipse">
+                <a:avLst/>
+              </a:prstGeom>
+              <a:ln>
+                <a:noFill/>
+              </a:ln>
+              <a:effectLst>
+                <a:softEdge rad="112500"/>
+              </a:effectLst>
+            </p:spPr>
+          </p:pic>
+          <p:pic>
+            <p:nvPicPr>
+              <p:cNvPr id="40" name="Obraz 39" descr="Obraz zawierający zielony, zewnętrzne&#10;&#10;Opis wygenerowany przy bardzo wysokim poziomie pewności">
+                <a:extLst>
+                  <a:ext uri="{FF2B5EF4-FFF2-40B4-BE49-F238E27FC236}">
+                    <a16:creationId xmlns:a16="http://schemas.microsoft.com/office/drawing/2014/main" id="{A2339D72-BA49-4BFB-A6DC-31FFBFA88E15}"/>
+                  </a:ext>
+                </a:extLst>
+              </p:cNvPr>
+              <p:cNvPicPr>
+                <a:picLocks noChangeAspect="1"/>
+              </p:cNvPicPr>
+              <p:nvPr/>
+            </p:nvPicPr>
+            <p:blipFill>
+              <a:blip r:embed="rId9" cstate="print">
+                <a:extLst>
+                  <a:ext uri="{28A0092B-C50C-407E-A947-70E740481C1C}">
+                    <a14:useLocalDpi xmlns:a14="http://schemas.microsoft.com/office/drawing/2010/main" val="0"/>
+                  </a:ext>
+                </a:extLst>
+              </a:blip>
+              <a:stretch>
+                <a:fillRect/>
+              </a:stretch>
+            </p:blipFill>
+            <p:spPr>
+              <a:xfrm>
+                <a:off x="716964" y="1494315"/>
+                <a:ext cx="1610488" cy="1207866"/>
+              </a:xfrm>
+              <a:prstGeom prst="ellipse">
+                <a:avLst/>
+              </a:prstGeom>
+              <a:ln>
+                <a:noFill/>
+              </a:ln>
+              <a:effectLst>
+                <a:softEdge rad="112500"/>
+              </a:effectLst>
+            </p:spPr>
+          </p:pic>
+        </p:grpSp>
+        <p:pic>
+          <p:nvPicPr>
+            <p:cNvPr id="27" name="Obraz 26" descr="Obraz zawierający zielony, zewnętrzne&#10;&#10;Opis wygenerowany przy bardzo wysokim poziomie pewności">
+              <a:extLst>
+                <a:ext uri="{FF2B5EF4-FFF2-40B4-BE49-F238E27FC236}">
+                  <a16:creationId xmlns:a16="http://schemas.microsoft.com/office/drawing/2014/main" id="{B51B5884-15A6-45AF-8B51-48B80BCA2D63}"/>
+                </a:ext>
+              </a:extLst>
+            </p:cNvPr>
+            <p:cNvPicPr>
+              <a:picLocks noChangeAspect="1"/>
+            </p:cNvPicPr>
+            <p:nvPr/>
+          </p:nvPicPr>
+          <p:blipFill>
+            <a:blip r:embed="rId9" cstate="print">
+              <a:extLst>
+                <a:ext uri="{28A0092B-C50C-407E-A947-70E740481C1C}">
+                  <a14:useLocalDpi xmlns:a14="http://schemas.microsoft.com/office/drawing/2010/main" val="0"/>
+                </a:ext>
+              </a:extLst>
+            </a:blip>
+            <a:stretch>
+              <a:fillRect/>
+            </a:stretch>
+          </p:blipFill>
+          <p:spPr>
+            <a:xfrm>
+              <a:off x="1577371" y="1229674"/>
+              <a:ext cx="1610488" cy="1207866"/>
+            </a:xfrm>
+            <a:prstGeom prst="ellipse">
+              <a:avLst/>
+            </a:prstGeom>
+            <a:ln>
+              <a:noFill/>
+            </a:ln>
+            <a:effectLst>
+              <a:softEdge rad="112500"/>
+            </a:effectLst>
+          </p:spPr>
+        </p:pic>
+        <p:pic>
+          <p:nvPicPr>
+            <p:cNvPr id="28" name="Obraz 27" descr="Obraz zawierający zielony, zewnętrzne&#10;&#10;Opis wygenerowany przy bardzo wysokim poziomie pewności">
+              <a:extLst>
+                <a:ext uri="{FF2B5EF4-FFF2-40B4-BE49-F238E27FC236}">
+                  <a16:creationId xmlns:a16="http://schemas.microsoft.com/office/drawing/2014/main" id="{DE23DF88-299B-46EF-A0DC-8F93587F3A50}"/>
+                </a:ext>
+              </a:extLst>
+            </p:cNvPr>
+            <p:cNvPicPr>
+              <a:picLocks noChangeAspect="1"/>
+            </p:cNvPicPr>
+            <p:nvPr/>
+          </p:nvPicPr>
+          <p:blipFill>
+            <a:blip r:embed="rId9" cstate="print">
+              <a:extLst>
+                <a:ext uri="{28A0092B-C50C-407E-A947-70E740481C1C}">
+                  <a14:useLocalDpi xmlns:a14="http://schemas.microsoft.com/office/drawing/2010/main" val="0"/>
+                </a:ext>
+              </a:extLst>
+            </a:blip>
+            <a:stretch>
+              <a:fillRect/>
+            </a:stretch>
+          </p:blipFill>
+          <p:spPr>
+            <a:xfrm>
+              <a:off x="2546231" y="1483001"/>
+              <a:ext cx="1610488" cy="1207866"/>
+            </a:xfrm>
+            <a:prstGeom prst="ellipse">
+              <a:avLst/>
+            </a:prstGeom>
+            <a:ln>
+              <a:noFill/>
+            </a:ln>
+            <a:effectLst>
+              <a:softEdge rad="112500"/>
+            </a:effectLst>
+          </p:spPr>
+        </p:pic>
+        <p:pic>
+          <p:nvPicPr>
+            <p:cNvPr id="29" name="Obraz 28" descr="Obraz zawierający zielony, zewnętrzne&#10;&#10;Opis wygenerowany przy bardzo wysokim poziomie pewności">
+              <a:extLst>
+                <a:ext uri="{FF2B5EF4-FFF2-40B4-BE49-F238E27FC236}">
+                  <a16:creationId xmlns:a16="http://schemas.microsoft.com/office/drawing/2014/main" id="{4AD0DD60-8901-4DEC-A86F-C5025A530143}"/>
+                </a:ext>
+              </a:extLst>
+            </p:cNvPr>
+            <p:cNvPicPr>
+              <a:picLocks noChangeAspect="1"/>
+            </p:cNvPicPr>
+            <p:nvPr/>
+          </p:nvPicPr>
+          <p:blipFill>
+            <a:blip r:embed="rId9" cstate="print">
+              <a:extLst>
+                <a:ext uri="{28A0092B-C50C-407E-A947-70E740481C1C}">
+                  <a14:useLocalDpi xmlns:a14="http://schemas.microsoft.com/office/drawing/2010/main" val="0"/>
+                </a:ext>
+              </a:extLst>
+            </a:blip>
+            <a:stretch>
+              <a:fillRect/>
+            </a:stretch>
+          </p:blipFill>
+          <p:spPr>
+            <a:xfrm>
+              <a:off x="2721655" y="2024928"/>
+              <a:ext cx="1610488" cy="1207866"/>
+            </a:xfrm>
+            <a:prstGeom prst="ellipse">
+              <a:avLst/>
+            </a:prstGeom>
+            <a:ln>
+              <a:noFill/>
+            </a:ln>
+            <a:effectLst>
+              <a:softEdge rad="112500"/>
+            </a:effectLst>
+          </p:spPr>
+        </p:pic>
+      </p:grpSp>
     </p:spTree>
     <p:extLst>
       <p:ext uri="{BB962C8B-B14F-4D97-AF65-F5344CB8AC3E}">
-        <p14:creationId xmlns:p14="http://schemas.microsoft.com/office/powerpoint/2010/main" val="2696587962"/>
+        <p14:creationId xmlns:p14="http://schemas.microsoft.com/office/powerpoint/2010/main" val="523887197"/>
       </p:ext>
     </p:extLst>
   </p:cSld>
